--- a/resource/brijesh-resume.pptx
+++ b/resource/brijesh-resume.pptx
@@ -4115,9 +4115,9 @@
         <p:grpSpPr>
           <a:xfrm>
             <a:off x="131453" y="8995790"/>
-            <a:ext cx="6659121" cy="1804332"/>
+            <a:ext cx="6796287" cy="1804332"/>
             <a:chOff x="131453" y="8942002"/>
-            <a:chExt cx="6659121" cy="1804332"/>
+            <a:chExt cx="6796287" cy="1804332"/>
           </a:xfrm>
         </p:grpSpPr>
         <p:grpSp>
@@ -4142,10 +4142,10 @@
             </p:nvGrpSpPr>
             <p:grpSpPr>
               <a:xfrm>
-                <a:off x="2248826" y="7925509"/>
-                <a:ext cx="4469470" cy="1472835"/>
-                <a:chOff x="-1497670" y="5877334"/>
-                <a:chExt cx="4469470" cy="1472835"/>
+                <a:off x="2273540" y="7925509"/>
+                <a:ext cx="4444756" cy="1472835"/>
+                <a:chOff x="-1472956" y="5877334"/>
+                <a:chExt cx="4444756" cy="1472835"/>
               </a:xfrm>
             </p:grpSpPr>
             <p:grpSp>
@@ -4156,9 +4156,9 @@
               </p:nvGrpSpPr>
               <p:grpSpPr>
                 <a:xfrm>
-                  <a:off x="-1497670" y="5877334"/>
+                  <a:off x="-1472956" y="5877334"/>
                   <a:ext cx="2320923" cy="523587"/>
-                  <a:chOff x="-1582333" y="6215986"/>
+                  <a:chOff x="-1557619" y="6215986"/>
                   <a:chExt cx="2320923" cy="523587"/>
                 </a:xfrm>
               </p:grpSpPr>
@@ -4170,7 +4170,7 @@
                 </p:nvSpPr>
                 <p:spPr>
                   <a:xfrm>
-                    <a:off x="-1582333" y="6215986"/>
+                    <a:off x="-1557619" y="6215986"/>
                     <a:ext cx="2320923" cy="246221"/>
                   </a:xfrm>
                   <a:prstGeom prst="rect">
@@ -4202,7 +4202,7 @@
                 </p:nvSpPr>
                 <p:spPr>
                   <a:xfrm>
-                    <a:off x="-1578929" y="6375152"/>
+                    <a:off x="-1554215" y="6375152"/>
                     <a:ext cx="1440435" cy="230832"/>
                   </a:xfrm>
                   <a:prstGeom prst="rect">
@@ -4241,7 +4241,7 @@
                 </p:nvSpPr>
                 <p:spPr>
                   <a:xfrm>
-                    <a:off x="-1581367" y="6524129"/>
+                    <a:off x="-1556653" y="6524129"/>
                     <a:ext cx="1702484" cy="215444"/>
                   </a:xfrm>
                   <a:prstGeom prst="rect">
@@ -4392,7 +4392,7 @@
           </p:nvSpPr>
           <p:spPr>
             <a:xfrm>
-              <a:off x="3438217" y="9275840"/>
+              <a:off x="3553549" y="9275840"/>
               <a:ext cx="1440435" cy="246221"/>
             </a:xfrm>
             <a:prstGeom prst="rect">
@@ -4428,8 +4428,8 @@
           </p:nvSpPr>
           <p:spPr>
             <a:xfrm>
-              <a:off x="2976528" y="9433553"/>
-              <a:ext cx="3814046" cy="397032"/>
+              <a:off x="3091860" y="9433553"/>
+              <a:ext cx="3835880" cy="397032"/>
             </a:xfrm>
             <a:prstGeom prst="rect">
               <a:avLst/>
@@ -4448,6 +4448,19 @@
                 </a:lnSpc>
               </a:pPr>
               <a:r>
+                <a:rPr lang="en-US" sz="900" smtClean="0">
+                  <a:solidFill>
+                    <a:schemeClr val="tx1">
+                      <a:lumMod val="50000"/>
+                      <a:lumOff val="50000"/>
+                    </a:schemeClr>
+                  </a:solidFill>
+                  <a:latin typeface="Oxygen Light"/>
+                  <a:cs typeface="Oxygen Light"/>
+                </a:rPr>
+                <a:t>OS, </a:t>
+              </a:r>
+              <a:r>
                 <a:rPr lang="en-US" sz="900" dirty="0" smtClean="0">
                   <a:solidFill>
                     <a:schemeClr val="tx1">
@@ -4458,7 +4471,7 @@
                   <a:latin typeface="Oxygen Light"/>
                   <a:cs typeface="Oxygen Light"/>
                 </a:rPr>
-                <a:t>Operating Systems, Networking, Distributed Systems, Database Concepts, Robotic Algorithms, Software Engineering.  </a:t>
+                <a:t>Networking, Distributed Systems, Database Concepts, Robotic Algorithms, Software Engineering.  </a:t>
               </a:r>
               <a:endParaRPr lang="en-US" sz="900" dirty="0">
                 <a:solidFill>
@@ -5839,9 +5852,9 @@
           </p:nvGrpSpPr>
           <p:grpSpPr>
             <a:xfrm>
-              <a:off x="3108114" y="8881677"/>
+              <a:off x="3116352" y="8881677"/>
               <a:ext cx="3715522" cy="572220"/>
-              <a:chOff x="6684044" y="8608344"/>
+              <a:chOff x="6692282" y="8608344"/>
               <a:chExt cx="3715522" cy="572220"/>
             </a:xfrm>
           </p:grpSpPr>
@@ -5853,7 +5866,7 @@
             </p:nvSpPr>
             <p:spPr>
               <a:xfrm>
-                <a:off x="7137595" y="8608344"/>
+                <a:off x="7145833" y="8608344"/>
                 <a:ext cx="3261971" cy="246221"/>
               </a:xfrm>
               <a:prstGeom prst="rect">
@@ -5903,7 +5916,7 @@
             </p:nvSpPr>
             <p:spPr>
               <a:xfrm>
-                <a:off x="6684044" y="8783532"/>
+                <a:off x="6692282" y="8783532"/>
                 <a:ext cx="3625513" cy="397032"/>
               </a:xfrm>
               <a:prstGeom prst="rect">

--- a/resource/brijesh-resume.pptx
+++ b/resource/brijesh-resume.pptx
@@ -4115,9 +4115,9 @@
         <p:grpSpPr>
           <a:xfrm>
             <a:off x="131453" y="8995790"/>
-            <a:ext cx="6796287" cy="1804332"/>
+            <a:ext cx="6812763" cy="1804332"/>
             <a:chOff x="131453" y="8942002"/>
-            <a:chExt cx="6796287" cy="1804332"/>
+            <a:chExt cx="6812763" cy="1804332"/>
           </a:xfrm>
         </p:grpSpPr>
         <p:grpSp>
@@ -4392,7 +4392,7 @@
           </p:nvSpPr>
           <p:spPr>
             <a:xfrm>
-              <a:off x="3553549" y="9275840"/>
+              <a:off x="3570025" y="9275840"/>
               <a:ext cx="1440435" cy="246221"/>
             </a:xfrm>
             <a:prstGeom prst="rect">
@@ -4428,7 +4428,7 @@
           </p:nvSpPr>
           <p:spPr>
             <a:xfrm>
-              <a:off x="3091860" y="9433553"/>
+              <a:off x="3108336" y="9433553"/>
               <a:ext cx="3835880" cy="397032"/>
             </a:xfrm>
             <a:prstGeom prst="rect">

--- a/resource/brijesh-resume.pptx
+++ b/resource/brijesh-resume.pptx
@@ -5399,20 +5399,7 @@
                         <a:latin typeface="Oxygen Light"/>
                         <a:cs typeface="Oxygen Light"/>
                       </a:rPr>
-                      <a:t>Built </a:t>
-                    </a:r>
-                    <a:r>
-                      <a:rPr lang="en-US" sz="900" dirty="0" smtClean="0">
-                        <a:solidFill>
-                          <a:schemeClr val="tx1">
-                            <a:lumMod val="50000"/>
-                            <a:lumOff val="50000"/>
-                          </a:schemeClr>
-                        </a:solidFill>
-                        <a:latin typeface="Oxygen Light"/>
-                        <a:cs typeface="Oxygen Light"/>
-                      </a:rPr>
-                      <a:t>a robotic arm to follow the movements of my hands in 3D space using </a:t>
+                      <a:t>Built a robotic arm to follow the movements of my hands in 3D space using </a:t>
                     </a:r>
                     <a:r>
                       <a:rPr lang="en-US" sz="900" b="1" dirty="0" smtClean="0">
@@ -5892,14 +5879,7 @@
                     <a:latin typeface="Oxygen Light"/>
                     <a:cs typeface="Oxygen Light"/>
                   </a:rPr>
-                  <a:t>  |   </a:t>
-                </a:r>
-                <a:r>
-                  <a:rPr lang="en-US" sz="1000" b="1" dirty="0" smtClean="0">
-                    <a:latin typeface="Oxygen Light"/>
-                    <a:cs typeface="Oxygen Light"/>
-                  </a:rPr>
-                  <a:t>JavaScript</a:t>
+                  <a:t>  |   JavaScript</a:t>
                 </a:r>
                 <a:endParaRPr lang="en-US" sz="1100" b="1" dirty="0" smtClean="0">
                   <a:latin typeface="Oxygen Light"/>
@@ -6037,20 +6017,7 @@
                     <a:latin typeface="Oxygen Light"/>
                     <a:cs typeface="Oxygen Light"/>
                   </a:rPr>
-                  <a:t> </a:t>
-                </a:r>
-                <a:r>
-                  <a:rPr lang="en-US" sz="900" dirty="0" smtClean="0">
-                    <a:solidFill>
-                      <a:schemeClr val="tx1">
-                        <a:lumMod val="50000"/>
-                        <a:lumOff val="50000"/>
-                      </a:schemeClr>
-                    </a:solidFill>
-                    <a:latin typeface="Oxygen Light"/>
-                    <a:cs typeface="Oxygen Light"/>
-                  </a:rPr>
-                  <a:t>	</a:t>
+                  <a:t> 	</a:t>
                 </a:r>
                 <a:endParaRPr lang="en-US" sz="900" dirty="0">
                   <a:solidFill>
@@ -6154,7 +6121,46 @@
                     <a:latin typeface="Oxygen Light"/>
                     <a:cs typeface="Oxygen Light"/>
                   </a:rPr>
-                  <a:t>Built a Hologram Generator using a TV and acrylic sheet. Wrote a music visualizer using unity to project that visualization over the hologram generator.</a:t>
+                  <a:t>Built a Hologram Generator using </a:t>
+                </a:r>
+                <a:r>
+                  <a:rPr lang="en-US" sz="900" smtClean="0">
+                    <a:solidFill>
+                      <a:schemeClr val="tx1">
+                        <a:lumMod val="50000"/>
+                        <a:lumOff val="50000"/>
+                      </a:schemeClr>
+                    </a:solidFill>
+                    <a:latin typeface="Oxygen Light"/>
+                    <a:cs typeface="Oxygen Light"/>
+                  </a:rPr>
+                  <a:t>a </a:t>
+                </a:r>
+                <a:r>
+                  <a:rPr lang="en-US" sz="900" smtClean="0">
+                    <a:solidFill>
+                      <a:schemeClr val="tx1">
+                        <a:lumMod val="50000"/>
+                        <a:lumOff val="50000"/>
+                      </a:schemeClr>
+                    </a:solidFill>
+                    <a:latin typeface="Oxygen Light"/>
+                    <a:cs typeface="Oxygen Light"/>
+                  </a:rPr>
+                  <a:t>screen and </a:t>
+                </a:r>
+                <a:r>
+                  <a:rPr lang="en-US" sz="900" dirty="0" smtClean="0">
+                    <a:solidFill>
+                      <a:schemeClr val="tx1">
+                        <a:lumMod val="50000"/>
+                        <a:lumOff val="50000"/>
+                      </a:schemeClr>
+                    </a:solidFill>
+                    <a:latin typeface="Oxygen Light"/>
+                    <a:cs typeface="Oxygen Light"/>
+                  </a:rPr>
+                  <a:t>acrylic sheet. Wrote a music visualizer using unity to project that visualization over the hologram generator.</a:t>
                 </a:r>
                 <a:endParaRPr lang="en-US" sz="900" dirty="0">
                   <a:solidFill>
@@ -6326,14 +6332,7 @@
                     <a:latin typeface="Oxygen Light"/>
                     <a:cs typeface="Oxygen Light"/>
                   </a:rPr>
-                  <a:t>New </a:t>
-                </a:r>
-                <a:r>
-                  <a:rPr lang="en-US" sz="1000" smtClean="0">
-                    <a:latin typeface="Oxygen Light"/>
-                    <a:cs typeface="Oxygen Light"/>
-                  </a:rPr>
-                  <a:t>York, NY</a:t>
+                  <a:t>New York, NY</a:t>
                 </a:r>
                 <a:endParaRPr lang="en-US" dirty="0"/>
               </a:p>
@@ -6485,31 +6484,8 @@
                   <a:latin typeface="Oxygen Light"/>
                   <a:cs typeface="Oxygen Light"/>
                 </a:rPr>
-                <a:t>. Launched the feature of the </a:t>
+                <a:t>. Launched the feature of the Video Music Awards 2016.</a:t>
               </a:r>
-              <a:r>
-                <a:rPr lang="en-US" sz="900" dirty="0" smtClean="0">
-                  <a:solidFill>
-                    <a:schemeClr val="tx1">
-                      <a:lumMod val="50000"/>
-                      <a:lumOff val="50000"/>
-                    </a:schemeClr>
-                  </a:solidFill>
-                  <a:latin typeface="Oxygen Light"/>
-                  <a:cs typeface="Oxygen Light"/>
-                </a:rPr>
-                <a:t>Video Music Awards 2016.</a:t>
-              </a:r>
-              <a:endParaRPr lang="en-US" sz="900" dirty="0" smtClean="0">
-                <a:solidFill>
-                  <a:schemeClr val="tx1">
-                    <a:lumMod val="50000"/>
-                    <a:lumOff val="50000"/>
-                  </a:schemeClr>
-                </a:solidFill>
-                <a:latin typeface="Oxygen Light"/>
-                <a:cs typeface="Oxygen Light"/>
-              </a:endParaRPr>
             </a:p>
             <a:p>
               <a:pPr marL="628650" lvl="1" indent="-171450">
@@ -6721,7 +6697,20 @@
                     <a:latin typeface="Oxygen Light"/>
                     <a:cs typeface="Oxygen Light"/>
                   </a:rPr>
-                  <a:t>It combines low-level Android Logging </a:t>
+                  <a:t>It combines low-level Android Logging (</a:t>
+                </a:r>
+                <a:r>
+                  <a:rPr lang="en-US" sz="900" b="1" dirty="0" smtClean="0">
+                    <a:solidFill>
+                      <a:schemeClr val="tx1">
+                        <a:lumMod val="50000"/>
+                        <a:lumOff val="50000"/>
+                      </a:schemeClr>
+                    </a:solidFill>
+                    <a:latin typeface="Oxygen Light"/>
+                    <a:cs typeface="Oxygen Light"/>
+                  </a:rPr>
+                  <a:t>android platform</a:t>
                 </a:r>
                 <a:r>
                   <a:rPr lang="en-US" sz="900" dirty="0" smtClean="0">
@@ -6734,46 +6723,7 @@
                     <a:latin typeface="Oxygen Light"/>
                     <a:cs typeface="Oxygen Light"/>
                   </a:rPr>
-                  <a:t>(</a:t>
-                </a:r>
-                <a:r>
-                  <a:rPr lang="en-US" sz="900" b="1" dirty="0" smtClean="0">
-                    <a:solidFill>
-                      <a:schemeClr val="tx1">
-                        <a:lumMod val="50000"/>
-                        <a:lumOff val="50000"/>
-                      </a:schemeClr>
-                    </a:solidFill>
-                    <a:latin typeface="Oxygen Light"/>
-                    <a:cs typeface="Oxygen Light"/>
-                  </a:rPr>
-                  <a:t>android platform</a:t>
-                </a:r>
-                <a:r>
-                  <a:rPr lang="en-US" sz="900" dirty="0" smtClean="0">
-                    <a:solidFill>
-                      <a:schemeClr val="tx1">
-                        <a:lumMod val="50000"/>
-                        <a:lumOff val="50000"/>
-                      </a:schemeClr>
-                    </a:solidFill>
-                    <a:latin typeface="Oxygen Light"/>
-                    <a:cs typeface="Oxygen Light"/>
-                  </a:rPr>
-                  <a:t> </a:t>
-                </a:r>
-                <a:r>
-                  <a:rPr lang="en-US" sz="900" dirty="0" smtClean="0">
-                    <a:solidFill>
-                      <a:schemeClr val="tx1">
-                        <a:lumMod val="50000"/>
-                        <a:lumOff val="50000"/>
-                      </a:schemeClr>
-                    </a:solidFill>
-                    <a:latin typeface="Oxygen Light"/>
-                    <a:cs typeface="Oxygen Light"/>
-                  </a:rPr>
-                  <a:t>instrumentation) and analysis to measure the length of time user waits for apps to complete certain actions.</a:t>
+                  <a:t> instrumentation) and analysis to measure the length of time user waits for apps to complete certain actions.</a:t>
                 </a:r>
                 <a:endParaRPr lang="en-US" sz="900" dirty="0">
                   <a:solidFill>
@@ -6929,25 +6879,14 @@
                     </a:r>
                     <a:r>
                       <a:rPr lang="en-US" sz="1100" b="1" dirty="0" smtClean="0"/>
-                      <a:t>    </a:t>
-                    </a:r>
-                    <a:r>
-                      <a:rPr lang="en-US" sz="1100" b="1" dirty="0" smtClean="0"/>
-                      <a:t>  </a:t>
+                      <a:t>      </a:t>
                     </a:r>
                     <a:r>
                       <a:rPr lang="en-US" sz="1000" dirty="0" smtClean="0">
                         <a:latin typeface="Oxygen Light"/>
                         <a:cs typeface="Oxygen Light"/>
                       </a:rPr>
-                      <a:t>Buffalo</a:t>
-                    </a:r>
-                    <a:r>
-                      <a:rPr lang="en-US" sz="1000" dirty="0" smtClean="0">
-                        <a:latin typeface="Oxygen Light"/>
-                        <a:cs typeface="Oxygen Light"/>
-                      </a:rPr>
-                      <a:t>, NY</a:t>
+                      <a:t>Buffalo, NY</a:t>
                     </a:r>
                     <a:endParaRPr lang="en-US" dirty="0"/>
                   </a:p>
@@ -7813,26 +7752,8 @@
                   <a:latin typeface="Roboto Regular"/>
                   <a:cs typeface="Roboto Regular"/>
                 </a:rPr>
-                <a:t>CSE250 </a:t>
+                <a:t>CSE250 : Data Structures in C++</a:t>
               </a:r>
-              <a:r>
-                <a:rPr lang="en-US" sz="900" b="1" dirty="0" smtClean="0">
-                  <a:latin typeface="Roboto Regular"/>
-                  <a:cs typeface="Roboto Regular"/>
-                </a:rPr>
-                <a:t>: </a:t>
-              </a:r>
-              <a:r>
-                <a:rPr lang="en-US" sz="900" b="1" dirty="0" smtClean="0">
-                  <a:latin typeface="Roboto Regular"/>
-                  <a:cs typeface="Roboto Regular"/>
-                </a:rPr>
-                <a:t>Data Structures in C++</a:t>
-              </a:r>
-              <a:endParaRPr lang="en-US" sz="900" b="1" dirty="0" smtClean="0">
-                <a:latin typeface="Roboto Regular"/>
-                <a:cs typeface="Roboto Regular"/>
-              </a:endParaRPr>
             </a:p>
           </p:txBody>
         </p:sp>
@@ -8107,26 +8028,8 @@
                     <a:latin typeface="Roboto Regular"/>
                     <a:cs typeface="Roboto Regular"/>
                   </a:rPr>
-                  <a:t>CSE421/521 </a:t>
-                </a:r>
-                <a:r>
-                  <a:rPr lang="en-US" sz="900" b="1" dirty="0" smtClean="0">
-                    <a:latin typeface="Roboto Regular"/>
-                    <a:cs typeface="Roboto Regular"/>
-                  </a:rPr>
-                  <a:t>: </a:t>
-                </a:r>
-                <a:r>
-                  <a:rPr lang="en-US" sz="900" b="1" dirty="0" smtClean="0">
-                    <a:latin typeface="Roboto Regular"/>
-                    <a:cs typeface="Roboto Regular"/>
-                  </a:rPr>
-                  <a:t>Operating Systems (OS/161 by Harvard)</a:t>
-                </a:r>
-                <a:endParaRPr lang="en-US" sz="900" b="1" dirty="0" smtClean="0">
-                  <a:latin typeface="Roboto Regular"/>
-                  <a:cs typeface="Roboto Regular"/>
-                </a:endParaRPr>
+                  <a:t>CSE421/521 : Operating Systems (OS/161 by Harvard)</a:t>
+                </a:r>
               </a:p>
             </p:txBody>
           </p:sp>
@@ -8161,26 +8064,8 @@
                     <a:latin typeface="Roboto Regular"/>
                     <a:cs typeface="Roboto Regular"/>
                   </a:rPr>
-                  <a:t>CSE199 </a:t>
-                </a:r>
-                <a:r>
-                  <a:rPr lang="en-US" sz="900" b="1" dirty="0" smtClean="0">
-                    <a:latin typeface="Roboto Regular"/>
-                    <a:cs typeface="Roboto Regular"/>
-                  </a:rPr>
-                  <a:t>: </a:t>
-                </a:r>
-                <a:r>
-                  <a:rPr lang="en-US" sz="900" b="1" dirty="0" smtClean="0">
-                    <a:latin typeface="Roboto Regular"/>
-                    <a:cs typeface="Roboto Regular"/>
-                  </a:rPr>
-                  <a:t>How the Internet Works</a:t>
-                </a:r>
-                <a:endParaRPr lang="en-US" sz="900" b="1" dirty="0" smtClean="0">
-                  <a:latin typeface="Roboto Regular"/>
-                  <a:cs typeface="Roboto Regular"/>
-                </a:endParaRPr>
+                  <a:t>CSE199 : How the Internet Works</a:t>
+                </a:r>
               </a:p>
             </p:txBody>
           </p:sp>
@@ -8215,26 +8100,8 @@
                     <a:latin typeface="Roboto Regular"/>
                     <a:cs typeface="Roboto Regular"/>
                   </a:rPr>
-                  <a:t>CSE115 </a:t>
-                </a:r>
-                <a:r>
-                  <a:rPr lang="en-US" sz="900" b="1" dirty="0" smtClean="0">
-                    <a:latin typeface="Roboto Regular"/>
-                    <a:cs typeface="Roboto Regular"/>
-                  </a:rPr>
-                  <a:t>: </a:t>
-                </a:r>
-                <a:r>
-                  <a:rPr lang="en-US" sz="900" b="1" dirty="0" smtClean="0">
-                    <a:latin typeface="Roboto Regular"/>
-                    <a:cs typeface="Roboto Regular"/>
-                  </a:rPr>
-                  <a:t>Intro to Computer Science</a:t>
-                </a:r>
-                <a:endParaRPr lang="en-US" sz="900" b="1" dirty="0" smtClean="0">
-                  <a:latin typeface="Roboto Regular"/>
-                  <a:cs typeface="Roboto Regular"/>
-                </a:endParaRPr>
+                  <a:t>CSE115 : Intro to Computer Science</a:t>
+                </a:r>
               </a:p>
             </p:txBody>
           </p:sp>
@@ -8247,7 +8114,7 @@
             <p:spPr>
               <a:xfrm>
                 <a:off x="-136296" y="5130377"/>
-                <a:ext cx="2943219" cy="397032"/>
+                <a:ext cx="3205490" cy="397032"/>
               </a:xfrm>
               <a:prstGeom prst="rect">
                 <a:avLst/>
@@ -8330,7 +8197,33 @@
                     <a:latin typeface="Oxygen Light"/>
                     <a:cs typeface="Oxygen Light"/>
                   </a:rPr>
-                  <a:t>/week), helped students with programming assignments. </a:t>
+                  <a:t>/week</a:t>
+                </a:r>
+                <a:r>
+                  <a:rPr lang="en-US" sz="900" dirty="0" smtClean="0">
+                    <a:solidFill>
+                      <a:schemeClr val="tx1">
+                        <a:lumMod val="50000"/>
+                        <a:lumOff val="50000"/>
+                      </a:schemeClr>
+                    </a:solidFill>
+                    <a:latin typeface="Oxygen Light"/>
+                    <a:cs typeface="Oxygen Light"/>
+                  </a:rPr>
+                  <a:t>), and helped </a:t>
+                </a:r>
+                <a:r>
+                  <a:rPr lang="en-US" sz="900" dirty="0" smtClean="0">
+                    <a:solidFill>
+                      <a:schemeClr val="tx1">
+                        <a:lumMod val="50000"/>
+                        <a:lumOff val="50000"/>
+                      </a:schemeClr>
+                    </a:solidFill>
+                    <a:latin typeface="Oxygen Light"/>
+                    <a:cs typeface="Oxygen Light"/>
+                  </a:rPr>
+                  <a:t>students with programming assignments. </a:t>
                 </a:r>
                 <a:endParaRPr lang="en-US" sz="900" dirty="0">
                   <a:solidFill>
@@ -8462,7 +8355,20 @@
                     <a:latin typeface="Oxygen Light"/>
                     <a:cs typeface="Oxygen Light"/>
                   </a:rPr>
-                  <a:t>assignments and taught recitations. </a:t>
+                  <a:t>assignments, </a:t>
+                </a:r>
+                <a:r>
+                  <a:rPr lang="en-US" sz="900" dirty="0" smtClean="0">
+                    <a:solidFill>
+                      <a:schemeClr val="tx1">
+                        <a:lumMod val="50000"/>
+                        <a:lumOff val="50000"/>
+                      </a:schemeClr>
+                    </a:solidFill>
+                    <a:latin typeface="Oxygen Light"/>
+                    <a:cs typeface="Oxygen Light"/>
+                  </a:rPr>
+                  <a:t>and taught recitations. </a:t>
                 </a:r>
                 <a:endParaRPr lang="en-US" sz="900" dirty="0">
                   <a:solidFill>
@@ -8486,7 +8392,7 @@
             <p:spPr>
               <a:xfrm>
                 <a:off x="3199255" y="4501165"/>
-                <a:ext cx="3429000" cy="397032"/>
+                <a:ext cx="3429000" cy="549381"/>
               </a:xfrm>
               <a:prstGeom prst="rect">
                 <a:avLst/>
@@ -8516,7 +8422,85 @@
                     <a:latin typeface="Oxygen Light"/>
                     <a:cs typeface="Oxygen Light"/>
                   </a:rPr>
-                  <a:t>Helped in creating tools &amp; infrastructure for the class. Interacted with students one-on-one during the class.</a:t>
+                  <a:t>Developed </a:t>
+                </a:r>
+                <a:r>
+                  <a:rPr lang="en-US" sz="900" dirty="0" smtClean="0">
+                    <a:solidFill>
+                      <a:schemeClr val="tx1">
+                        <a:lumMod val="50000"/>
+                        <a:lumOff val="50000"/>
+                      </a:schemeClr>
+                    </a:solidFill>
+                    <a:latin typeface="Oxygen Light"/>
+                    <a:cs typeface="Oxygen Light"/>
+                  </a:rPr>
+                  <a:t>tools </a:t>
+                </a:r>
+                <a:r>
+                  <a:rPr lang="en-US" sz="900" dirty="0" smtClean="0">
+                    <a:solidFill>
+                      <a:schemeClr val="tx1">
+                        <a:lumMod val="50000"/>
+                        <a:lumOff val="50000"/>
+                      </a:schemeClr>
+                    </a:solidFill>
+                    <a:latin typeface="Oxygen Light"/>
+                    <a:cs typeface="Oxygen Light"/>
+                  </a:rPr>
+                  <a:t>&amp; infrastructure </a:t>
+                </a:r>
+                <a:r>
+                  <a:rPr lang="en-US" sz="900" dirty="0" smtClean="0">
+                    <a:solidFill>
+                      <a:schemeClr val="tx1">
+                        <a:lumMod val="50000"/>
+                        <a:lumOff val="50000"/>
+                      </a:schemeClr>
+                    </a:solidFill>
+                    <a:latin typeface="Oxygen Light"/>
+                    <a:cs typeface="Oxygen Light"/>
+                  </a:rPr>
+                  <a:t>needed for </a:t>
+                </a:r>
+                <a:r>
+                  <a:rPr lang="en-US" sz="900" dirty="0" smtClean="0">
+                    <a:solidFill>
+                      <a:schemeClr val="tx1">
+                        <a:lumMod val="50000"/>
+                        <a:lumOff val="50000"/>
+                      </a:schemeClr>
+                    </a:solidFill>
+                    <a:latin typeface="Oxygen Light"/>
+                    <a:cs typeface="Oxygen Light"/>
+                  </a:rPr>
+                  <a:t>the </a:t>
+                </a:r>
+                <a:r>
+                  <a:rPr lang="en-US" sz="900" dirty="0" smtClean="0">
+                    <a:solidFill>
+                      <a:schemeClr val="tx1">
+                        <a:lumMod val="50000"/>
+                        <a:lumOff val="50000"/>
+                      </a:schemeClr>
+                    </a:solidFill>
+                    <a:latin typeface="Oxygen Light"/>
+                    <a:cs typeface="Oxygen Light"/>
+                  </a:rPr>
+                  <a:t>course. </a:t>
+                </a:r>
+                <a:r>
+                  <a:rPr lang="en-US" sz="900" dirty="0" smtClean="0">
+                    <a:solidFill>
+                      <a:schemeClr val="tx1">
+                        <a:lumMod val="50000"/>
+                        <a:lumOff val="50000"/>
+                      </a:schemeClr>
+                    </a:solidFill>
+                    <a:latin typeface="Oxygen Light"/>
+                    <a:cs typeface="Oxygen Light"/>
+                  </a:rPr>
+                  <a:t>Interacted with students one-on-one during the class.</a:t>
                 </a:r>
                 <a:endParaRPr lang="en-US" sz="900" dirty="0">
                   <a:solidFill>
@@ -8649,7 +8633,20 @@
                     <a:latin typeface="Oxygen Light"/>
                     <a:cs typeface="Oxygen Light"/>
                   </a:rPr>
-                  <a:t> to help students with virtual memory assignment.  </a:t>
+                  <a:t> to help students </a:t>
+                </a:r>
+                <a:r>
+                  <a:rPr lang="en-US" sz="900" dirty="0" smtClean="0">
+                    <a:solidFill>
+                      <a:schemeClr val="tx1">
+                        <a:lumMod val="50000"/>
+                        <a:lumOff val="50000"/>
+                      </a:schemeClr>
+                    </a:solidFill>
+                    <a:latin typeface="Oxygen Light"/>
+                    <a:cs typeface="Oxygen Light"/>
+                  </a:rPr>
+                  <a:t>debug their virtual memory implementation.</a:t>
                 </a:r>
                 <a:endParaRPr lang="en-US" sz="900" dirty="0">
                   <a:solidFill>

--- a/resource/brijesh-resume.pptx
+++ b/resource/brijesh-resume.pptx
@@ -3473,7 +3473,7 @@
         <p:spPr>
           <a:xfrm>
             <a:off x="88889" y="148084"/>
-            <a:ext cx="3071675" cy="600164"/>
+            <a:ext cx="3172663" cy="600164"/>
           </a:xfrm>
           <a:prstGeom prst="rect">
             <a:avLst/>
@@ -3487,7 +3487,7 @@
           <a:lstStyle/>
           <a:p>
             <a:r>
-              <a:rPr lang="en-US" sz="3300" dirty="0" smtClean="0">
+              <a:rPr lang="en-US" sz="3300" dirty="0" err="1" smtClean="0">
                 <a:latin typeface="Roboto Thin" charset="0"/>
                 <a:ea typeface="Roboto Thin" charset="0"/>
                 <a:cs typeface="Roboto Thin" charset="0"/>
@@ -3495,7 +3495,15 @@
               <a:t>Brijesh</a:t>
             </a:r>
             <a:r>
-              <a:rPr lang="en-US" sz="3300" dirty="0" smtClean="0">
+              <a:rPr lang="en-US" sz="3300" smtClean="0">
+                <a:latin typeface="Roboto Thin" charset="0"/>
+                <a:ea typeface="Roboto Thin" charset="0"/>
+                <a:cs typeface="Roboto Thin" charset="0"/>
+              </a:rPr>
+              <a:t> </a:t>
+            </a:r>
+            <a:r>
+              <a:rPr lang="en-US" sz="3300" smtClean="0">
                 <a:latin typeface="Roboto" charset="0"/>
                 <a:ea typeface="Roboto" charset="0"/>
                 <a:cs typeface="Roboto" charset="0"/>
@@ -6121,23 +6129,10 @@
                     <a:latin typeface="Oxygen Light"/>
                     <a:cs typeface="Oxygen Light"/>
                   </a:rPr>
-                  <a:t>Built a Hologram Generator using </a:t>
-                </a:r>
-                <a:r>
-                  <a:rPr lang="en-US" sz="900" smtClean="0">
-                    <a:solidFill>
-                      <a:schemeClr val="tx1">
-                        <a:lumMod val="50000"/>
-                        <a:lumOff val="50000"/>
-                      </a:schemeClr>
-                    </a:solidFill>
-                    <a:latin typeface="Oxygen Light"/>
-                    <a:cs typeface="Oxygen Light"/>
-                  </a:rPr>
-                  <a:t>a </a:t>
-                </a:r>
-                <a:r>
-                  <a:rPr lang="en-US" sz="900" smtClean="0">
+                  <a:t>Built a Hologram Generator using a </a:t>
+                </a:r>
+                <a:r>
+                  <a:rPr lang="en-US" sz="900" dirty="0" smtClean="0">
                     <a:solidFill>
                       <a:schemeClr val="tx1">
                         <a:lumMod val="50000"/>

--- a/resource/brijesh-resume.pptx
+++ b/resource/brijesh-resume.pptx
@@ -3495,7 +3495,7 @@
               <a:t>Brijesh</a:t>
             </a:r>
             <a:r>
-              <a:rPr lang="en-US" sz="3300" smtClean="0">
+              <a:rPr lang="en-US" sz="3300" dirty="0" smtClean="0">
                 <a:latin typeface="Roboto Thin" charset="0"/>
                 <a:ea typeface="Roboto Thin" charset="0"/>
                 <a:cs typeface="Roboto Thin" charset="0"/>
@@ -3503,7 +3503,7 @@
               <a:t> </a:t>
             </a:r>
             <a:r>
-              <a:rPr lang="en-US" sz="3300" smtClean="0">
+              <a:rPr lang="en-US" sz="3300" dirty="0" err="1" smtClean="0">
                 <a:latin typeface="Roboto" charset="0"/>
                 <a:ea typeface="Roboto" charset="0"/>
                 <a:cs typeface="Roboto" charset="0"/>
@@ -3526,7 +3526,7 @@
         </p:nvGrpSpPr>
         <p:grpSpPr>
           <a:xfrm>
-            <a:off x="4196580" y="115773"/>
+            <a:off x="4196580" y="123151"/>
             <a:ext cx="1728517" cy="897595"/>
             <a:chOff x="5362040" y="97906"/>
             <a:chExt cx="1728517" cy="897595"/>

--- a/resource/brijesh-resume.pptx
+++ b/resource/brijesh-resume.pptx
@@ -4122,10 +4122,10 @@
         </p:nvGrpSpPr>
         <p:grpSpPr>
           <a:xfrm>
-            <a:off x="131453" y="8995790"/>
-            <a:ext cx="6812763" cy="1804332"/>
-            <a:chOff x="131453" y="8942002"/>
-            <a:chExt cx="6812763" cy="1804332"/>
+            <a:off x="142605" y="8995790"/>
+            <a:ext cx="6801611" cy="1804332"/>
+            <a:chOff x="142605" y="8942002"/>
+            <a:chExt cx="6801611" cy="1804332"/>
           </a:xfrm>
         </p:grpSpPr>
         <p:grpSp>
@@ -4136,10 +4136,10 @@
           </p:nvGrpSpPr>
           <p:grpSpPr>
             <a:xfrm>
-              <a:off x="131453" y="8942002"/>
-              <a:ext cx="6524708" cy="1804332"/>
-              <a:chOff x="2242885" y="7594012"/>
-              <a:chExt cx="6524708" cy="1804332"/>
+              <a:off x="142605" y="8942002"/>
+              <a:ext cx="6513556" cy="1804332"/>
+              <a:chOff x="2254037" y="7594012"/>
+              <a:chExt cx="6513556" cy="1804332"/>
             </a:xfrm>
           </p:grpSpPr>
           <p:grpSp>
@@ -4150,10 +4150,10 @@
             </p:nvGrpSpPr>
             <p:grpSpPr>
               <a:xfrm>
-                <a:off x="2273540" y="7925509"/>
-                <a:ext cx="4444756" cy="1472835"/>
-                <a:chOff x="-1472956" y="5877334"/>
-                <a:chExt cx="4444756" cy="1472835"/>
+                <a:off x="2262388" y="7925509"/>
+                <a:ext cx="4455908" cy="1472835"/>
+                <a:chOff x="-1484108" y="5877334"/>
+                <a:chExt cx="4455908" cy="1472835"/>
               </a:xfrm>
             </p:grpSpPr>
             <p:grpSp>
@@ -4164,9 +4164,9 @@
               </p:nvGrpSpPr>
               <p:grpSpPr>
                 <a:xfrm>
-                  <a:off x="-1472956" y="5877334"/>
+                  <a:off x="-1484108" y="5877334"/>
                   <a:ext cx="2320923" cy="523587"/>
-                  <a:chOff x="-1557619" y="6215986"/>
+                  <a:chOff x="-1568771" y="6215986"/>
                   <a:chExt cx="2320923" cy="523587"/>
                 </a:xfrm>
               </p:grpSpPr>
@@ -4178,7 +4178,7 @@
                 </p:nvSpPr>
                 <p:spPr>
                   <a:xfrm>
-                    <a:off x="-1557619" y="6215986"/>
+                    <a:off x="-1568771" y="6215986"/>
                     <a:ext cx="2320923" cy="246221"/>
                   </a:xfrm>
                   <a:prstGeom prst="rect">
@@ -4210,7 +4210,7 @@
                 </p:nvSpPr>
                 <p:spPr>
                   <a:xfrm>
-                    <a:off x="-1554215" y="6375152"/>
+                    <a:off x="-1565367" y="6375152"/>
                     <a:ext cx="1440435" cy="230832"/>
                   </a:xfrm>
                   <a:prstGeom prst="rect">
@@ -4249,7 +4249,7 @@
                 </p:nvSpPr>
                 <p:spPr>
                   <a:xfrm>
-                    <a:off x="-1556653" y="6524129"/>
+                    <a:off x="-1567805" y="6524129"/>
                     <a:ext cx="1702484" cy="215444"/>
                   </a:xfrm>
                   <a:prstGeom prst="rect">
@@ -4327,7 +4327,7 @@
             </p:nvSpPr>
             <p:spPr>
               <a:xfrm>
-                <a:off x="2242885" y="7594012"/>
+                <a:off x="2254037" y="7594012"/>
                 <a:ext cx="1095172" cy="338554"/>
               </a:xfrm>
               <a:prstGeom prst="rect">
@@ -5114,10 +5114,10 @@
             </p:nvGrpSpPr>
             <p:grpSpPr>
               <a:xfrm>
-                <a:off x="-175436" y="8028045"/>
-                <a:ext cx="7450093" cy="1227054"/>
-                <a:chOff x="-175436" y="9716087"/>
-                <a:chExt cx="7450093" cy="1227054"/>
+                <a:off x="-186588" y="8028045"/>
+                <a:ext cx="7461245" cy="1227054"/>
+                <a:chOff x="-186588" y="9716087"/>
+                <a:chExt cx="7461245" cy="1227054"/>
               </a:xfrm>
             </p:grpSpPr>
             <p:grpSp>
@@ -5278,9 +5278,9 @@
               </p:nvGrpSpPr>
               <p:grpSpPr>
                 <a:xfrm>
-                  <a:off x="-175436" y="10373230"/>
+                  <a:off x="-186588" y="10373230"/>
                   <a:ext cx="3715522" cy="569911"/>
-                  <a:chOff x="-3529487" y="10291591"/>
+                  <a:chOff x="-3540639" y="10291591"/>
                   <a:chExt cx="3715522" cy="569911"/>
                 </a:xfrm>
               </p:grpSpPr>
@@ -5292,7 +5292,7 @@
                 </p:nvSpPr>
                 <p:spPr>
                   <a:xfrm>
-                    <a:off x="-3075936" y="10291591"/>
+                    <a:off x="-3087088" y="10291591"/>
                     <a:ext cx="3261971" cy="261610"/>
                   </a:xfrm>
                   <a:prstGeom prst="rect">
@@ -5377,7 +5377,7 @@
                 </p:nvSpPr>
                 <p:spPr>
                   <a:xfrm>
-                    <a:off x="-3529487" y="10466779"/>
+                    <a:off x="-3540639" y="10466779"/>
                     <a:ext cx="3625513" cy="394723"/>
                   </a:xfrm>
                   <a:prstGeom prst="rect">

--- a/resource/brijesh-resume.pptx
+++ b/resource/brijesh-resume.pptx
@@ -7147,7 +7147,33 @@
                     <a:latin typeface="Oxygen Light"/>
                     <a:cs typeface="Oxygen Light"/>
                   </a:rPr>
-                  <a:t>Cloud Foundry, Bosh, and Concourse. </a:t>
+                  <a:t>Cloud Foundry, Bosh, </a:t>
+                </a:r>
+                <a:r>
+                  <a:rPr lang="en-US" sz="900" dirty="0" smtClean="0">
+                    <a:solidFill>
+                      <a:schemeClr val="tx1">
+                        <a:lumMod val="50000"/>
+                        <a:lumOff val="50000"/>
+                      </a:schemeClr>
+                    </a:solidFill>
+                    <a:latin typeface="Oxygen Light"/>
+                    <a:cs typeface="Oxygen Light"/>
+                  </a:rPr>
+                  <a:t>and</a:t>
+                </a:r>
+                <a:r>
+                  <a:rPr lang="en-US" sz="900" b="1" dirty="0" smtClean="0">
+                    <a:solidFill>
+                      <a:schemeClr val="tx1">
+                        <a:lumMod val="50000"/>
+                        <a:lumOff val="50000"/>
+                      </a:schemeClr>
+                    </a:solidFill>
+                    <a:latin typeface="Oxygen Light"/>
+                    <a:cs typeface="Oxygen Light"/>
+                  </a:rPr>
+                  <a:t> Concourse. </a:t>
                 </a:r>
                 <a:r>
                   <a:rPr lang="en-US" sz="900" dirty="0" smtClean="0">
@@ -7576,7 +7602,33 @@
                     <a:latin typeface="Oxygen Light"/>
                     <a:cs typeface="Oxygen Light"/>
                   </a:rPr>
-                  <a:t>, and auth0.</a:t>
+                  <a:t>, </a:t>
+                </a:r>
+                <a:r>
+                  <a:rPr lang="en-US" sz="900" dirty="0" smtClean="0">
+                    <a:solidFill>
+                      <a:schemeClr val="tx1">
+                        <a:lumMod val="50000"/>
+                        <a:lumOff val="50000"/>
+                      </a:schemeClr>
+                    </a:solidFill>
+                    <a:latin typeface="Oxygen Light"/>
+                    <a:cs typeface="Oxygen Light"/>
+                  </a:rPr>
+                  <a:t>and</a:t>
+                </a:r>
+                <a:r>
+                  <a:rPr lang="en-US" sz="900" b="1" dirty="0" smtClean="0">
+                    <a:solidFill>
+                      <a:schemeClr val="tx1">
+                        <a:lumMod val="50000"/>
+                        <a:lumOff val="50000"/>
+                      </a:schemeClr>
+                    </a:solidFill>
+                    <a:latin typeface="Oxygen Light"/>
+                    <a:cs typeface="Oxygen Light"/>
+                  </a:rPr>
+                  <a:t> auth0.</a:t>
                 </a:r>
               </a:p>
               <a:p>

--- a/resource/brijesh-resume.pptx
+++ b/resource/brijesh-resume.pptx
@@ -8710,6 +8710,36 @@
           </p:sp>
         </p:grpSp>
       </p:grpSp>
+      <p:pic>
+        <p:nvPicPr>
+          <p:cNvPr id="3" name="Picture 2"/>
+          <p:cNvPicPr>
+            <a:picLocks noChangeAspect="1"/>
+          </p:cNvPicPr>
+          <p:nvPr/>
+        </p:nvPicPr>
+        <p:blipFill>
+          <a:blip r:embed="rId11">
+            <a:extLst>
+              <a:ext uri="{28A0092B-C50C-407E-A947-70E740481C1C}">
+                <a14:useLocalDpi xmlns:a14="http://schemas.microsoft.com/office/drawing/2010/main" val="0"/>
+              </a:ext>
+            </a:extLst>
+          </a:blip>
+          <a:stretch>
+            <a:fillRect/>
+          </a:stretch>
+        </p:blipFill>
+        <p:spPr>
+          <a:xfrm>
+            <a:off x="3258722" y="77725"/>
+            <a:ext cx="974792" cy="974792"/>
+          </a:xfrm>
+          <a:prstGeom prst="rect">
+            <a:avLst/>
+          </a:prstGeom>
+        </p:spPr>
+      </p:pic>
     </p:spTree>
     <p:extLst>
       <p:ext uri="{BB962C8B-B14F-4D97-AF65-F5344CB8AC3E}">

--- a/resource/brijesh-resume.pptx
+++ b/resource/brijesh-resume.pptx
@@ -4740,19 +4740,44 @@
                   </a:r>
                   <a:r>
                     <a:rPr lang="en-US" sz="1200" b="1" dirty="0" smtClean="0">
+                      <a:solidFill>
+                        <a:schemeClr val="bg1">
+                          <a:lumMod val="50000"/>
+                        </a:schemeClr>
+                      </a:solidFill>
                       <a:latin typeface="Oxygen Light"/>
                       <a:cs typeface="Oxygen Light"/>
                     </a:rPr>
-                    <a:t>| </a:t>
+                    <a:t>|</a:t>
+                  </a:r>
+                  <a:r>
+                    <a:rPr lang="en-US" sz="1200" b="1" dirty="0" smtClean="0">
+                      <a:latin typeface="Oxygen Light"/>
+                      <a:cs typeface="Oxygen Light"/>
+                    </a:rPr>
+                    <a:t> </a:t>
                   </a:r>
                   <a:r>
                     <a:rPr lang="en-US" sz="1100" b="1" dirty="0" smtClean="0">
                       <a:latin typeface="Oxygen Light"/>
                       <a:cs typeface="Oxygen Light"/>
                     </a:rPr>
-                    <a:t>  C</a:t>
+                    <a:t>  </a:t>
+                  </a:r>
+                  <a:r>
+                    <a:rPr lang="en-US" sz="1100" b="1" dirty="0" smtClean="0">
+                      <a:solidFill>
+                        <a:srgbClr val="0070C0"/>
+                      </a:solidFill>
+                      <a:latin typeface="Oxygen Light"/>
+                      <a:cs typeface="Oxygen Light"/>
+                    </a:rPr>
+                    <a:t>C</a:t>
                   </a:r>
                   <a:endParaRPr lang="en-US" sz="1100" b="1" i="1" dirty="0" smtClean="0">
+                    <a:solidFill>
+                      <a:srgbClr val="0070C0"/>
+                    </a:solidFill>
                     <a:latin typeface="Roboto Thin"/>
                     <a:cs typeface="Roboto Thin"/>
                   </a:endParaRPr>
@@ -4795,17 +4820,24 @@
                     <a:buChar char="•"/>
                   </a:pPr>
                   <a:r>
-                    <a:rPr lang="en-US" sz="900" dirty="0" smtClean="0">
+                    <a:rPr lang="en-US" sz="900" b="1" dirty="0" smtClean="0">
                       <a:solidFill>
-                        <a:schemeClr val="tx1">
-                          <a:lumMod val="50000"/>
-                          <a:lumOff val="50000"/>
-                        </a:schemeClr>
+                        <a:srgbClr val="0070C0"/>
                       </a:solidFill>
                       <a:latin typeface="Oxygen Light"/>
                       <a:cs typeface="Oxygen Light"/>
                     </a:rPr>
                     <a:t>Implemented </a:t>
+                  </a:r>
+                  <a:r>
+                    <a:rPr lang="en-US" sz="900" b="1" dirty="0">
+                      <a:solidFill>
+                        <a:srgbClr val="0070C0"/>
+                      </a:solidFill>
+                      <a:latin typeface="Oxygen Light"/>
+                      <a:cs typeface="Oxygen Light"/>
+                    </a:rPr>
+                    <a:t>synchronization primitives </a:t>
                   </a:r>
                   <a:r>
                     <a:rPr lang="en-US" sz="900" dirty="0">
@@ -4818,7 +4850,7 @@
                       <a:latin typeface="Oxygen Light"/>
                       <a:cs typeface="Oxygen Light"/>
                     </a:rPr>
-                    <a:t>synchronization primitives such as </a:t>
+                    <a:t>such as </a:t>
                   </a:r>
                   <a:r>
                     <a:rPr lang="en-US" sz="900" dirty="0" err="1">
@@ -4879,7 +4911,40 @@
                       <a:latin typeface="Oxygen Light"/>
                       <a:cs typeface="Oxygen Light"/>
                     </a:rPr>
-                    <a:t>Designed and implemented the entire file system </a:t>
+                    <a:t>Designed and </a:t>
+                  </a:r>
+                  <a:r>
+                    <a:rPr lang="en-US" sz="900" b="1" dirty="0">
+                      <a:solidFill>
+                        <a:srgbClr val="0070C0"/>
+                      </a:solidFill>
+                      <a:latin typeface="Oxygen Light"/>
+                      <a:cs typeface="Oxygen Light"/>
+                    </a:rPr>
+                    <a:t>implemented</a:t>
+                  </a:r>
+                  <a:r>
+                    <a:rPr lang="en-US" sz="900" dirty="0">
+                      <a:solidFill>
+                        <a:schemeClr val="tx1">
+                          <a:lumMod val="50000"/>
+                          <a:lumOff val="50000"/>
+                        </a:schemeClr>
+                      </a:solidFill>
+                      <a:latin typeface="Oxygen Light"/>
+                      <a:cs typeface="Oxygen Light"/>
+                    </a:rPr>
+                    <a:t> the entire </a:t>
+                  </a:r>
+                  <a:r>
+                    <a:rPr lang="en-US" sz="900" b="1" dirty="0">
+                      <a:solidFill>
+                        <a:srgbClr val="0070C0"/>
+                      </a:solidFill>
+                      <a:latin typeface="Oxygen Light"/>
+                      <a:cs typeface="Oxygen Light"/>
+                    </a:rPr>
+                    <a:t>file system </a:t>
                   </a:r>
                   <a:r>
                     <a:rPr lang="en-US" sz="900" dirty="0" err="1">
@@ -4957,7 +5022,30 @@
                       <a:latin typeface="Oxygen Light"/>
                       <a:cs typeface="Oxygen Light"/>
                     </a:rPr>
-                    <a:t>) , and process support (exec, fork, </a:t>
+                    <a:t>) , and </a:t>
+                  </a:r>
+                  <a:r>
+                    <a:rPr lang="en-US" sz="900" b="1" dirty="0">
+                      <a:solidFill>
+                        <a:srgbClr val="0070C0"/>
+                      </a:solidFill>
+                      <a:latin typeface="Oxygen Light"/>
+                      <a:cs typeface="Oxygen Light"/>
+                    </a:rPr>
+                    <a:t>process support </a:t>
+                  </a:r>
+                  <a:r>
+                    <a:rPr lang="en-US" sz="900" dirty="0">
+                      <a:solidFill>
+                        <a:schemeClr val="tx1">
+                          <a:lumMod val="50000"/>
+                          <a:lumOff val="50000"/>
+                        </a:schemeClr>
+                      </a:solidFill>
+                      <a:latin typeface="Oxygen Light"/>
+                      <a:cs typeface="Oxygen Light"/>
+                    </a:rPr>
+                    <a:t>(exec, fork, </a:t>
                   </a:r>
                   <a:r>
                     <a:rPr lang="en-US" sz="900" dirty="0" err="1">
@@ -5018,7 +5106,30 @@
                       <a:latin typeface="Oxygen Light"/>
                       <a:cs typeface="Oxygen Light"/>
                     </a:rPr>
-                    <a:t>Carefully designed and successfully implemented virtual memory, including address translation, TLB management, page replacement, and swapping – without any memory leaks</a:t>
+                    <a:t>Carefully designed and successfully </a:t>
+                  </a:r>
+                  <a:r>
+                    <a:rPr lang="en-US" sz="900" b="1" dirty="0">
+                      <a:solidFill>
+                        <a:srgbClr val="0070C0"/>
+                      </a:solidFill>
+                      <a:latin typeface="Oxygen Light"/>
+                      <a:cs typeface="Oxygen Light"/>
+                    </a:rPr>
+                    <a:t>implemented virtual memory</a:t>
+                  </a:r>
+                  <a:r>
+                    <a:rPr lang="en-US" sz="900" dirty="0">
+                      <a:solidFill>
+                        <a:schemeClr val="tx1">
+                          <a:lumMod val="50000"/>
+                          <a:lumOff val="50000"/>
+                        </a:schemeClr>
+                      </a:solidFill>
+                      <a:latin typeface="Oxygen Light"/>
+                      <a:cs typeface="Oxygen Light"/>
+                    </a:rPr>
+                    <a:t>, including address translation, TLB management, page replacement, and swapping – without any memory leaks</a:t>
                   </a:r>
                   <a:r>
                     <a:rPr lang="en-US" sz="900" dirty="0" smtClean="0">
@@ -5175,9 +5286,41 @@
                         <a:latin typeface="Oxygen Light"/>
                         <a:cs typeface="Oxygen Light"/>
                       </a:rPr>
-                      <a:t> |   JavaScript, Python</a:t>
+                      <a:t> </a:t>
+                    </a:r>
+                    <a:r>
+                      <a:rPr lang="en-US" sz="1000" b="1" dirty="0" smtClean="0">
+                        <a:solidFill>
+                          <a:schemeClr val="bg1">
+                            <a:lumMod val="50000"/>
+                          </a:schemeClr>
+                        </a:solidFill>
+                        <a:latin typeface="Oxygen Light"/>
+                        <a:cs typeface="Oxygen Light"/>
+                      </a:rPr>
+                      <a:t>|</a:t>
+                    </a:r>
+                    <a:r>
+                      <a:rPr lang="en-US" sz="1000" b="1" dirty="0" smtClean="0">
+                        <a:latin typeface="Oxygen Light"/>
+                        <a:cs typeface="Oxygen Light"/>
+                      </a:rPr>
+                      <a:t>   </a:t>
+                    </a:r>
+                    <a:r>
+                      <a:rPr lang="en-US" sz="1000" b="1" dirty="0" smtClean="0">
+                        <a:solidFill>
+                          <a:srgbClr val="0070C0"/>
+                        </a:solidFill>
+                        <a:latin typeface="Oxygen Light"/>
+                        <a:cs typeface="Oxygen Light"/>
+                      </a:rPr>
+                      <a:t>JavaScript, Python</a:t>
                     </a:r>
                     <a:endParaRPr lang="en-US" sz="1000" b="1" i="1" dirty="0" smtClean="0">
+                      <a:solidFill>
+                        <a:srgbClr val="0070C0"/>
+                      </a:solidFill>
                       <a:latin typeface="Roboto Thin"/>
                       <a:cs typeface="Roboto Thin"/>
                     </a:endParaRPr>
@@ -5233,10 +5376,7 @@
                     <a:r>
                       <a:rPr lang="en-US" sz="900" b="1" dirty="0" smtClean="0">
                         <a:solidFill>
-                          <a:schemeClr val="tx1">
-                            <a:lumMod val="50000"/>
-                            <a:lumOff val="50000"/>
-                          </a:schemeClr>
+                          <a:srgbClr val="0070C0"/>
                         </a:solidFill>
                         <a:latin typeface="Oxygen Light"/>
                         <a:cs typeface="Oxygen Light"/>
@@ -5360,9 +5500,41 @@
                         <a:latin typeface="Oxygen Light"/>
                         <a:cs typeface="Oxygen Light"/>
                       </a:rPr>
-                      <a:t> |   JavaScript</a:t>
+                      <a:t> </a:t>
+                    </a:r>
+                    <a:r>
+                      <a:rPr lang="en-US" sz="1000" b="1" dirty="0" smtClean="0">
+                        <a:solidFill>
+                          <a:schemeClr val="bg1">
+                            <a:lumMod val="50000"/>
+                          </a:schemeClr>
+                        </a:solidFill>
+                        <a:latin typeface="Oxygen Light"/>
+                        <a:cs typeface="Oxygen Light"/>
+                      </a:rPr>
+                      <a:t>|</a:t>
+                    </a:r>
+                    <a:r>
+                      <a:rPr lang="en-US" sz="1000" b="1" dirty="0" smtClean="0">
+                        <a:latin typeface="Oxygen Light"/>
+                        <a:cs typeface="Oxygen Light"/>
+                      </a:rPr>
+                      <a:t>   </a:t>
+                    </a:r>
+                    <a:r>
+                      <a:rPr lang="en-US" sz="1000" b="1" dirty="0" smtClean="0">
+                        <a:solidFill>
+                          <a:srgbClr val="0070C0"/>
+                        </a:solidFill>
+                        <a:latin typeface="Oxygen Light"/>
+                        <a:cs typeface="Oxygen Light"/>
+                      </a:rPr>
+                      <a:t>JavaScript</a:t>
                     </a:r>
                     <a:endParaRPr lang="en-US" sz="1100" b="1" dirty="0" smtClean="0">
+                      <a:solidFill>
+                        <a:srgbClr val="0070C0"/>
+                      </a:solidFill>
                       <a:latin typeface="Oxygen Light"/>
                       <a:cs typeface="Oxygen Light"/>
                     </a:endParaRPr>
@@ -5412,6 +5584,16 @@
                     <a:r>
                       <a:rPr lang="en-US" sz="900" b="1" dirty="0" smtClean="0">
                         <a:solidFill>
+                          <a:srgbClr val="0070C0"/>
+                        </a:solidFill>
+                        <a:latin typeface="Oxygen Light"/>
+                        <a:cs typeface="Oxygen Light"/>
+                      </a:rPr>
+                      <a:t>leap motion</a:t>
+                    </a:r>
+                    <a:r>
+                      <a:rPr lang="en-US" sz="900" b="1" dirty="0" smtClean="0">
+                        <a:solidFill>
                           <a:schemeClr val="tx1">
                             <a:lumMod val="50000"/>
                             <a:lumOff val="50000"/>
@@ -5420,7 +5602,7 @@
                         <a:latin typeface="Oxygen Light"/>
                         <a:cs typeface="Oxygen Light"/>
                       </a:rPr>
-                      <a:t>leap motion </a:t>
+                      <a:t> </a:t>
                     </a:r>
                     <a:r>
                       <a:rPr lang="en-US" sz="900" dirty="0" smtClean="0">
@@ -5565,9 +5747,41 @@
                     <a:latin typeface="Oxygen Light"/>
                     <a:cs typeface="Oxygen Light"/>
                   </a:rPr>
-                  <a:t> |   JavaScript, HTML, CSS</a:t>
+                  <a:t> </a:t>
+                </a:r>
+                <a:r>
+                  <a:rPr lang="en-US" sz="1000" b="1" dirty="0" smtClean="0">
+                    <a:solidFill>
+                      <a:schemeClr val="bg1">
+                        <a:lumMod val="50000"/>
+                      </a:schemeClr>
+                    </a:solidFill>
+                    <a:latin typeface="Oxygen Light"/>
+                    <a:cs typeface="Oxygen Light"/>
+                  </a:rPr>
+                  <a:t>|</a:t>
+                </a:r>
+                <a:r>
+                  <a:rPr lang="en-US" sz="1000" b="1" dirty="0" smtClean="0">
+                    <a:latin typeface="Oxygen Light"/>
+                    <a:cs typeface="Oxygen Light"/>
+                  </a:rPr>
+                  <a:t>   </a:t>
+                </a:r>
+                <a:r>
+                  <a:rPr lang="en-US" sz="1000" b="1" dirty="0" smtClean="0">
+                    <a:solidFill>
+                      <a:srgbClr val="0070C0"/>
+                    </a:solidFill>
+                    <a:latin typeface="Oxygen Light"/>
+                    <a:cs typeface="Oxygen Light"/>
+                  </a:rPr>
+                  <a:t>JavaScript</a:t>
                 </a:r>
                 <a:endParaRPr lang="en-US" sz="1000" b="1" i="1" dirty="0" smtClean="0">
+                  <a:solidFill>
+                    <a:srgbClr val="0070C0"/>
+                  </a:solidFill>
                   <a:latin typeface="Roboto Thin"/>
                   <a:cs typeface="Roboto Thin"/>
                 </a:endParaRPr>
@@ -5657,10 +5871,10 @@
                     <a:latin typeface="Oxygen Light"/>
                     <a:cs typeface="Oxygen Light"/>
                   </a:rPr>
-                  <a:t> d3.js developed at </a:t>
-                </a:r>
-                <a:r>
-                  <a:rPr lang="en-US" sz="900" dirty="0" err="1" smtClean="0">
+                  <a:t> d3.js </a:t>
+                </a:r>
+                <a:r>
+                  <a:rPr lang="en-US" sz="900" dirty="0" smtClean="0">
                     <a:solidFill>
                       <a:schemeClr val="tx1">
                         <a:lumMod val="50000"/>
@@ -5670,7 +5884,27 @@
                     <a:latin typeface="Oxygen Light"/>
                     <a:cs typeface="Oxygen Light"/>
                   </a:rPr>
-                  <a:t>Spotify</a:t>
+                  <a:t> and </a:t>
+                </a:r>
+                <a:r>
+                  <a:rPr lang="en-US" sz="900" b="1" dirty="0" err="1" smtClean="0">
+                    <a:solidFill>
+                      <a:srgbClr val="0070C0"/>
+                    </a:solidFill>
+                    <a:latin typeface="Oxygen Light"/>
+                    <a:cs typeface="Oxygen Light"/>
+                  </a:rPr>
+                  <a:t>paper.js</a:t>
+                </a:r>
+                <a:r>
+                  <a:rPr lang="en-US" sz="900" b="1" dirty="0" smtClean="0">
+                    <a:solidFill>
+                      <a:srgbClr val="0070C0"/>
+                    </a:solidFill>
+                    <a:latin typeface="Oxygen Light"/>
+                    <a:cs typeface="Oxygen Light"/>
+                  </a:rPr>
+                  <a:t> </a:t>
                 </a:r>
                 <a:r>
                   <a:rPr lang="en-US" sz="900" dirty="0" smtClean="0">
@@ -5683,10 +5917,10 @@
                     <a:latin typeface="Oxygen Light"/>
                     <a:cs typeface="Oxygen Light"/>
                   </a:rPr>
-                  <a:t> Music </a:t>
-                </a:r>
-                <a:r>
-                  <a:rPr lang="en-US" sz="900" dirty="0" err="1" smtClean="0">
+                  <a:t>developed </a:t>
+                </a:r>
+                <a:r>
+                  <a:rPr lang="en-US" sz="900" dirty="0" smtClean="0">
                     <a:solidFill>
                       <a:schemeClr val="tx1">
                         <a:lumMod val="50000"/>
@@ -5696,7 +5930,7 @@
                     <a:latin typeface="Oxygen Light"/>
                     <a:cs typeface="Oxygen Light"/>
                   </a:rPr>
-                  <a:t>Hackathon</a:t>
+                  <a:t>at Spotify Music Hackathon</a:t>
                 </a:r>
                 <a:endParaRPr lang="en-US" sz="900" dirty="0">
                   <a:solidFill>
@@ -5773,12 +6007,37 @@
                 </a:r>
                 <a:r>
                   <a:rPr lang="en-US" sz="1000" b="1" dirty="0" smtClean="0">
-                    <a:latin typeface="Oxygen Light"/>
-                    <a:cs typeface="Oxygen Light"/>
-                  </a:rPr>
-                  <a:t>|  Arduino, Python</a:t>
+                    <a:solidFill>
+                      <a:schemeClr val="bg1">
+                        <a:lumMod val="50000"/>
+                      </a:schemeClr>
+                    </a:solidFill>
+                    <a:latin typeface="Oxygen Light"/>
+                    <a:cs typeface="Oxygen Light"/>
+                  </a:rPr>
+                  <a:t>|</a:t>
+                </a:r>
+                <a:r>
+                  <a:rPr lang="en-US" sz="1000" b="1" dirty="0" smtClean="0">
+                    <a:latin typeface="Oxygen Light"/>
+                    <a:cs typeface="Oxygen Light"/>
+                  </a:rPr>
+                  <a:t>  </a:t>
+                </a:r>
+                <a:r>
+                  <a:rPr lang="en-US" sz="1000" b="1" dirty="0" smtClean="0">
+                    <a:solidFill>
+                      <a:srgbClr val="0070C0"/>
+                    </a:solidFill>
+                    <a:latin typeface="Oxygen Light"/>
+                    <a:cs typeface="Oxygen Light"/>
+                  </a:rPr>
+                  <a:t>Arduino, Python</a:t>
                 </a:r>
                 <a:endParaRPr lang="en-US" sz="1100" b="1" dirty="0" smtClean="0">
+                  <a:solidFill>
+                    <a:srgbClr val="0070C0"/>
+                  </a:solidFill>
                   <a:latin typeface="Oxygen Light"/>
                   <a:cs typeface="Oxygen Light"/>
                 </a:endParaRPr>
@@ -5887,9 +6146,41 @@
                     <a:latin typeface="Oxygen Light"/>
                     <a:cs typeface="Oxygen Light"/>
                   </a:rPr>
-                  <a:t>  |   JavaScript</a:t>
+                  <a:t>  </a:t>
+                </a:r>
+                <a:r>
+                  <a:rPr lang="en-US" sz="1000" b="1" dirty="0" smtClean="0">
+                    <a:solidFill>
+                      <a:schemeClr val="bg1">
+                        <a:lumMod val="50000"/>
+                      </a:schemeClr>
+                    </a:solidFill>
+                    <a:latin typeface="Oxygen Light"/>
+                    <a:cs typeface="Oxygen Light"/>
+                  </a:rPr>
+                  <a:t>|</a:t>
+                </a:r>
+                <a:r>
+                  <a:rPr lang="en-US" sz="1000" b="1" dirty="0" smtClean="0">
+                    <a:latin typeface="Oxygen Light"/>
+                    <a:cs typeface="Oxygen Light"/>
+                  </a:rPr>
+                  <a:t>   </a:t>
+                </a:r>
+                <a:r>
+                  <a:rPr lang="en-US" sz="1000" b="1" dirty="0" smtClean="0">
+                    <a:solidFill>
+                      <a:srgbClr val="0070C0"/>
+                    </a:solidFill>
+                    <a:latin typeface="Oxygen Light"/>
+                    <a:cs typeface="Oxygen Light"/>
+                  </a:rPr>
+                  <a:t>JavaScript</a:t>
                 </a:r>
                 <a:endParaRPr lang="en-US" sz="1100" b="1" dirty="0" smtClean="0">
+                  <a:solidFill>
+                    <a:srgbClr val="0070C0"/>
+                  </a:solidFill>
                   <a:latin typeface="Oxygen Light"/>
                   <a:cs typeface="Oxygen Light"/>
                 </a:endParaRPr>
@@ -5965,6 +6256,16 @@
                 <a:r>
                   <a:rPr lang="en-US" sz="900" b="1" dirty="0" smtClean="0">
                     <a:solidFill>
+                      <a:srgbClr val="0070C0"/>
+                    </a:solidFill>
+                    <a:latin typeface="Oxygen Light"/>
+                    <a:cs typeface="Oxygen Light"/>
+                  </a:rPr>
+                  <a:t>canvas</a:t>
+                </a:r>
+                <a:r>
+                  <a:rPr lang="en-US" sz="900" dirty="0" smtClean="0">
+                    <a:solidFill>
                       <a:schemeClr val="tx1">
                         <a:lumMod val="50000"/>
                         <a:lumOff val="50000"/>
@@ -5973,28 +6274,12 @@
                     <a:latin typeface="Oxygen Light"/>
                     <a:cs typeface="Oxygen Light"/>
                   </a:rPr>
-                  <a:t>canvas</a:t>
-                </a:r>
-                <a:r>
-                  <a:rPr lang="en-US" sz="900" dirty="0" smtClean="0">
-                    <a:solidFill>
-                      <a:schemeClr val="tx1">
-                        <a:lumMod val="50000"/>
-                        <a:lumOff val="50000"/>
-                      </a:schemeClr>
-                    </a:solidFill>
-                    <a:latin typeface="Oxygen Light"/>
-                    <a:cs typeface="Oxygen Light"/>
-                  </a:rPr>
                   <a:t> portraying a network. It is basically a simpler version of </a:t>
                 </a:r>
                 <a:r>
                   <a:rPr lang="en-US" sz="900" b="1" dirty="0" err="1" smtClean="0">
                     <a:solidFill>
-                      <a:schemeClr val="tx1">
-                        <a:lumMod val="50000"/>
-                        <a:lumOff val="50000"/>
-                      </a:schemeClr>
+                      <a:srgbClr val="0070C0"/>
                     </a:solidFill>
                     <a:latin typeface="Oxygen Light"/>
                     <a:cs typeface="Oxygen Light"/>
@@ -6082,9 +6367,41 @@
                     <a:latin typeface="Oxygen Light"/>
                     <a:cs typeface="Oxygen Light"/>
                   </a:rPr>
-                  <a:t>3D Hologram Generator  |   Unity</a:t>
+                  <a:t>3D Hologram Generator  </a:t>
+                </a:r>
+                <a:r>
+                  <a:rPr lang="en-US" sz="1000" b="1" dirty="0" smtClean="0">
+                    <a:solidFill>
+                      <a:schemeClr val="bg1">
+                        <a:lumMod val="50000"/>
+                      </a:schemeClr>
+                    </a:solidFill>
+                    <a:latin typeface="Oxygen Light"/>
+                    <a:cs typeface="Oxygen Light"/>
+                  </a:rPr>
+                  <a:t>|</a:t>
+                </a:r>
+                <a:r>
+                  <a:rPr lang="en-US" sz="1000" b="1" dirty="0" smtClean="0">
+                    <a:latin typeface="Oxygen Light"/>
+                    <a:cs typeface="Oxygen Light"/>
+                  </a:rPr>
+                  <a:t>   </a:t>
+                </a:r>
+                <a:r>
+                  <a:rPr lang="en-US" sz="1000" b="1" dirty="0" smtClean="0">
+                    <a:solidFill>
+                      <a:srgbClr val="0070C0"/>
+                    </a:solidFill>
+                    <a:latin typeface="Oxygen Light"/>
+                    <a:cs typeface="Oxygen Light"/>
+                  </a:rPr>
+                  <a:t>Unity</a:t>
                 </a:r>
                 <a:endParaRPr lang="en-US" sz="1100" b="1" dirty="0" smtClean="0">
+                  <a:solidFill>
+                    <a:srgbClr val="0070C0"/>
+                  </a:solidFill>
                   <a:latin typeface="Oxygen Light"/>
                   <a:cs typeface="Oxygen Light"/>
                 </a:endParaRPr>
@@ -6432,10 +6749,7 @@
               <a:r>
                 <a:rPr lang="en-US" sz="900" b="1" dirty="0" err="1" smtClean="0">
                   <a:solidFill>
-                    <a:schemeClr val="tx1">
-                      <a:lumMod val="50000"/>
-                      <a:lumOff val="50000"/>
-                    </a:schemeClr>
+                    <a:srgbClr val="0070C0"/>
                   </a:solidFill>
                   <a:latin typeface="Oxygen Light"/>
                   <a:cs typeface="Oxygen Light"/>
@@ -6458,10 +6772,7 @@
               <a:r>
                 <a:rPr lang="en-US" sz="900" b="1" dirty="0" smtClean="0">
                   <a:solidFill>
-                    <a:schemeClr val="tx1">
-                      <a:lumMod val="50000"/>
-                      <a:lumOff val="50000"/>
-                    </a:schemeClr>
+                    <a:srgbClr val="0070C0"/>
                   </a:solidFill>
                   <a:latin typeface="Oxygen Light"/>
                   <a:cs typeface="Oxygen Light"/>
@@ -6506,10 +6817,7 @@
               <a:r>
                 <a:rPr lang="en-US" sz="900" b="1" dirty="0" smtClean="0">
                   <a:solidFill>
-                    <a:schemeClr val="tx1">
-                      <a:lumMod val="50000"/>
-                      <a:lumOff val="50000"/>
-                    </a:schemeClr>
+                    <a:srgbClr val="0070C0"/>
                   </a:solidFill>
                   <a:latin typeface="Oxygen Light"/>
                   <a:cs typeface="Oxygen Light"/>
@@ -6532,10 +6840,7 @@
               <a:r>
                 <a:rPr lang="en-US" sz="900" b="1" dirty="0" err="1" smtClean="0">
                   <a:solidFill>
-                    <a:schemeClr val="tx1">
-                      <a:lumMod val="50000"/>
-                      <a:lumOff val="50000"/>
-                    </a:schemeClr>
+                    <a:srgbClr val="0070C0"/>
                   </a:solidFill>
                   <a:latin typeface="Oxygen Light"/>
                   <a:cs typeface="Oxygen Light"/>
@@ -6697,10 +7002,7 @@
                 <a:r>
                   <a:rPr lang="en-US" sz="900" b="1" dirty="0" smtClean="0">
                     <a:solidFill>
-                      <a:schemeClr val="tx1">
-                        <a:lumMod val="50000"/>
-                        <a:lumOff val="50000"/>
-                      </a:schemeClr>
+                      <a:srgbClr val="0070C0"/>
                     </a:solidFill>
                     <a:latin typeface="Oxygen Light"/>
                     <a:cs typeface="Oxygen Light"/>
@@ -7139,6 +7441,16 @@
                 <a:r>
                   <a:rPr lang="en-US" sz="900" b="1" dirty="0" smtClean="0">
                     <a:solidFill>
+                      <a:srgbClr val="0070C0"/>
+                    </a:solidFill>
+                    <a:latin typeface="Oxygen Light"/>
+                    <a:cs typeface="Oxygen Light"/>
+                  </a:rPr>
+                  <a:t>Cloud Foundry</a:t>
+                </a:r>
+                <a:r>
+                  <a:rPr lang="en-US" sz="900" b="1" dirty="0" smtClean="0">
+                    <a:solidFill>
                       <a:schemeClr val="tx1">
                         <a:lumMod val="50000"/>
                         <a:lumOff val="50000"/>
@@ -7147,10 +7459,20 @@
                     <a:latin typeface="Oxygen Light"/>
                     <a:cs typeface="Oxygen Light"/>
                   </a:rPr>
-                  <a:t>Cloud Foundry, Bosh, </a:t>
-                </a:r>
-                <a:r>
-                  <a:rPr lang="en-US" sz="900" dirty="0" smtClean="0">
+                  <a:t>, </a:t>
+                </a:r>
+                <a:r>
+                  <a:rPr lang="en-US" sz="900" b="1" dirty="0" smtClean="0">
+                    <a:solidFill>
+                      <a:srgbClr val="0070C0"/>
+                    </a:solidFill>
+                    <a:latin typeface="Oxygen Light"/>
+                    <a:cs typeface="Oxygen Light"/>
+                  </a:rPr>
+                  <a:t>Bosh</a:t>
+                </a:r>
+                <a:r>
+                  <a:rPr lang="en-US" sz="900" b="1" dirty="0" smtClean="0">
                     <a:solidFill>
                       <a:schemeClr val="tx1">
                         <a:lumMod val="50000"/>
@@ -7160,10 +7482,10 @@
                     <a:latin typeface="Oxygen Light"/>
                     <a:cs typeface="Oxygen Light"/>
                   </a:rPr>
-                  <a:t>and</a:t>
-                </a:r>
-                <a:r>
-                  <a:rPr lang="en-US" sz="900" b="1" dirty="0" smtClean="0">
+                  <a:t>, </a:t>
+                </a:r>
+                <a:r>
+                  <a:rPr lang="en-US" sz="900" dirty="0" smtClean="0">
                     <a:solidFill>
                       <a:schemeClr val="tx1">
                         <a:lumMod val="50000"/>
@@ -7173,7 +7495,43 @@
                     <a:latin typeface="Oxygen Light"/>
                     <a:cs typeface="Oxygen Light"/>
                   </a:rPr>
-                  <a:t> Concourse. </a:t>
+                  <a:t>and</a:t>
+                </a:r>
+                <a:r>
+                  <a:rPr lang="en-US" sz="900" b="1" dirty="0" smtClean="0">
+                    <a:solidFill>
+                      <a:schemeClr val="tx1">
+                        <a:lumMod val="50000"/>
+                        <a:lumOff val="50000"/>
+                      </a:schemeClr>
+                    </a:solidFill>
+                    <a:latin typeface="Oxygen Light"/>
+                    <a:cs typeface="Oxygen Light"/>
+                  </a:rPr>
+                  <a:t> </a:t>
+                </a:r>
+                <a:r>
+                  <a:rPr lang="en-US" sz="900" b="1" dirty="0" smtClean="0">
+                    <a:solidFill>
+                      <a:srgbClr val="0070C0"/>
+                    </a:solidFill>
+                    <a:latin typeface="Oxygen Light"/>
+                    <a:cs typeface="Oxygen Light"/>
+                  </a:rPr>
+                  <a:t>Concourse</a:t>
+                </a:r>
+                <a:r>
+                  <a:rPr lang="en-US" sz="900" b="1" dirty="0" smtClean="0">
+                    <a:solidFill>
+                      <a:schemeClr val="tx1">
+                        <a:lumMod val="50000"/>
+                        <a:lumOff val="50000"/>
+                      </a:schemeClr>
+                    </a:solidFill>
+                    <a:latin typeface="Oxygen Light"/>
+                    <a:cs typeface="Oxygen Light"/>
+                  </a:rPr>
+                  <a:t>. </a:t>
                 </a:r>
                 <a:r>
                   <a:rPr lang="en-US" sz="900" dirty="0" smtClean="0">
@@ -7529,6 +7887,16 @@
                 <a:r>
                   <a:rPr lang="en-US" sz="900" b="1" dirty="0" err="1" smtClean="0">
                     <a:solidFill>
+                      <a:srgbClr val="0070C0"/>
+                    </a:solidFill>
+                    <a:latin typeface="Oxygen Light"/>
+                    <a:cs typeface="Oxygen Light"/>
+                  </a:rPr>
+                  <a:t>nodejs</a:t>
+                </a:r>
+                <a:r>
+                  <a:rPr lang="en-US" sz="900" b="1" dirty="0" smtClean="0">
+                    <a:solidFill>
                       <a:schemeClr val="tx1">
                         <a:lumMod val="50000"/>
                         <a:lumOff val="50000"/>
@@ -7537,7 +7905,17 @@
                     <a:latin typeface="Oxygen Light"/>
                     <a:cs typeface="Oxygen Light"/>
                   </a:rPr>
-                  <a:t>nodejs</a:t>
+                  <a:t>, </a:t>
+                </a:r>
+                <a:r>
+                  <a:rPr lang="en-US" sz="900" b="1" dirty="0" err="1" smtClean="0">
+                    <a:solidFill>
+                      <a:srgbClr val="0070C0"/>
+                    </a:solidFill>
+                    <a:latin typeface="Oxygen Light"/>
+                    <a:cs typeface="Oxygen Light"/>
+                  </a:rPr>
+                  <a:t>socket.io</a:t>
                 </a:r>
                 <a:r>
                   <a:rPr lang="en-US" sz="900" b="1" dirty="0" smtClean="0">
@@ -7555,6 +7933,16 @@
                 <a:r>
                   <a:rPr lang="en-US" sz="900" b="1" dirty="0" err="1" smtClean="0">
                     <a:solidFill>
+                      <a:srgbClr val="0070C0"/>
+                    </a:solidFill>
+                    <a:latin typeface="Oxygen Light"/>
+                    <a:cs typeface="Oxygen Light"/>
+                  </a:rPr>
+                  <a:t>mongodb</a:t>
+                </a:r>
+                <a:r>
+                  <a:rPr lang="en-US" sz="900" b="1" dirty="0" smtClean="0">
+                    <a:solidFill>
                       <a:schemeClr val="tx1">
                         <a:lumMod val="50000"/>
                         <a:lumOff val="50000"/>
@@ -7563,10 +7951,10 @@
                     <a:latin typeface="Oxygen Light"/>
                     <a:cs typeface="Oxygen Light"/>
                   </a:rPr>
-                  <a:t>socket.io</a:t>
-                </a:r>
-                <a:r>
-                  <a:rPr lang="en-US" sz="900" b="1" dirty="0" smtClean="0">
+                  <a:t>, </a:t>
+                </a:r>
+                <a:r>
+                  <a:rPr lang="en-US" sz="900" dirty="0" smtClean="0">
                     <a:solidFill>
                       <a:schemeClr val="tx1">
                         <a:lumMod val="50000"/>
@@ -7576,10 +7964,10 @@
                     <a:latin typeface="Oxygen Light"/>
                     <a:cs typeface="Oxygen Light"/>
                   </a:rPr>
-                  <a:t>, </a:t>
-                </a:r>
-                <a:r>
-                  <a:rPr lang="en-US" sz="900" b="1" dirty="0" err="1" smtClean="0">
+                  <a:t>and</a:t>
+                </a:r>
+                <a:r>
+                  <a:rPr lang="en-US" sz="900" b="1" dirty="0" smtClean="0">
                     <a:solidFill>
                       <a:schemeClr val="tx1">
                         <a:lumMod val="50000"/>
@@ -7589,7 +7977,17 @@
                     <a:latin typeface="Oxygen Light"/>
                     <a:cs typeface="Oxygen Light"/>
                   </a:rPr>
-                  <a:t>mongodb</a:t>
+                  <a:t> </a:t>
+                </a:r>
+                <a:r>
+                  <a:rPr lang="en-US" sz="900" b="1" dirty="0" smtClean="0">
+                    <a:solidFill>
+                      <a:srgbClr val="0070C0"/>
+                    </a:solidFill>
+                    <a:latin typeface="Oxygen Light"/>
+                    <a:cs typeface="Oxygen Light"/>
+                  </a:rPr>
+                  <a:t>auth0</a:t>
                 </a:r>
                 <a:r>
                   <a:rPr lang="en-US" sz="900" b="1" dirty="0" smtClean="0">
@@ -7602,33 +8000,7 @@
                     <a:latin typeface="Oxygen Light"/>
                     <a:cs typeface="Oxygen Light"/>
                   </a:rPr>
-                  <a:t>, </a:t>
-                </a:r>
-                <a:r>
-                  <a:rPr lang="en-US" sz="900" dirty="0" smtClean="0">
-                    <a:solidFill>
-                      <a:schemeClr val="tx1">
-                        <a:lumMod val="50000"/>
-                        <a:lumOff val="50000"/>
-                      </a:schemeClr>
-                    </a:solidFill>
-                    <a:latin typeface="Oxygen Light"/>
-                    <a:cs typeface="Oxygen Light"/>
-                  </a:rPr>
-                  <a:t>and</a:t>
-                </a:r>
-                <a:r>
-                  <a:rPr lang="en-US" sz="900" b="1" dirty="0" smtClean="0">
-                    <a:solidFill>
-                      <a:schemeClr val="tx1">
-                        <a:lumMod val="50000"/>
-                        <a:lumOff val="50000"/>
-                      </a:schemeClr>
-                    </a:solidFill>
-                    <a:latin typeface="Oxygen Light"/>
-                    <a:cs typeface="Oxygen Light"/>
-                  </a:rPr>
-                  <a:t> auth0.</a:t>
+                  <a:t>.</a:t>
                 </a:r>
               </a:p>
               <a:p>
@@ -7681,10 +8053,7 @@
                 <a:r>
                   <a:rPr lang="en-US" sz="900" b="1" dirty="0" smtClean="0">
                     <a:solidFill>
-                      <a:schemeClr val="tx1">
-                        <a:lumMod val="50000"/>
-                        <a:lumOff val="50000"/>
-                      </a:schemeClr>
+                      <a:srgbClr val="0070C0"/>
                     </a:solidFill>
                     <a:latin typeface="Oxygen Light"/>
                     <a:cs typeface="Oxygen Light"/>

--- a/resource/brijesh-resume.pptx
+++ b/resource/brijesh-resume.pptx
@@ -4767,7 +4767,10 @@
                   <a:r>
                     <a:rPr lang="en-US" sz="1100" b="1" dirty="0" smtClean="0">
                       <a:solidFill>
-                        <a:srgbClr val="0070C0"/>
+                        <a:schemeClr val="tx2">
+                          <a:lumMod val="60000"/>
+                          <a:lumOff val="40000"/>
+                        </a:schemeClr>
                       </a:solidFill>
                       <a:latin typeface="Oxygen Light"/>
                       <a:cs typeface="Oxygen Light"/>
@@ -4776,7 +4779,10 @@
                   </a:r>
                   <a:endParaRPr lang="en-US" sz="1100" b="1" i="1" dirty="0" smtClean="0">
                     <a:solidFill>
-                      <a:srgbClr val="0070C0"/>
+                      <a:schemeClr val="tx2">
+                        <a:lumMod val="60000"/>
+                        <a:lumOff val="40000"/>
+                      </a:schemeClr>
                     </a:solidFill>
                     <a:latin typeface="Roboto Thin"/>
                     <a:cs typeface="Roboto Thin"/>
@@ -4822,29 +4828,58 @@
                   <a:r>
                     <a:rPr lang="en-US" sz="900" b="1" dirty="0" smtClean="0">
                       <a:solidFill>
-                        <a:srgbClr val="0070C0"/>
+                        <a:schemeClr val="tx2">
+                          <a:lumMod val="60000"/>
+                          <a:lumOff val="40000"/>
+                        </a:schemeClr>
                       </a:solidFill>
                       <a:latin typeface="Oxygen Light"/>
                       <a:cs typeface="Oxygen Light"/>
                     </a:rPr>
-                    <a:t>Implemented </a:t>
+                    <a:t>Implemented</a:t>
+                  </a:r>
+                  <a:r>
+                    <a:rPr lang="en-US" sz="900" b="1" dirty="0" smtClean="0">
+                      <a:solidFill>
+                        <a:schemeClr val="bg1">
+                          <a:lumMod val="50000"/>
+                        </a:schemeClr>
+                      </a:solidFill>
+                      <a:latin typeface="Oxygen Light"/>
+                      <a:cs typeface="Oxygen Light"/>
+                    </a:rPr>
+                    <a:t> </a:t>
                   </a:r>
                   <a:r>
                     <a:rPr lang="en-US" sz="900" b="1" dirty="0">
                       <a:solidFill>
-                        <a:srgbClr val="0070C0"/>
+                        <a:schemeClr val="tx2">
+                          <a:lumMod val="60000"/>
+                          <a:lumOff val="40000"/>
+                        </a:schemeClr>
                       </a:solidFill>
                       <a:latin typeface="Oxygen Light"/>
                       <a:cs typeface="Oxygen Light"/>
                     </a:rPr>
-                    <a:t>synchronization primitives </a:t>
+                    <a:t>synchronization primitives</a:t>
+                  </a:r>
+                  <a:r>
+                    <a:rPr lang="en-US" sz="900" b="1" dirty="0">
+                      <a:solidFill>
+                        <a:schemeClr val="bg1">
+                          <a:lumMod val="50000"/>
+                        </a:schemeClr>
+                      </a:solidFill>
+                      <a:latin typeface="Oxygen Light"/>
+                      <a:cs typeface="Oxygen Light"/>
+                    </a:rPr>
+                    <a:t> </a:t>
                   </a:r>
                   <a:r>
                     <a:rPr lang="en-US" sz="900" dirty="0">
                       <a:solidFill>
-                        <a:schemeClr val="tx1">
+                        <a:schemeClr val="bg1">
                           <a:lumMod val="50000"/>
-                          <a:lumOff val="50000"/>
                         </a:schemeClr>
                       </a:solidFill>
                       <a:latin typeface="Oxygen Light"/>
@@ -4855,9 +4890,8 @@
                   <a:r>
                     <a:rPr lang="en-US" sz="900" dirty="0" err="1">
                       <a:solidFill>
-                        <a:schemeClr val="tx1">
+                        <a:schemeClr val="bg1">
                           <a:lumMod val="50000"/>
-                          <a:lumOff val="50000"/>
                         </a:schemeClr>
                       </a:solidFill>
                       <a:latin typeface="Oxygen Light"/>
@@ -4868,9 +4902,8 @@
                   <a:r>
                     <a:rPr lang="en-US" sz="900" dirty="0">
                       <a:solidFill>
-                        <a:schemeClr val="tx1">
+                        <a:schemeClr val="bg1">
                           <a:lumMod val="50000"/>
-                          <a:lumOff val="50000"/>
                         </a:schemeClr>
                       </a:solidFill>
                       <a:latin typeface="Oxygen Light"/>
@@ -4881,9 +4914,8 @@
                   <a:r>
                     <a:rPr lang="en-US" sz="900" dirty="0" smtClean="0">
                       <a:solidFill>
-                        <a:schemeClr val="tx1">
+                        <a:schemeClr val="bg1">
                           <a:lumMod val="50000"/>
-                          <a:lumOff val="50000"/>
                         </a:schemeClr>
                       </a:solidFill>
                       <a:latin typeface="Oxygen Light"/>
@@ -4916,7 +4948,10 @@
                   <a:r>
                     <a:rPr lang="en-US" sz="900" b="1" dirty="0">
                       <a:solidFill>
-                        <a:srgbClr val="0070C0"/>
+                        <a:schemeClr val="tx2">
+                          <a:lumMod val="60000"/>
+                          <a:lumOff val="40000"/>
+                        </a:schemeClr>
                       </a:solidFill>
                       <a:latin typeface="Oxygen Light"/>
                       <a:cs typeface="Oxygen Light"/>
@@ -4939,7 +4974,10 @@
                   <a:r>
                     <a:rPr lang="en-US" sz="900" b="1" dirty="0">
                       <a:solidFill>
-                        <a:srgbClr val="0070C0"/>
+                        <a:schemeClr val="tx2">
+                          <a:lumMod val="60000"/>
+                          <a:lumOff val="40000"/>
+                        </a:schemeClr>
                       </a:solidFill>
                       <a:latin typeface="Oxygen Light"/>
                       <a:cs typeface="Oxygen Light"/>
@@ -5027,7 +5065,10 @@
                   <a:r>
                     <a:rPr lang="en-US" sz="900" b="1" dirty="0">
                       <a:solidFill>
-                        <a:srgbClr val="0070C0"/>
+                        <a:schemeClr val="tx2">
+                          <a:lumMod val="60000"/>
+                          <a:lumOff val="40000"/>
+                        </a:schemeClr>
                       </a:solidFill>
                       <a:latin typeface="Oxygen Light"/>
                       <a:cs typeface="Oxygen Light"/>
@@ -5111,7 +5152,10 @@
                   <a:r>
                     <a:rPr lang="en-US" sz="900" b="1" dirty="0">
                       <a:solidFill>
-                        <a:srgbClr val="0070C0"/>
+                        <a:schemeClr val="tx2">
+                          <a:lumMod val="60000"/>
+                          <a:lumOff val="40000"/>
+                        </a:schemeClr>
                       </a:solidFill>
                       <a:latin typeface="Oxygen Light"/>
                       <a:cs typeface="Oxygen Light"/>
@@ -5310,7 +5354,10 @@
                     <a:r>
                       <a:rPr lang="en-US" sz="1000" b="1" dirty="0" smtClean="0">
                         <a:solidFill>
-                          <a:srgbClr val="0070C0"/>
+                          <a:schemeClr val="tx2">
+                            <a:lumMod val="60000"/>
+                            <a:lumOff val="40000"/>
+                          </a:schemeClr>
                         </a:solidFill>
                         <a:latin typeface="Oxygen Light"/>
                         <a:cs typeface="Oxygen Light"/>
@@ -5319,7 +5366,10 @@
                     </a:r>
                     <a:endParaRPr lang="en-US" sz="1000" b="1" i="1" dirty="0" smtClean="0">
                       <a:solidFill>
-                        <a:srgbClr val="0070C0"/>
+                        <a:schemeClr val="tx2">
+                          <a:lumMod val="60000"/>
+                          <a:lumOff val="40000"/>
+                        </a:schemeClr>
                       </a:solidFill>
                       <a:latin typeface="Roboto Thin"/>
                       <a:cs typeface="Roboto Thin"/>
@@ -5376,7 +5426,10 @@
                     <a:r>
                       <a:rPr lang="en-US" sz="900" b="1" dirty="0" smtClean="0">
                         <a:solidFill>
-                          <a:srgbClr val="0070C0"/>
+                          <a:schemeClr val="tx2">
+                            <a:lumMod val="60000"/>
+                            <a:lumOff val="40000"/>
+                          </a:schemeClr>
                         </a:solidFill>
                         <a:latin typeface="Oxygen Light"/>
                         <a:cs typeface="Oxygen Light"/>
@@ -5524,7 +5577,10 @@
                     <a:r>
                       <a:rPr lang="en-US" sz="1000" b="1" dirty="0" smtClean="0">
                         <a:solidFill>
-                          <a:srgbClr val="0070C0"/>
+                          <a:schemeClr val="tx2">
+                            <a:lumMod val="60000"/>
+                            <a:lumOff val="40000"/>
+                          </a:schemeClr>
                         </a:solidFill>
                         <a:latin typeface="Oxygen Light"/>
                         <a:cs typeface="Oxygen Light"/>
@@ -5533,7 +5589,10 @@
                     </a:r>
                     <a:endParaRPr lang="en-US" sz="1100" b="1" dirty="0" smtClean="0">
                       <a:solidFill>
-                        <a:srgbClr val="0070C0"/>
+                        <a:schemeClr val="tx2">
+                          <a:lumMod val="60000"/>
+                          <a:lumOff val="40000"/>
+                        </a:schemeClr>
                       </a:solidFill>
                       <a:latin typeface="Oxygen Light"/>
                       <a:cs typeface="Oxygen Light"/>
@@ -5584,7 +5643,10 @@
                     <a:r>
                       <a:rPr lang="en-US" sz="900" b="1" dirty="0" smtClean="0">
                         <a:solidFill>
-                          <a:srgbClr val="0070C0"/>
+                          <a:schemeClr val="tx2">
+                            <a:lumMod val="60000"/>
+                            <a:lumOff val="40000"/>
+                          </a:schemeClr>
                         </a:solidFill>
                         <a:latin typeface="Oxygen Light"/>
                         <a:cs typeface="Oxygen Light"/>
@@ -5771,7 +5833,10 @@
                 <a:r>
                   <a:rPr lang="en-US" sz="1000" b="1" dirty="0" smtClean="0">
                     <a:solidFill>
-                      <a:srgbClr val="0070C0"/>
+                      <a:schemeClr val="tx2">
+                        <a:lumMod val="60000"/>
+                        <a:lumOff val="40000"/>
+                      </a:schemeClr>
                     </a:solidFill>
                     <a:latin typeface="Oxygen Light"/>
                     <a:cs typeface="Oxygen Light"/>
@@ -5780,7 +5845,10 @@
                 </a:r>
                 <a:endParaRPr lang="en-US" sz="1000" b="1" i="1" dirty="0" smtClean="0">
                   <a:solidFill>
-                    <a:srgbClr val="0070C0"/>
+                    <a:schemeClr val="tx2">
+                      <a:lumMod val="60000"/>
+                      <a:lumOff val="40000"/>
+                    </a:schemeClr>
                   </a:solidFill>
                   <a:latin typeface="Roboto Thin"/>
                   <a:cs typeface="Roboto Thin"/>
@@ -5889,7 +5957,10 @@
                 <a:r>
                   <a:rPr lang="en-US" sz="900" b="1" dirty="0" err="1" smtClean="0">
                     <a:solidFill>
-                      <a:srgbClr val="0070C0"/>
+                      <a:schemeClr val="tx2">
+                        <a:lumMod val="60000"/>
+                        <a:lumOff val="40000"/>
+                      </a:schemeClr>
                     </a:solidFill>
                     <a:latin typeface="Oxygen Light"/>
                     <a:cs typeface="Oxygen Light"/>
@@ -5899,7 +5970,10 @@
                 <a:r>
                   <a:rPr lang="en-US" sz="900" b="1" dirty="0" smtClean="0">
                     <a:solidFill>
-                      <a:srgbClr val="0070C0"/>
+                      <a:schemeClr val="tx2">
+                        <a:lumMod val="60000"/>
+                        <a:lumOff val="40000"/>
+                      </a:schemeClr>
                     </a:solidFill>
                     <a:latin typeface="Oxygen Light"/>
                     <a:cs typeface="Oxygen Light"/>
@@ -6027,7 +6101,10 @@
                 <a:r>
                   <a:rPr lang="en-US" sz="1000" b="1" dirty="0" smtClean="0">
                     <a:solidFill>
-                      <a:srgbClr val="0070C0"/>
+                      <a:schemeClr val="tx2">
+                        <a:lumMod val="60000"/>
+                        <a:lumOff val="40000"/>
+                      </a:schemeClr>
                     </a:solidFill>
                     <a:latin typeface="Oxygen Light"/>
                     <a:cs typeface="Oxygen Light"/>
@@ -6036,7 +6113,10 @@
                 </a:r>
                 <a:endParaRPr lang="en-US" sz="1100" b="1" dirty="0" smtClean="0">
                   <a:solidFill>
-                    <a:srgbClr val="0070C0"/>
+                    <a:schemeClr val="tx2">
+                      <a:lumMod val="60000"/>
+                      <a:lumOff val="40000"/>
+                    </a:schemeClr>
                   </a:solidFill>
                   <a:latin typeface="Oxygen Light"/>
                   <a:cs typeface="Oxygen Light"/>
@@ -6170,7 +6250,10 @@
                 <a:r>
                   <a:rPr lang="en-US" sz="1000" b="1" dirty="0" smtClean="0">
                     <a:solidFill>
-                      <a:srgbClr val="0070C0"/>
+                      <a:schemeClr val="tx2">
+                        <a:lumMod val="60000"/>
+                        <a:lumOff val="40000"/>
+                      </a:schemeClr>
                     </a:solidFill>
                     <a:latin typeface="Oxygen Light"/>
                     <a:cs typeface="Oxygen Light"/>
@@ -6179,7 +6262,10 @@
                 </a:r>
                 <a:endParaRPr lang="en-US" sz="1100" b="1" dirty="0" smtClean="0">
                   <a:solidFill>
-                    <a:srgbClr val="0070C0"/>
+                    <a:schemeClr val="tx2">
+                      <a:lumMod val="60000"/>
+                      <a:lumOff val="40000"/>
+                    </a:schemeClr>
                   </a:solidFill>
                   <a:latin typeface="Oxygen Light"/>
                   <a:cs typeface="Oxygen Light"/>
@@ -6256,7 +6342,10 @@
                 <a:r>
                   <a:rPr lang="en-US" sz="900" b="1" dirty="0" smtClean="0">
                     <a:solidFill>
-                      <a:srgbClr val="0070C0"/>
+                      <a:schemeClr val="tx2">
+                        <a:lumMod val="60000"/>
+                        <a:lumOff val="40000"/>
+                      </a:schemeClr>
                     </a:solidFill>
                     <a:latin typeface="Oxygen Light"/>
                     <a:cs typeface="Oxygen Light"/>
@@ -6279,7 +6368,10 @@
                 <a:r>
                   <a:rPr lang="en-US" sz="900" b="1" dirty="0" err="1" smtClean="0">
                     <a:solidFill>
-                      <a:srgbClr val="0070C0"/>
+                      <a:schemeClr val="tx2">
+                        <a:lumMod val="60000"/>
+                        <a:lumOff val="40000"/>
+                      </a:schemeClr>
                     </a:solidFill>
                     <a:latin typeface="Oxygen Light"/>
                     <a:cs typeface="Oxygen Light"/>
@@ -6391,7 +6483,10 @@
                 <a:r>
                   <a:rPr lang="en-US" sz="1000" b="1" dirty="0" smtClean="0">
                     <a:solidFill>
-                      <a:srgbClr val="0070C0"/>
+                      <a:schemeClr val="tx2">
+                        <a:lumMod val="60000"/>
+                        <a:lumOff val="40000"/>
+                      </a:schemeClr>
                     </a:solidFill>
                     <a:latin typeface="Oxygen Light"/>
                     <a:cs typeface="Oxygen Light"/>
@@ -6400,7 +6495,10 @@
                 </a:r>
                 <a:endParaRPr lang="en-US" sz="1100" b="1" dirty="0" smtClean="0">
                   <a:solidFill>
-                    <a:srgbClr val="0070C0"/>
+                    <a:schemeClr val="tx2">
+                      <a:lumMod val="60000"/>
+                      <a:lumOff val="40000"/>
+                    </a:schemeClr>
                   </a:solidFill>
                   <a:latin typeface="Oxygen Light"/>
                   <a:cs typeface="Oxygen Light"/>
@@ -6749,7 +6847,10 @@
               <a:r>
                 <a:rPr lang="en-US" sz="900" b="1" dirty="0" err="1" smtClean="0">
                   <a:solidFill>
-                    <a:srgbClr val="0070C0"/>
+                    <a:schemeClr val="tx2">
+                      <a:lumMod val="60000"/>
+                      <a:lumOff val="40000"/>
+                    </a:schemeClr>
                   </a:solidFill>
                   <a:latin typeface="Oxygen Light"/>
                   <a:cs typeface="Oxygen Light"/>
@@ -6772,7 +6873,10 @@
               <a:r>
                 <a:rPr lang="en-US" sz="900" b="1" dirty="0" smtClean="0">
                   <a:solidFill>
-                    <a:srgbClr val="0070C0"/>
+                    <a:schemeClr val="tx2">
+                      <a:lumMod val="60000"/>
+                      <a:lumOff val="40000"/>
+                    </a:schemeClr>
                   </a:solidFill>
                   <a:latin typeface="Oxygen Light"/>
                   <a:cs typeface="Oxygen Light"/>
@@ -6817,7 +6921,10 @@
               <a:r>
                 <a:rPr lang="en-US" sz="900" b="1" dirty="0" smtClean="0">
                   <a:solidFill>
-                    <a:srgbClr val="0070C0"/>
+                    <a:schemeClr val="tx2">
+                      <a:lumMod val="60000"/>
+                      <a:lumOff val="40000"/>
+                    </a:schemeClr>
                   </a:solidFill>
                   <a:latin typeface="Oxygen Light"/>
                   <a:cs typeface="Oxygen Light"/>
@@ -6840,7 +6947,10 @@
               <a:r>
                 <a:rPr lang="en-US" sz="900" b="1" dirty="0" err="1" smtClean="0">
                   <a:solidFill>
-                    <a:srgbClr val="0070C0"/>
+                    <a:schemeClr val="tx2">
+                      <a:lumMod val="60000"/>
+                      <a:lumOff val="40000"/>
+                    </a:schemeClr>
                   </a:solidFill>
                   <a:latin typeface="Oxygen Light"/>
                   <a:cs typeface="Oxygen Light"/>
@@ -7002,12 +7112,28 @@
                 <a:r>
                   <a:rPr lang="en-US" sz="900" b="1" dirty="0" smtClean="0">
                     <a:solidFill>
-                      <a:srgbClr val="0070C0"/>
+                      <a:schemeClr val="tx2">
+                        <a:lumMod val="60000"/>
+                        <a:lumOff val="40000"/>
+                      </a:schemeClr>
                     </a:solidFill>
                     <a:latin typeface="Oxygen Light"/>
                     <a:cs typeface="Oxygen Light"/>
                   </a:rPr>
                   <a:t>android platform</a:t>
+                </a:r>
+                <a:r>
+                  <a:rPr lang="en-US" sz="900" dirty="0" smtClean="0">
+                    <a:solidFill>
+                      <a:schemeClr val="tx2">
+                        <a:lumMod val="60000"/>
+                        <a:lumOff val="40000"/>
+                      </a:schemeClr>
+                    </a:solidFill>
+                    <a:latin typeface="Oxygen Light"/>
+                    <a:cs typeface="Oxygen Light"/>
+                  </a:rPr>
+                  <a:t> </a:t>
                 </a:r>
                 <a:r>
                   <a:rPr lang="en-US" sz="900" dirty="0" smtClean="0">
@@ -7020,7 +7146,7 @@
                     <a:latin typeface="Oxygen Light"/>
                     <a:cs typeface="Oxygen Light"/>
                   </a:rPr>
-                  <a:t> instrumentation) and analysis to measure the length of time user waits for apps to complete certain actions.</a:t>
+                  <a:t>instrumentation) and analysis to measure the length of time user waits for apps to complete certain actions.</a:t>
                 </a:r>
                 <a:endParaRPr lang="en-US" sz="900" dirty="0">
                   <a:solidFill>
@@ -7441,12 +7567,15 @@
                 <a:r>
                   <a:rPr lang="en-US" sz="900" b="1" dirty="0" smtClean="0">
                     <a:solidFill>
-                      <a:srgbClr val="0070C0"/>
-                    </a:solidFill>
-                    <a:latin typeface="Oxygen Light"/>
-                    <a:cs typeface="Oxygen Light"/>
-                  </a:rPr>
-                  <a:t>Cloud Foundry</a:t>
+                      <a:schemeClr val="tx2">
+                        <a:lumMod val="60000"/>
+                        <a:lumOff val="40000"/>
+                      </a:schemeClr>
+                    </a:solidFill>
+                    <a:latin typeface="Oxygen Light"/>
+                    <a:cs typeface="Oxygen Light"/>
+                  </a:rPr>
+                  <a:t>Cloud Foundry, Bosh</a:t>
                 </a:r>
                 <a:r>
                   <a:rPr lang="en-US" sz="900" b="1" dirty="0" smtClean="0">
@@ -7462,17 +7591,7 @@
                   <a:t>, </a:t>
                 </a:r>
                 <a:r>
-                  <a:rPr lang="en-US" sz="900" b="1" dirty="0" smtClean="0">
-                    <a:solidFill>
-                      <a:srgbClr val="0070C0"/>
-                    </a:solidFill>
-                    <a:latin typeface="Oxygen Light"/>
-                    <a:cs typeface="Oxygen Light"/>
-                  </a:rPr>
-                  <a:t>Bosh</a:t>
-                </a:r>
-                <a:r>
-                  <a:rPr lang="en-US" sz="900" b="1" dirty="0" smtClean="0">
+                  <a:rPr lang="en-US" sz="900" dirty="0" smtClean="0">
                     <a:solidFill>
                       <a:schemeClr val="tx1">
                         <a:lumMod val="50000"/>
@@ -7482,10 +7601,10 @@
                     <a:latin typeface="Oxygen Light"/>
                     <a:cs typeface="Oxygen Light"/>
                   </a:rPr>
-                  <a:t>, </a:t>
-                </a:r>
-                <a:r>
-                  <a:rPr lang="en-US" sz="900" dirty="0" smtClean="0">
+                  <a:t>and</a:t>
+                </a:r>
+                <a:r>
+                  <a:rPr lang="en-US" sz="900" b="1" dirty="0" smtClean="0">
                     <a:solidFill>
                       <a:schemeClr val="tx1">
                         <a:lumMod val="50000"/>
@@ -7495,25 +7614,15 @@
                     <a:latin typeface="Oxygen Light"/>
                     <a:cs typeface="Oxygen Light"/>
                   </a:rPr>
-                  <a:t>and</a:t>
+                  <a:t> </a:t>
                 </a:r>
                 <a:r>
                   <a:rPr lang="en-US" sz="900" b="1" dirty="0" smtClean="0">
                     <a:solidFill>
-                      <a:schemeClr val="tx1">
-                        <a:lumMod val="50000"/>
-                        <a:lumOff val="50000"/>
-                      </a:schemeClr>
-                    </a:solidFill>
-                    <a:latin typeface="Oxygen Light"/>
-                    <a:cs typeface="Oxygen Light"/>
-                  </a:rPr>
-                  <a:t> </a:t>
-                </a:r>
-                <a:r>
-                  <a:rPr lang="en-US" sz="900" b="1" dirty="0" smtClean="0">
-                    <a:solidFill>
-                      <a:srgbClr val="0070C0"/>
+                      <a:schemeClr val="tx2">
+                        <a:lumMod val="60000"/>
+                        <a:lumOff val="40000"/>
+                      </a:schemeClr>
                     </a:solidFill>
                     <a:latin typeface="Oxygen Light"/>
                     <a:cs typeface="Oxygen Light"/>
@@ -7887,12 +7996,67 @@
                 <a:r>
                   <a:rPr lang="en-US" sz="900" b="1" dirty="0" err="1" smtClean="0">
                     <a:solidFill>
-                      <a:srgbClr val="0070C0"/>
+                      <a:schemeClr val="tx2">
+                        <a:lumMod val="60000"/>
+                        <a:lumOff val="40000"/>
+                      </a:schemeClr>
                     </a:solidFill>
                     <a:latin typeface="Oxygen Light"/>
                     <a:cs typeface="Oxygen Light"/>
                   </a:rPr>
                   <a:t>nodejs</a:t>
+                </a:r>
+                <a:r>
+                  <a:rPr lang="en-US" sz="900" b="1" dirty="0" smtClean="0">
+                    <a:solidFill>
+                      <a:schemeClr val="tx2">
+                        <a:lumMod val="60000"/>
+                        <a:lumOff val="40000"/>
+                      </a:schemeClr>
+                    </a:solidFill>
+                    <a:latin typeface="Oxygen Light"/>
+                    <a:cs typeface="Oxygen Light"/>
+                  </a:rPr>
+                  <a:t>, </a:t>
+                </a:r>
+                <a:r>
+                  <a:rPr lang="en-US" sz="900" b="1" dirty="0" err="1" smtClean="0">
+                    <a:solidFill>
+                      <a:schemeClr val="tx2">
+                        <a:lumMod val="60000"/>
+                        <a:lumOff val="40000"/>
+                      </a:schemeClr>
+                    </a:solidFill>
+                    <a:latin typeface="Oxygen Light"/>
+                    <a:cs typeface="Oxygen Light"/>
+                  </a:rPr>
+                  <a:t>socket.io</a:t>
+                </a:r>
+                <a:r>
+                  <a:rPr lang="en-US" sz="900" b="1" dirty="0" smtClean="0">
+                    <a:solidFill>
+                      <a:schemeClr val="tx2">
+                        <a:lumMod val="60000"/>
+                        <a:lumOff val="40000"/>
+                      </a:schemeClr>
+                    </a:solidFill>
+                    <a:latin typeface="Oxygen Light"/>
+                    <a:cs typeface="Oxygen Light"/>
+                  </a:rPr>
+                  <a:t>, </a:t>
+                </a:r>
+                <a:r>
+                  <a:rPr lang="en-US" sz="900" b="1" dirty="0" err="1" smtClean="0">
+                    <a:solidFill>
+                      <a:schemeClr val="tx2">
+                        <a:lumMod val="60000"/>
+                        <a:lumOff val="40000"/>
+                      </a:schemeClr>
+                    </a:solidFill>
+                    <a:latin typeface="Oxygen Light"/>
+                    <a:cs typeface="Oxygen Light"/>
+                  </a:rPr>
+                  <a:t>mongodb</a:t>
                 </a:r>
                 <a:r>
                   <a:rPr lang="en-US" sz="900" b="1" dirty="0" smtClean="0">
@@ -7908,17 +8072,7 @@
                   <a:t>, </a:t>
                 </a:r>
                 <a:r>
-                  <a:rPr lang="en-US" sz="900" b="1" dirty="0" err="1" smtClean="0">
-                    <a:solidFill>
-                      <a:srgbClr val="0070C0"/>
-                    </a:solidFill>
-                    <a:latin typeface="Oxygen Light"/>
-                    <a:cs typeface="Oxygen Light"/>
-                  </a:rPr>
-                  <a:t>socket.io</a:t>
-                </a:r>
-                <a:r>
-                  <a:rPr lang="en-US" sz="900" b="1" dirty="0" smtClean="0">
+                  <a:rPr lang="en-US" sz="900" dirty="0" smtClean="0">
                     <a:solidFill>
                       <a:schemeClr val="tx1">
                         <a:lumMod val="50000"/>
@@ -7928,17 +8082,7 @@
                     <a:latin typeface="Oxygen Light"/>
                     <a:cs typeface="Oxygen Light"/>
                   </a:rPr>
-                  <a:t>, </a:t>
-                </a:r>
-                <a:r>
-                  <a:rPr lang="en-US" sz="900" b="1" dirty="0" err="1" smtClean="0">
-                    <a:solidFill>
-                      <a:srgbClr val="0070C0"/>
-                    </a:solidFill>
-                    <a:latin typeface="Oxygen Light"/>
-                    <a:cs typeface="Oxygen Light"/>
-                  </a:rPr>
-                  <a:t>mongodb</a:t>
+                  <a:t>and</a:t>
                 </a:r>
                 <a:r>
                   <a:rPr lang="en-US" sz="900" b="1" dirty="0" smtClean="0">
@@ -7951,38 +8095,15 @@
                     <a:latin typeface="Oxygen Light"/>
                     <a:cs typeface="Oxygen Light"/>
                   </a:rPr>
-                  <a:t>, </a:t>
-                </a:r>
-                <a:r>
-                  <a:rPr lang="en-US" sz="900" dirty="0" smtClean="0">
-                    <a:solidFill>
-                      <a:schemeClr val="tx1">
-                        <a:lumMod val="50000"/>
-                        <a:lumOff val="50000"/>
-                      </a:schemeClr>
-                    </a:solidFill>
-                    <a:latin typeface="Oxygen Light"/>
-                    <a:cs typeface="Oxygen Light"/>
-                  </a:rPr>
-                  <a:t>and</a:t>
+                  <a:t> </a:t>
                 </a:r>
                 <a:r>
                   <a:rPr lang="en-US" sz="900" b="1" dirty="0" smtClean="0">
                     <a:solidFill>
-                      <a:schemeClr val="tx1">
-                        <a:lumMod val="50000"/>
-                        <a:lumOff val="50000"/>
-                      </a:schemeClr>
-                    </a:solidFill>
-                    <a:latin typeface="Oxygen Light"/>
-                    <a:cs typeface="Oxygen Light"/>
-                  </a:rPr>
-                  <a:t> </a:t>
-                </a:r>
-                <a:r>
-                  <a:rPr lang="en-US" sz="900" b="1" dirty="0" smtClean="0">
-                    <a:solidFill>
-                      <a:srgbClr val="0070C0"/>
+                      <a:schemeClr val="tx2">
+                        <a:lumMod val="60000"/>
+                        <a:lumOff val="40000"/>
+                      </a:schemeClr>
                     </a:solidFill>
                     <a:latin typeface="Oxygen Light"/>
                     <a:cs typeface="Oxygen Light"/>
@@ -8027,6 +8148,19 @@
                 <a:r>
                   <a:rPr lang="en-US" sz="900" b="1" dirty="0" smtClean="0">
                     <a:solidFill>
+                      <a:schemeClr val="tx2">
+                        <a:lumMod val="60000"/>
+                        <a:lumOff val="40000"/>
+                      </a:schemeClr>
+                    </a:solidFill>
+                    <a:latin typeface="Oxygen Light"/>
+                    <a:cs typeface="Oxygen Light"/>
+                  </a:rPr>
+                  <a:t>continuous integration </a:t>
+                </a:r>
+                <a:r>
+                  <a:rPr lang="en-US" sz="900" dirty="0" smtClean="0">
+                    <a:solidFill>
                       <a:schemeClr val="tx1">
                         <a:lumMod val="50000"/>
                         <a:lumOff val="50000"/>
@@ -8035,25 +8169,15 @@
                     <a:latin typeface="Oxygen Light"/>
                     <a:cs typeface="Oxygen Light"/>
                   </a:rPr>
-                  <a:t>continuous integration </a:t>
-                </a:r>
-                <a:r>
-                  <a:rPr lang="en-US" sz="900" dirty="0" smtClean="0">
-                    <a:solidFill>
-                      <a:schemeClr val="tx1">
-                        <a:lumMod val="50000"/>
-                        <a:lumOff val="50000"/>
-                      </a:schemeClr>
-                    </a:solidFill>
-                    <a:latin typeface="Oxygen Light"/>
-                    <a:cs typeface="Oxygen Light"/>
-                  </a:rPr>
                   <a:t>deployment bot for the website build cycle using </a:t>
                 </a:r>
                 <a:r>
                   <a:rPr lang="en-US" sz="900" b="1" dirty="0" smtClean="0">
                     <a:solidFill>
-                      <a:srgbClr val="0070C0"/>
+                      <a:schemeClr val="tx2">
+                        <a:lumMod val="60000"/>
+                        <a:lumOff val="40000"/>
+                      </a:schemeClr>
                     </a:solidFill>
                     <a:latin typeface="Oxygen Light"/>
                     <a:cs typeface="Oxygen Light"/>

--- a/resource/brijesh-resume.pptx
+++ b/resource/brijesh-resume.pptx
@@ -5682,9 +5682,9 @@
                     <a:r>
                       <a:rPr lang="en-US" sz="900" b="1" dirty="0">
                         <a:solidFill>
-                          <a:schemeClr val="tx1">
-                            <a:lumMod val="50000"/>
-                            <a:lumOff val="50000"/>
+                          <a:schemeClr val="tx2">
+                            <a:lumMod val="60000"/>
+                            <a:lumOff val="40000"/>
                           </a:schemeClr>
                         </a:solidFill>
                         <a:latin typeface="Oxygen Light"/>
@@ -5695,9 +5695,9 @@
                     <a:r>
                       <a:rPr lang="en-US" sz="900" b="1" dirty="0" smtClean="0">
                         <a:solidFill>
-                          <a:schemeClr val="tx1">
-                            <a:lumMod val="50000"/>
-                            <a:lumOff val="50000"/>
+                          <a:schemeClr val="tx2">
+                            <a:lumMod val="60000"/>
+                            <a:lumOff val="40000"/>
                           </a:schemeClr>
                         </a:solidFill>
                         <a:latin typeface="Oxygen Light"/>

--- a/resource/brijesh-resume.pptx
+++ b/resource/brijesh-resume.pptx
@@ -3450,6 +3450,14 @@
 <file path=ppt/slides/slide1.xml><?xml version="1.0" encoding="utf-8"?>
 <p:sld xmlns:a="http://schemas.openxmlformats.org/drawingml/2006/main" xmlns:r="http://schemas.openxmlformats.org/officeDocument/2006/relationships" xmlns:p="http://schemas.openxmlformats.org/presentationml/2006/main">
   <p:cSld>
+    <p:bg>
+      <p:bgPr>
+        <a:solidFill>
+          <a:schemeClr val="bg1"/>
+        </a:solidFill>
+        <a:effectLst/>
+      </p:bgPr>
+    </p:bg>
     <p:spTree>
       <p:nvGrpSpPr>
         <p:cNvPr id="1" name=""/>
@@ -4122,10 +4130,10 @@
         </p:nvGrpSpPr>
         <p:grpSpPr>
           <a:xfrm>
-            <a:off x="142605" y="8995790"/>
-            <a:ext cx="6801611" cy="1804332"/>
-            <a:chOff x="142605" y="8942002"/>
-            <a:chExt cx="6801611" cy="1804332"/>
+            <a:off x="142605" y="9004934"/>
+            <a:ext cx="7794387" cy="1831764"/>
+            <a:chOff x="142605" y="8914570"/>
+            <a:chExt cx="7794387" cy="1831764"/>
           </a:xfrm>
         </p:grpSpPr>
         <p:grpSp>
@@ -4136,10 +4144,10 @@
           </p:nvGrpSpPr>
           <p:grpSpPr>
             <a:xfrm>
-              <a:off x="142605" y="8942002"/>
-              <a:ext cx="6513556" cy="1804332"/>
-              <a:chOff x="2254037" y="7594012"/>
-              <a:chExt cx="6513556" cy="1804332"/>
+              <a:off x="142605" y="8914570"/>
+              <a:ext cx="6513556" cy="1831764"/>
+              <a:chOff x="2254037" y="7566580"/>
+              <a:chExt cx="6513556" cy="1831764"/>
             </a:xfrm>
           </p:grpSpPr>
           <p:grpSp>
@@ -4165,9 +4173,9 @@
               <p:grpSpPr>
                 <a:xfrm>
                   <a:off x="-1484108" y="5877334"/>
-                  <a:ext cx="2320923" cy="523587"/>
+                  <a:ext cx="4455908" cy="246221"/>
                   <a:chOff x="-1568771" y="6215986"/>
-                  <a:chExt cx="2320923" cy="523587"/>
+                  <a:chExt cx="4455908" cy="246221"/>
                 </a:xfrm>
               </p:grpSpPr>
               <p:sp>
@@ -4210,8 +4218,8 @@
                 </p:nvSpPr>
                 <p:spPr>
                   <a:xfrm>
-                    <a:off x="-1565367" y="6375152"/>
-                    <a:ext cx="1440435" cy="230832"/>
+                    <a:off x="-347901" y="6229078"/>
+                    <a:ext cx="3235038" cy="230832"/>
                   </a:xfrm>
                   <a:prstGeom prst="rect">
                     <a:avLst/>
@@ -4226,18 +4234,53 @@
                   <a:p>
                     <a:r>
                       <a:rPr lang="en-US" sz="900" dirty="0" smtClean="0">
+                        <a:solidFill>
+                          <a:schemeClr val="tx1">
+                            <a:lumMod val="65000"/>
+                            <a:lumOff val="35000"/>
+                          </a:schemeClr>
+                        </a:solidFill>
                         <a:latin typeface="Roboto Regular"/>
                         <a:cs typeface="Roboto Regular"/>
                       </a:rPr>
-                      <a:t>B.S Computer Science</a:t>
+                      <a:t>B.S Computer </a:t>
+                    </a:r>
+                    <a:r>
+                      <a:rPr lang="en-US" sz="900" dirty="0" smtClean="0">
+                        <a:solidFill>
+                          <a:schemeClr val="tx1">
+                            <a:lumMod val="65000"/>
+                            <a:lumOff val="35000"/>
+                          </a:schemeClr>
+                        </a:solidFill>
+                        <a:latin typeface="Roboto Regular"/>
+                        <a:cs typeface="Roboto Regular"/>
+                      </a:rPr>
+                      <a:t>Science, Expected December 2017</a:t>
                     </a:r>
                     <a:r>
                       <a:rPr lang="en-US" sz="900" b="1" dirty="0" smtClean="0">
+                        <a:solidFill>
+                          <a:schemeClr val="tx1">
+                            <a:lumMod val="65000"/>
+                            <a:lumOff val="35000"/>
+                          </a:schemeClr>
+                        </a:solidFill>
                         <a:latin typeface="Roboto Thin"/>
                         <a:cs typeface="Roboto Thin"/>
                       </a:rPr>
                       <a:t> </a:t>
                     </a:r>
+                    <a:endParaRPr lang="en-US" sz="900" b="1" dirty="0" smtClean="0">
+                      <a:solidFill>
+                        <a:schemeClr val="tx1">
+                          <a:lumMod val="65000"/>
+                          <a:lumOff val="35000"/>
+                        </a:schemeClr>
+                      </a:solidFill>
+                      <a:latin typeface="Roboto Thin"/>
+                      <a:cs typeface="Roboto Thin"/>
+                    </a:endParaRPr>
                   </a:p>
                 </p:txBody>
               </p:sp>
@@ -4249,7 +4292,7 @@
                 </p:nvSpPr>
                 <p:spPr>
                   <a:xfrm>
-                    <a:off x="-1567805" y="6524129"/>
+                    <a:off x="886201" y="6229569"/>
                     <a:ext cx="1702484" cy="215444"/>
                   </a:xfrm>
                   <a:prstGeom prst="rect">
@@ -4263,13 +4306,6 @@
                   </a:bodyPr>
                   <a:lstStyle/>
                   <a:p>
-                    <a:r>
-                      <a:rPr lang="en-US" sz="800" dirty="0" smtClean="0">
-                        <a:latin typeface="Roboto Light"/>
-                        <a:cs typeface="Roboto Light"/>
-                      </a:rPr>
-                      <a:t>Expected December 2017</a:t>
-                    </a:r>
                     <a:endParaRPr lang="en-US" sz="800" b="1" dirty="0" smtClean="0">
                       <a:latin typeface="Roboto Light"/>
                       <a:cs typeface="Roboto Light"/>
@@ -4327,7 +4363,7 @@
             </p:nvSpPr>
             <p:spPr>
               <a:xfrm>
-                <a:off x="2254037" y="7594012"/>
+                <a:off x="2254037" y="7566580"/>
                 <a:ext cx="1095172" cy="338554"/>
               </a:xfrm>
               <a:prstGeom prst="rect">
@@ -4400,8 +4436,8 @@
           </p:nvSpPr>
           <p:spPr>
             <a:xfrm>
-              <a:off x="3570025" y="9275840"/>
-              <a:ext cx="1440435" cy="246221"/>
+              <a:off x="157363" y="9461765"/>
+              <a:ext cx="1440435" cy="230832"/>
             </a:xfrm>
             <a:prstGeom prst="rect">
               <a:avLst/>
@@ -4415,13 +4451,13 @@
             <a:lstStyle/>
             <a:p>
               <a:r>
-                <a:rPr lang="en-US" sz="1000" dirty="0" smtClean="0">
+                <a:rPr lang="en-US" sz="900" dirty="0" smtClean="0">
                   <a:latin typeface="Roboto Regular"/>
                   <a:cs typeface="Roboto Regular"/>
                 </a:rPr>
                 <a:t>Relevant Courses</a:t>
               </a:r>
-              <a:endParaRPr lang="en-US" sz="1000" b="1" dirty="0" smtClean="0">
+              <a:endParaRPr lang="en-US" sz="900" b="1" dirty="0" smtClean="0">
                 <a:latin typeface="Roboto Thin"/>
                 <a:cs typeface="Roboto Thin"/>
               </a:endParaRPr>
@@ -4436,8 +4472,8 @@
           </p:nvSpPr>
           <p:spPr>
             <a:xfrm>
-              <a:off x="3108336" y="9433553"/>
-              <a:ext cx="3835880" cy="397032"/>
+              <a:off x="903303" y="9465036"/>
+              <a:ext cx="7033689" cy="235064"/>
             </a:xfrm>
             <a:prstGeom prst="rect">
               <a:avLst/>
@@ -4456,15 +4492,16 @@
                 </a:lnSpc>
               </a:pPr>
               <a:r>
-                <a:rPr lang="en-US" sz="900" smtClean="0">
+                <a:rPr lang="en-US" sz="900" dirty="0" smtClean="0">
                   <a:solidFill>
                     <a:schemeClr val="tx1">
-                      <a:lumMod val="50000"/>
-                      <a:lumOff val="50000"/>
+                      <a:lumMod val="65000"/>
+                      <a:lumOff val="35000"/>
                     </a:schemeClr>
                   </a:solidFill>
-                  <a:latin typeface="Oxygen Light"/>
-                  <a:cs typeface="Oxygen Light"/>
+                  <a:latin typeface="Roboto" charset="0"/>
+                  <a:ea typeface="Roboto" charset="0"/>
+                  <a:cs typeface="Roboto" charset="0"/>
                 </a:rPr>
                 <a:t>OS, </a:t>
               </a:r>
@@ -4472,24 +4509,26 @@
                 <a:rPr lang="en-US" sz="900" dirty="0" smtClean="0">
                   <a:solidFill>
                     <a:schemeClr val="tx1">
-                      <a:lumMod val="50000"/>
-                      <a:lumOff val="50000"/>
+                      <a:lumMod val="65000"/>
+                      <a:lumOff val="35000"/>
                     </a:schemeClr>
                   </a:solidFill>
-                  <a:latin typeface="Oxygen Light"/>
-                  <a:cs typeface="Oxygen Light"/>
+                  <a:latin typeface="Roboto" charset="0"/>
+                  <a:ea typeface="Roboto" charset="0"/>
+                  <a:cs typeface="Roboto" charset="0"/>
                 </a:rPr>
                 <a:t>Networking, Distributed Systems, Database Concepts, Robotic Algorithms, Software Engineering.  </a:t>
               </a:r>
               <a:endParaRPr lang="en-US" sz="900" dirty="0">
                 <a:solidFill>
                   <a:schemeClr val="tx1">
-                    <a:lumMod val="50000"/>
-                    <a:lumOff val="50000"/>
+                    <a:lumMod val="65000"/>
+                    <a:lumOff val="35000"/>
                   </a:schemeClr>
                 </a:solidFill>
-                <a:latin typeface="Oxygen Light"/>
-                <a:cs typeface="Oxygen Light"/>
+                <a:latin typeface="Roboto" charset="0"/>
+                <a:ea typeface="Roboto" charset="0"/>
+                <a:cs typeface="Roboto" charset="0"/>
               </a:endParaRPr>
             </a:p>
           </p:txBody>
@@ -5939,7 +5978,33 @@
                     <a:latin typeface="Oxygen Light"/>
                     <a:cs typeface="Oxygen Light"/>
                   </a:rPr>
-                  <a:t> d3.js </a:t>
+                  <a:t> d3.js  and </a:t>
+                </a:r>
+                <a:r>
+                  <a:rPr lang="en-US" sz="900" b="1" dirty="0" err="1" smtClean="0">
+                    <a:solidFill>
+                      <a:schemeClr val="tx2">
+                        <a:lumMod val="60000"/>
+                        <a:lumOff val="40000"/>
+                      </a:schemeClr>
+                    </a:solidFill>
+                    <a:latin typeface="Oxygen Light"/>
+                    <a:cs typeface="Oxygen Light"/>
+                  </a:rPr>
+                  <a:t>paper.js</a:t>
+                </a:r>
+                <a:r>
+                  <a:rPr lang="en-US" sz="900" b="1" dirty="0" smtClean="0">
+                    <a:solidFill>
+                      <a:schemeClr val="tx2">
+                        <a:lumMod val="60000"/>
+                        <a:lumOff val="40000"/>
+                      </a:schemeClr>
+                    </a:solidFill>
+                    <a:latin typeface="Oxygen Light"/>
+                    <a:cs typeface="Oxygen Light"/>
+                  </a:rPr>
+                  <a:t> </a:t>
                 </a:r>
                 <a:r>
                   <a:rPr lang="en-US" sz="900" dirty="0" smtClean="0">
@@ -5952,59 +6017,7 @@
                     <a:latin typeface="Oxygen Light"/>
                     <a:cs typeface="Oxygen Light"/>
                   </a:rPr>
-                  <a:t> and </a:t>
-                </a:r>
-                <a:r>
-                  <a:rPr lang="en-US" sz="900" b="1" dirty="0" err="1" smtClean="0">
-                    <a:solidFill>
-                      <a:schemeClr val="tx2">
-                        <a:lumMod val="60000"/>
-                        <a:lumOff val="40000"/>
-                      </a:schemeClr>
-                    </a:solidFill>
-                    <a:latin typeface="Oxygen Light"/>
-                    <a:cs typeface="Oxygen Light"/>
-                  </a:rPr>
-                  <a:t>paper.js</a:t>
-                </a:r>
-                <a:r>
-                  <a:rPr lang="en-US" sz="900" b="1" dirty="0" smtClean="0">
-                    <a:solidFill>
-                      <a:schemeClr val="tx2">
-                        <a:lumMod val="60000"/>
-                        <a:lumOff val="40000"/>
-                      </a:schemeClr>
-                    </a:solidFill>
-                    <a:latin typeface="Oxygen Light"/>
-                    <a:cs typeface="Oxygen Light"/>
-                  </a:rPr>
-                  <a:t> </a:t>
-                </a:r>
-                <a:r>
-                  <a:rPr lang="en-US" sz="900" dirty="0" smtClean="0">
-                    <a:solidFill>
-                      <a:schemeClr val="tx1">
-                        <a:lumMod val="50000"/>
-                        <a:lumOff val="50000"/>
-                      </a:schemeClr>
-                    </a:solidFill>
-                    <a:latin typeface="Oxygen Light"/>
-                    <a:cs typeface="Oxygen Light"/>
-                  </a:rPr>
-                  <a:t>developed </a:t>
-                </a:r>
-                <a:r>
-                  <a:rPr lang="en-US" sz="900" dirty="0" smtClean="0">
-                    <a:solidFill>
-                      <a:schemeClr val="tx1">
-                        <a:lumMod val="50000"/>
-                        <a:lumOff val="50000"/>
-                      </a:schemeClr>
-                    </a:solidFill>
-                    <a:latin typeface="Oxygen Light"/>
-                    <a:cs typeface="Oxygen Light"/>
-                  </a:rPr>
-                  <a:t>at Spotify Music Hackathon</a:t>
+                  <a:t>developed at Spotify Music Hackathon</a:t>
                 </a:r>
                 <a:endParaRPr lang="en-US" sz="900" dirty="0">
                   <a:solidFill>
@@ -6544,33 +6557,7 @@
                     <a:latin typeface="Oxygen Light"/>
                     <a:cs typeface="Oxygen Light"/>
                   </a:rPr>
-                  <a:t>Built a Hologram Generator using a </a:t>
-                </a:r>
-                <a:r>
-                  <a:rPr lang="en-US" sz="900" dirty="0" smtClean="0">
-                    <a:solidFill>
-                      <a:schemeClr val="tx1">
-                        <a:lumMod val="50000"/>
-                        <a:lumOff val="50000"/>
-                      </a:schemeClr>
-                    </a:solidFill>
-                    <a:latin typeface="Oxygen Light"/>
-                    <a:cs typeface="Oxygen Light"/>
-                  </a:rPr>
-                  <a:t>screen and </a:t>
-                </a:r>
-                <a:r>
-                  <a:rPr lang="en-US" sz="900" dirty="0" smtClean="0">
-                    <a:solidFill>
-                      <a:schemeClr val="tx1">
-                        <a:lumMod val="50000"/>
-                        <a:lumOff val="50000"/>
-                      </a:schemeClr>
-                    </a:solidFill>
-                    <a:latin typeface="Oxygen Light"/>
-                    <a:cs typeface="Oxygen Light"/>
-                  </a:rPr>
-                  <a:t>acrylic sheet. Wrote a music visualizer using unity to project that visualization over the hologram generator.</a:t>
+                  <a:t>Built a Hologram Generator using a screen and acrylic sheet. Wrote a music visualizer using unity to project that visualization over the hologram generator.</a:t>
                 </a:r>
                 <a:endParaRPr lang="en-US" sz="900" dirty="0">
                   <a:solidFill>
@@ -8737,33 +8724,7 @@
                     <a:latin typeface="Oxygen Light"/>
                     <a:cs typeface="Oxygen Light"/>
                   </a:rPr>
-                  <a:t>/week</a:t>
-                </a:r>
-                <a:r>
-                  <a:rPr lang="en-US" sz="900" dirty="0" smtClean="0">
-                    <a:solidFill>
-                      <a:schemeClr val="tx1">
-                        <a:lumMod val="50000"/>
-                        <a:lumOff val="50000"/>
-                      </a:schemeClr>
-                    </a:solidFill>
-                    <a:latin typeface="Oxygen Light"/>
-                    <a:cs typeface="Oxygen Light"/>
-                  </a:rPr>
-                  <a:t>), and helped </a:t>
-                </a:r>
-                <a:r>
-                  <a:rPr lang="en-US" sz="900" dirty="0" smtClean="0">
-                    <a:solidFill>
-                      <a:schemeClr val="tx1">
-                        <a:lumMod val="50000"/>
-                        <a:lumOff val="50000"/>
-                      </a:schemeClr>
-                    </a:solidFill>
-                    <a:latin typeface="Oxygen Light"/>
-                    <a:cs typeface="Oxygen Light"/>
-                  </a:rPr>
-                  <a:t>students with programming assignments. </a:t>
+                  <a:t>/week), and helped students with programming assignments. </a:t>
                 </a:r>
                 <a:endParaRPr lang="en-US" sz="900" dirty="0">
                   <a:solidFill>
@@ -8895,20 +8856,7 @@
                     <a:latin typeface="Oxygen Light"/>
                     <a:cs typeface="Oxygen Light"/>
                   </a:rPr>
-                  <a:t>assignments, </a:t>
-                </a:r>
-                <a:r>
-                  <a:rPr lang="en-US" sz="900" dirty="0" smtClean="0">
-                    <a:solidFill>
-                      <a:schemeClr val="tx1">
-                        <a:lumMod val="50000"/>
-                        <a:lumOff val="50000"/>
-                      </a:schemeClr>
-                    </a:solidFill>
-                    <a:latin typeface="Oxygen Light"/>
-                    <a:cs typeface="Oxygen Light"/>
-                  </a:rPr>
-                  <a:t>and taught recitations. </a:t>
+                  <a:t>assignments, and taught recitations. </a:t>
                 </a:r>
                 <a:endParaRPr lang="en-US" sz="900" dirty="0">
                   <a:solidFill>
@@ -8962,85 +8910,7 @@
                     <a:latin typeface="Oxygen Light"/>
                     <a:cs typeface="Oxygen Light"/>
                   </a:rPr>
-                  <a:t>Developed </a:t>
-                </a:r>
-                <a:r>
-                  <a:rPr lang="en-US" sz="900" dirty="0" smtClean="0">
-                    <a:solidFill>
-                      <a:schemeClr val="tx1">
-                        <a:lumMod val="50000"/>
-                        <a:lumOff val="50000"/>
-                      </a:schemeClr>
-                    </a:solidFill>
-                    <a:latin typeface="Oxygen Light"/>
-                    <a:cs typeface="Oxygen Light"/>
-                  </a:rPr>
-                  <a:t>tools </a:t>
-                </a:r>
-                <a:r>
-                  <a:rPr lang="en-US" sz="900" dirty="0" smtClean="0">
-                    <a:solidFill>
-                      <a:schemeClr val="tx1">
-                        <a:lumMod val="50000"/>
-                        <a:lumOff val="50000"/>
-                      </a:schemeClr>
-                    </a:solidFill>
-                    <a:latin typeface="Oxygen Light"/>
-                    <a:cs typeface="Oxygen Light"/>
-                  </a:rPr>
-                  <a:t>&amp; infrastructure </a:t>
-                </a:r>
-                <a:r>
-                  <a:rPr lang="en-US" sz="900" dirty="0" smtClean="0">
-                    <a:solidFill>
-                      <a:schemeClr val="tx1">
-                        <a:lumMod val="50000"/>
-                        <a:lumOff val="50000"/>
-                      </a:schemeClr>
-                    </a:solidFill>
-                    <a:latin typeface="Oxygen Light"/>
-                    <a:cs typeface="Oxygen Light"/>
-                  </a:rPr>
-                  <a:t>needed for </a:t>
-                </a:r>
-                <a:r>
-                  <a:rPr lang="en-US" sz="900" dirty="0" smtClean="0">
-                    <a:solidFill>
-                      <a:schemeClr val="tx1">
-                        <a:lumMod val="50000"/>
-                        <a:lumOff val="50000"/>
-                      </a:schemeClr>
-                    </a:solidFill>
-                    <a:latin typeface="Oxygen Light"/>
-                    <a:cs typeface="Oxygen Light"/>
-                  </a:rPr>
-                  <a:t>the </a:t>
-                </a:r>
-                <a:r>
-                  <a:rPr lang="en-US" sz="900" dirty="0" smtClean="0">
-                    <a:solidFill>
-                      <a:schemeClr val="tx1">
-                        <a:lumMod val="50000"/>
-                        <a:lumOff val="50000"/>
-                      </a:schemeClr>
-                    </a:solidFill>
-                    <a:latin typeface="Oxygen Light"/>
-                    <a:cs typeface="Oxygen Light"/>
-                  </a:rPr>
-                  <a:t>course. </a:t>
-                </a:r>
-                <a:r>
-                  <a:rPr lang="en-US" sz="900" dirty="0" smtClean="0">
-                    <a:solidFill>
-                      <a:schemeClr val="tx1">
-                        <a:lumMod val="50000"/>
-                        <a:lumOff val="50000"/>
-                      </a:schemeClr>
-                    </a:solidFill>
-                    <a:latin typeface="Oxygen Light"/>
-                    <a:cs typeface="Oxygen Light"/>
-                  </a:rPr>
-                  <a:t>Interacted with students one-on-one during the class.</a:t>
+                  <a:t>Developed tools &amp; infrastructure needed for the course. Interacted with students one-on-one during the class.</a:t>
                 </a:r>
                 <a:endParaRPr lang="en-US" sz="900" dirty="0">
                   <a:solidFill>
@@ -9173,20 +9043,7 @@
                     <a:latin typeface="Oxygen Light"/>
                     <a:cs typeface="Oxygen Light"/>
                   </a:rPr>
-                  <a:t> to help students </a:t>
-                </a:r>
-                <a:r>
-                  <a:rPr lang="en-US" sz="900" dirty="0" smtClean="0">
-                    <a:solidFill>
-                      <a:schemeClr val="tx1">
-                        <a:lumMod val="50000"/>
-                        <a:lumOff val="50000"/>
-                      </a:schemeClr>
-                    </a:solidFill>
-                    <a:latin typeface="Oxygen Light"/>
-                    <a:cs typeface="Oxygen Light"/>
-                  </a:rPr>
-                  <a:t>debug their virtual memory implementation.</a:t>
+                  <a:t> to help students debug their virtual memory implementation.</a:t>
                 </a:r>
                 <a:endParaRPr lang="en-US" sz="900" dirty="0">
                   <a:solidFill>

--- a/resource/brijesh-resume.pptx
+++ b/resource/brijesh-resume.pptx
@@ -4158,10 +4158,10 @@
             </p:nvGrpSpPr>
             <p:grpSpPr>
               <a:xfrm>
-                <a:off x="2262388" y="7925509"/>
-                <a:ext cx="4455908" cy="1472835"/>
-                <a:chOff x="-1484108" y="5877334"/>
-                <a:chExt cx="4455908" cy="1472835"/>
+                <a:off x="2262388" y="7930246"/>
+                <a:ext cx="4455908" cy="1468098"/>
+                <a:chOff x="-1484108" y="5882071"/>
+                <a:chExt cx="4455908" cy="1468098"/>
               </a:xfrm>
             </p:grpSpPr>
             <p:grpSp>
@@ -4172,9 +4172,9 @@
               </p:nvGrpSpPr>
               <p:grpSpPr>
                 <a:xfrm>
-                  <a:off x="-1484108" y="5877334"/>
+                  <a:off x="-1484108" y="5882071"/>
                   <a:ext cx="4455908" cy="246221"/>
-                  <a:chOff x="-1568771" y="6215986"/>
+                  <a:chOff x="-1568771" y="6220723"/>
                   <a:chExt cx="4455908" cy="246221"/>
                 </a:xfrm>
               </p:grpSpPr>
@@ -4186,8 +4186,8 @@
                 </p:nvSpPr>
                 <p:spPr>
                   <a:xfrm>
-                    <a:off x="-1568771" y="6215986"/>
-                    <a:ext cx="2320923" cy="246221"/>
+                    <a:off x="-1568771" y="6220723"/>
+                    <a:ext cx="1378304" cy="246221"/>
                   </a:xfrm>
                   <a:prstGeom prst="rect">
                     <a:avLst/>
@@ -4240,8 +4240,9 @@
                             <a:lumOff val="35000"/>
                           </a:schemeClr>
                         </a:solidFill>
-                        <a:latin typeface="Roboto Regular"/>
-                        <a:cs typeface="Roboto Regular"/>
+                        <a:latin typeface="Roboto" charset="0"/>
+                        <a:ea typeface="Roboto" charset="0"/>
+                        <a:cs typeface="Roboto" charset="0"/>
                       </a:rPr>
                       <a:t>B.S Computer </a:t>
                     </a:r>
@@ -4253,8 +4254,9 @@
                             <a:lumOff val="35000"/>
                           </a:schemeClr>
                         </a:solidFill>
-                        <a:latin typeface="Roboto Regular"/>
-                        <a:cs typeface="Roboto Regular"/>
+                        <a:latin typeface="Roboto" charset="0"/>
+                        <a:ea typeface="Roboto" charset="0"/>
+                        <a:cs typeface="Roboto" charset="0"/>
                       </a:rPr>
                       <a:t>Science, Expected December 2017</a:t>
                     </a:r>
@@ -4266,8 +4268,9 @@
                             <a:lumOff val="35000"/>
                           </a:schemeClr>
                         </a:solidFill>
-                        <a:latin typeface="Roboto Thin"/>
-                        <a:cs typeface="Roboto Thin"/>
+                        <a:latin typeface="Roboto" charset="0"/>
+                        <a:ea typeface="Roboto" charset="0"/>
+                        <a:cs typeface="Roboto" charset="0"/>
                       </a:rPr>
                       <a:t> </a:t>
                     </a:r>
@@ -4278,37 +4281,9 @@
                           <a:lumOff val="35000"/>
                         </a:schemeClr>
                       </a:solidFill>
-                      <a:latin typeface="Roboto Thin"/>
-                      <a:cs typeface="Roboto Thin"/>
-                    </a:endParaRPr>
-                  </a:p>
-                </p:txBody>
-              </p:sp>
-              <p:sp>
-                <p:nvSpPr>
-                  <p:cNvPr id="137" name="TextBox 136"/>
-                  <p:cNvSpPr txBox="1"/>
-                  <p:nvPr/>
-                </p:nvSpPr>
-                <p:spPr>
-                  <a:xfrm>
-                    <a:off x="886201" y="6229569"/>
-                    <a:ext cx="1702484" cy="215444"/>
-                  </a:xfrm>
-                  <a:prstGeom prst="rect">
-                    <a:avLst/>
-                  </a:prstGeom>
-                  <a:noFill/>
-                </p:spPr>
-                <p:txBody>
-                  <a:bodyPr wrap="square" rtlCol="0">
-                    <a:spAutoFit/>
-                  </a:bodyPr>
-                  <a:lstStyle/>
-                  <a:p>
-                    <a:endParaRPr lang="en-US" sz="800" b="1" dirty="0" smtClean="0">
-                      <a:latin typeface="Roboto Light"/>
-                      <a:cs typeface="Roboto Light"/>
+                      <a:latin typeface="Roboto" charset="0"/>
+                      <a:ea typeface="Roboto" charset="0"/>
+                      <a:cs typeface="Roboto" charset="0"/>
                     </a:endParaRPr>
                   </a:p>
                 </p:txBody>

--- a/resource/brijesh-resume.pptx
+++ b/resource/brijesh-resume.pptx
@@ -4202,8 +4202,9 @@
                   <a:p>
                     <a:r>
                       <a:rPr lang="en-US" sz="1000" b="1" dirty="0" smtClean="0">
-                        <a:latin typeface="Oxygen Light"/>
-                        <a:cs typeface="Oxygen Light"/>
+                        <a:latin typeface="Roboto" charset="0"/>
+                        <a:ea typeface="Roboto" charset="0"/>
+                        <a:cs typeface="Roboto" charset="0"/>
                       </a:rPr>
                       <a:t>University at Buffalo</a:t>
                     </a:r>

--- a/resource/brijesh-resume.pptx
+++ b/resource/brijesh-resume.pptx
@@ -6857,7 +6857,72 @@
                   <a:latin typeface="Oxygen Light"/>
                   <a:cs typeface="Oxygen Light"/>
                 </a:rPr>
-                <a:t>. Launched the feature of the Video Music Awards 2016.</a:t>
+                <a:t>. Launched the </a:t>
+              </a:r>
+              <a:r>
+                <a:rPr lang="en-US" sz="900" smtClean="0">
+                  <a:solidFill>
+                    <a:schemeClr val="tx1">
+                      <a:lumMod val="50000"/>
+                      <a:lumOff val="50000"/>
+                    </a:schemeClr>
+                  </a:solidFill>
+                  <a:latin typeface="Oxygen Light"/>
+                  <a:cs typeface="Oxygen Light"/>
+                </a:rPr>
+                <a:t>feature </a:t>
+              </a:r>
+              <a:r>
+                <a:rPr lang="en-US" sz="900" smtClean="0">
+                  <a:solidFill>
+                    <a:schemeClr val="tx1">
+                      <a:lumMod val="50000"/>
+                      <a:lumOff val="50000"/>
+                    </a:schemeClr>
+                  </a:solidFill>
+                  <a:latin typeface="Oxygen Light"/>
+                  <a:cs typeface="Oxygen Light"/>
+                </a:rPr>
+                <a:t>for</a:t>
+              </a:r>
+              <a:r>
+                <a:rPr lang="en-US" sz="900" dirty="0">
+                  <a:solidFill>
+                    <a:schemeClr val="tx1">
+                      <a:lumMod val="50000"/>
+                      <a:lumOff val="50000"/>
+                    </a:schemeClr>
+                  </a:solidFill>
+                  <a:latin typeface="Oxygen Light"/>
+                  <a:cs typeface="Oxygen Light"/>
+                </a:rPr>
+                <a:t> </a:t>
+              </a:r>
+              <a:r>
+                <a:rPr lang="en-US" sz="900" smtClean="0">
+                  <a:solidFill>
+                    <a:schemeClr val="tx1">
+                      <a:lumMod val="50000"/>
+                      <a:lumOff val="50000"/>
+                    </a:schemeClr>
+                  </a:solidFill>
+                  <a:latin typeface="Oxygen Light"/>
+                  <a:cs typeface="Oxygen Light"/>
+                </a:rPr>
+                <a:t>Video </a:t>
+              </a:r>
+              <a:r>
+                <a:rPr lang="en-US" sz="900" dirty="0" smtClean="0">
+                  <a:solidFill>
+                    <a:schemeClr val="tx1">
+                      <a:lumMod val="50000"/>
+                      <a:lumOff val="50000"/>
+                    </a:schemeClr>
+                  </a:solidFill>
+                  <a:latin typeface="Oxygen Light"/>
+                  <a:cs typeface="Oxygen Light"/>
+                </a:rPr>
+                <a:t>Music Awards 2016.</a:t>
               </a:r>
             </a:p>
             <a:p>

--- a/resource/brijesh-resume.pptx
+++ b/resource/brijesh-resume.pptx
@@ -4518,10 +4518,10 @@
         </p:nvGrpSpPr>
         <p:grpSpPr>
           <a:xfrm>
-            <a:off x="-312601" y="5547869"/>
-            <a:ext cx="7471069" cy="3485113"/>
-            <a:chOff x="-312601" y="5979082"/>
-            <a:chExt cx="7471069" cy="3485113"/>
+            <a:off x="-312601" y="4862069"/>
+            <a:ext cx="7471069" cy="4170913"/>
+            <a:chOff x="-312601" y="5293282"/>
+            <a:chExt cx="7471069" cy="4170913"/>
           </a:xfrm>
         </p:grpSpPr>
         <p:grpSp>
@@ -4532,10 +4532,10 @@
           </p:nvGrpSpPr>
           <p:grpSpPr>
             <a:xfrm>
-              <a:off x="-312601" y="5979082"/>
-              <a:ext cx="7471069" cy="3485113"/>
-              <a:chOff x="-191835" y="5769986"/>
-              <a:chExt cx="7471069" cy="3485113"/>
+              <a:off x="-312601" y="5293282"/>
+              <a:ext cx="7471069" cy="4170913"/>
+              <a:chOff x="-191835" y="5084186"/>
+              <a:chExt cx="7471069" cy="4170913"/>
             </a:xfrm>
           </p:grpSpPr>
           <p:grpSp>
@@ -4546,10 +4546,10 @@
             </p:nvGrpSpPr>
             <p:grpSpPr>
               <a:xfrm>
-                <a:off x="-191835" y="5769986"/>
-                <a:ext cx="7113335" cy="1675164"/>
-                <a:chOff x="-191835" y="5328816"/>
-                <a:chExt cx="7113335" cy="1675164"/>
+                <a:off x="-191835" y="5084186"/>
+                <a:ext cx="7113335" cy="2360964"/>
+                <a:chOff x="-191835" y="4643016"/>
+                <a:chExt cx="7113335" cy="2360964"/>
               </a:xfrm>
             </p:grpSpPr>
             <p:grpSp>
@@ -4560,9 +4560,9 @@
               </p:nvGrpSpPr>
               <p:grpSpPr>
                 <a:xfrm>
-                  <a:off x="261466" y="5328816"/>
+                  <a:off x="261466" y="4643016"/>
                   <a:ext cx="6515461" cy="401110"/>
-                  <a:chOff x="261466" y="2146548"/>
+                  <a:chOff x="261466" y="1460748"/>
                   <a:chExt cx="6515461" cy="401110"/>
                 </a:xfrm>
               </p:grpSpPr>
@@ -4574,7 +4574,7 @@
                 </p:nvSpPr>
                 <p:spPr>
                   <a:xfrm>
-                    <a:off x="261466" y="2146548"/>
+                    <a:off x="261466" y="1460748"/>
                     <a:ext cx="6515461" cy="369332"/>
                   </a:xfrm>
                   <a:prstGeom prst="rect">
@@ -4688,7 +4688,7 @@
                 </p:nvCxnSpPr>
                 <p:spPr>
                   <a:xfrm>
-                    <a:off x="362857" y="2547658"/>
+                    <a:off x="362857" y="1861858"/>
                     <a:ext cx="6414070" cy="0"/>
                   </a:xfrm>
                   <a:prstGeom prst="line">
@@ -6552,179 +6552,28 @@
       </p:grpSp>
       <p:grpSp>
         <p:nvGrpSpPr>
-          <p:cNvPr id="58" name="Group 57"/>
+          <p:cNvPr id="25" name="Group 24"/>
           <p:cNvGrpSpPr/>
           <p:nvPr/>
         </p:nvGrpSpPr>
         <p:grpSpPr>
           <a:xfrm>
-            <a:off x="-309964" y="1215183"/>
-            <a:ext cx="7300460" cy="4404304"/>
-            <a:chOff x="-193729" y="1107607"/>
-            <a:chExt cx="7300460" cy="4404304"/>
+            <a:off x="152998" y="1752001"/>
+            <a:ext cx="3442610" cy="625111"/>
+            <a:chOff x="-4161640" y="992806"/>
+            <a:chExt cx="3442610" cy="625111"/>
           </a:xfrm>
         </p:grpSpPr>
-        <p:grpSp>
-          <p:nvGrpSpPr>
-            <p:cNvPr id="25" name="Group 24"/>
-            <p:cNvGrpSpPr/>
-            <p:nvPr/>
-          </p:nvGrpSpPr>
-          <p:grpSpPr>
-            <a:xfrm>
-              <a:off x="269233" y="2339369"/>
-              <a:ext cx="3442610" cy="625111"/>
-              <a:chOff x="-4161640" y="1687750"/>
-              <a:chExt cx="3442610" cy="625111"/>
-            </a:xfrm>
-          </p:grpSpPr>
-          <p:sp>
-            <p:nvSpPr>
-              <p:cNvPr id="37" name="TextBox 36"/>
-              <p:cNvSpPr txBox="1"/>
-              <p:nvPr/>
-            </p:nvSpPr>
-            <p:spPr>
-              <a:xfrm>
-                <a:off x="-3661383" y="1687750"/>
-                <a:ext cx="181095" cy="323165"/>
-              </a:xfrm>
-              <a:prstGeom prst="rect">
-                <a:avLst/>
-              </a:prstGeom>
-              <a:noFill/>
-            </p:spPr>
-            <p:txBody>
-              <a:bodyPr wrap="square" rtlCol="0">
-                <a:spAutoFit/>
-              </a:bodyPr>
-              <a:lstStyle/>
-              <a:p>
-                <a:r>
-                  <a:rPr lang="en-US" sz="1500" dirty="0" smtClean="0"/>
-                  <a:t>.</a:t>
-                </a:r>
-                <a:endParaRPr lang="en-US" sz="1500" dirty="0"/>
-              </a:p>
-            </p:txBody>
-          </p:sp>
-          <p:sp>
-            <p:nvSpPr>
-              <p:cNvPr id="38" name="TextBox 37"/>
-              <p:cNvSpPr txBox="1"/>
-              <p:nvPr/>
-            </p:nvSpPr>
-            <p:spPr>
-              <a:xfrm>
-                <a:off x="-1987551" y="1695630"/>
-                <a:ext cx="320228" cy="323165"/>
-              </a:xfrm>
-              <a:prstGeom prst="rect">
-                <a:avLst/>
-              </a:prstGeom>
-              <a:noFill/>
-            </p:spPr>
-            <p:txBody>
-              <a:bodyPr wrap="square" rtlCol="0">
-                <a:spAutoFit/>
-              </a:bodyPr>
-              <a:lstStyle/>
-              <a:p>
-                <a:r>
-                  <a:rPr lang="en-US" sz="1500" dirty="0" smtClean="0"/>
-                  <a:t>.</a:t>
-                </a:r>
-                <a:endParaRPr lang="en-US" sz="1500" dirty="0"/>
-              </a:p>
-            </p:txBody>
-          </p:sp>
-          <p:sp>
-            <p:nvSpPr>
-              <p:cNvPr id="40" name="TextBox 39"/>
-              <p:cNvSpPr txBox="1"/>
-              <p:nvPr/>
-            </p:nvSpPr>
-            <p:spPr>
-              <a:xfrm>
-                <a:off x="-4161640" y="1758863"/>
-                <a:ext cx="3442610" cy="553998"/>
-              </a:xfrm>
-              <a:prstGeom prst="rect">
-                <a:avLst/>
-              </a:prstGeom>
-              <a:noFill/>
-            </p:spPr>
-            <p:txBody>
-              <a:bodyPr wrap="square" rtlCol="0">
-                <a:spAutoFit/>
-              </a:bodyPr>
-              <a:lstStyle/>
-              <a:p>
-                <a:pPr marL="0" lvl="3"/>
-                <a:r>
-                  <a:rPr lang="en-US" sz="1100" b="1" dirty="0">
-                    <a:latin typeface="Oxygen Light"/>
-                    <a:cs typeface="Oxygen Light"/>
-                  </a:rPr>
-                  <a:t>Viacom</a:t>
-                </a:r>
-                <a:r>
-                  <a:rPr lang="en-US" sz="1200" b="1" dirty="0">
-                    <a:latin typeface="Oxygen Light"/>
-                    <a:cs typeface="Oxygen Light"/>
-                  </a:rPr>
-                  <a:t> </a:t>
-                </a:r>
-                <a:r>
-                  <a:rPr lang="en-US" sz="1200" b="1" dirty="0" smtClean="0">
-                    <a:latin typeface="Oxygen Light"/>
-                    <a:cs typeface="Oxygen Light"/>
-                  </a:rPr>
-                  <a:t>   </a:t>
-                </a:r>
-                <a:r>
-                  <a:rPr lang="en-US" sz="1000" dirty="0" smtClean="0">
-                    <a:latin typeface="Oxygen Light"/>
-                    <a:cs typeface="Oxygen Light"/>
-                  </a:rPr>
-                  <a:t>Software </a:t>
-                </a:r>
-                <a:r>
-                  <a:rPr lang="en-US" sz="1000" dirty="0">
-                    <a:latin typeface="Oxygen Light"/>
-                    <a:cs typeface="Oxygen Light"/>
-                  </a:rPr>
-                  <a:t>Engineering Intern</a:t>
-                </a:r>
-                <a:r>
-                  <a:rPr lang="en-US" sz="1100" b="1" dirty="0"/>
-                  <a:t>    </a:t>
-                </a:r>
-                <a:r>
-                  <a:rPr lang="en-US" sz="1000" smtClean="0">
-                    <a:latin typeface="Oxygen Light"/>
-                    <a:cs typeface="Oxygen Light"/>
-                  </a:rPr>
-                  <a:t>New York, NY</a:t>
-                </a:r>
-                <a:endParaRPr lang="en-US" dirty="0"/>
-              </a:p>
-              <a:p>
-                <a:endParaRPr lang="en-US" dirty="0"/>
-              </a:p>
-            </p:txBody>
-          </p:sp>
-        </p:grpSp>
         <p:sp>
           <p:nvSpPr>
-            <p:cNvPr id="44" name="TextBox 43"/>
+            <p:cNvPr id="37" name="TextBox 36"/>
             <p:cNvSpPr txBox="1"/>
             <p:nvPr/>
           </p:nvSpPr>
           <p:spPr>
             <a:xfrm>
-              <a:off x="5447646" y="2459507"/>
-              <a:ext cx="1659085" cy="246221"/>
+              <a:off x="-3661383" y="992806"/>
+              <a:ext cx="181095" cy="323165"/>
             </a:xfrm>
             <a:prstGeom prst="rect">
               <a:avLst/>
@@ -6738,43 +6587,427 @@
             <a:lstStyle/>
             <a:p>
               <a:r>
-                <a:rPr lang="en-US" sz="1000" dirty="0" smtClean="0">
+                <a:rPr lang="en-US" sz="1500" dirty="0" smtClean="0"/>
+                <a:t>.</a:t>
+              </a:r>
+              <a:endParaRPr lang="en-US" sz="1500" dirty="0"/>
+            </a:p>
+          </p:txBody>
+        </p:sp>
+        <p:sp>
+          <p:nvSpPr>
+            <p:cNvPr id="38" name="TextBox 37"/>
+            <p:cNvSpPr txBox="1"/>
+            <p:nvPr/>
+          </p:nvSpPr>
+          <p:spPr>
+            <a:xfrm>
+              <a:off x="-1987551" y="1000686"/>
+              <a:ext cx="320228" cy="323165"/>
+            </a:xfrm>
+            <a:prstGeom prst="rect">
+              <a:avLst/>
+            </a:prstGeom>
+            <a:noFill/>
+          </p:spPr>
+          <p:txBody>
+            <a:bodyPr wrap="square" rtlCol="0">
+              <a:spAutoFit/>
+            </a:bodyPr>
+            <a:lstStyle/>
+            <a:p>
+              <a:r>
+                <a:rPr lang="en-US" sz="1500" dirty="0" smtClean="0"/>
+                <a:t>.</a:t>
+              </a:r>
+              <a:endParaRPr lang="en-US" sz="1500" dirty="0"/>
+            </a:p>
+          </p:txBody>
+        </p:sp>
+        <p:sp>
+          <p:nvSpPr>
+            <p:cNvPr id="40" name="TextBox 39"/>
+            <p:cNvSpPr txBox="1"/>
+            <p:nvPr/>
+          </p:nvSpPr>
+          <p:spPr>
+            <a:xfrm>
+              <a:off x="-4161640" y="1063919"/>
+              <a:ext cx="3442610" cy="553998"/>
+            </a:xfrm>
+            <a:prstGeom prst="rect">
+              <a:avLst/>
+            </a:prstGeom>
+            <a:noFill/>
+          </p:spPr>
+          <p:txBody>
+            <a:bodyPr wrap="square" rtlCol="0">
+              <a:spAutoFit/>
+            </a:bodyPr>
+            <a:lstStyle/>
+            <a:p>
+              <a:pPr marL="0" lvl="3"/>
+              <a:r>
+                <a:rPr lang="en-US" sz="1100" b="1" dirty="0">
                   <a:latin typeface="Oxygen Light"/>
                   <a:cs typeface="Oxygen Light"/>
                 </a:rPr>
-                <a:t>May 2016 </a:t>
+                <a:t>Viacom</a:t>
               </a:r>
               <a:r>
-                <a:rPr lang="mr-IN" sz="1000" dirty="0" smtClean="0">
+                <a:rPr lang="en-US" sz="1200" b="1" dirty="0">
                   <a:latin typeface="Oxygen Light"/>
                   <a:cs typeface="Oxygen Light"/>
                 </a:rPr>
-                <a:t>–</a:t>
+                <a:t> </a:t>
+              </a:r>
+              <a:r>
+                <a:rPr lang="en-US" sz="1200" b="1" dirty="0" smtClean="0">
+                  <a:latin typeface="Oxygen Light"/>
+                  <a:cs typeface="Oxygen Light"/>
+                </a:rPr>
+                <a:t>   </a:t>
               </a:r>
               <a:r>
                 <a:rPr lang="en-US" sz="1000" dirty="0" smtClean="0">
                   <a:latin typeface="Oxygen Light"/>
                   <a:cs typeface="Oxygen Light"/>
                 </a:rPr>
-                <a:t> Aug 2016</a:t>
+                <a:t>Software </a:t>
               </a:r>
-              <a:endParaRPr lang="en-US" sz="1000" dirty="0">
-                <a:latin typeface="Oxygen Light"/>
-                <a:cs typeface="Oxygen Light"/>
-              </a:endParaRPr>
+              <a:r>
+                <a:rPr lang="en-US" sz="1000" dirty="0">
+                  <a:latin typeface="Oxygen Light"/>
+                  <a:cs typeface="Oxygen Light"/>
+                </a:rPr>
+                <a:t>Engineering Intern</a:t>
+              </a:r>
+              <a:r>
+                <a:rPr lang="en-US" sz="1100" b="1" dirty="0"/>
+                <a:t>    </a:t>
+              </a:r>
+              <a:r>
+                <a:rPr lang="en-US" sz="1000" dirty="0" smtClean="0">
+                  <a:latin typeface="Oxygen Light"/>
+                  <a:cs typeface="Oxygen Light"/>
+                </a:rPr>
+                <a:t>New York, NY</a:t>
+              </a:r>
+              <a:endParaRPr lang="en-US" dirty="0"/>
+            </a:p>
+            <a:p>
+              <a:endParaRPr lang="en-US" dirty="0"/>
             </a:p>
           </p:txBody>
         </p:sp>
+      </p:grpSp>
+      <p:sp>
+        <p:nvSpPr>
+          <p:cNvPr id="44" name="TextBox 43"/>
+          <p:cNvSpPr txBox="1"/>
+          <p:nvPr/>
+        </p:nvSpPr>
+        <p:spPr>
+          <a:xfrm>
+            <a:off x="5331411" y="1872139"/>
+            <a:ext cx="1659085" cy="246221"/>
+          </a:xfrm>
+          <a:prstGeom prst="rect">
+            <a:avLst/>
+          </a:prstGeom>
+          <a:noFill/>
+        </p:spPr>
+        <p:txBody>
+          <a:bodyPr wrap="square" rtlCol="0">
+            <a:spAutoFit/>
+          </a:bodyPr>
+          <a:lstStyle/>
+          <a:p>
+            <a:r>
+              <a:rPr lang="en-US" sz="1000" dirty="0" smtClean="0">
+                <a:latin typeface="Oxygen Light"/>
+                <a:cs typeface="Oxygen Light"/>
+              </a:rPr>
+              <a:t>May 2016 </a:t>
+            </a:r>
+            <a:r>
+              <a:rPr lang="mr-IN" sz="1000" dirty="0" smtClean="0">
+                <a:latin typeface="Oxygen Light"/>
+                <a:cs typeface="Oxygen Light"/>
+              </a:rPr>
+              <a:t>–</a:t>
+            </a:r>
+            <a:r>
+              <a:rPr lang="en-US" sz="1000" dirty="0" smtClean="0">
+                <a:latin typeface="Oxygen Light"/>
+                <a:cs typeface="Oxygen Light"/>
+              </a:rPr>
+              <a:t> Aug 2016</a:t>
+            </a:r>
+            <a:endParaRPr lang="en-US" sz="1000" dirty="0">
+              <a:latin typeface="Oxygen Light"/>
+              <a:cs typeface="Oxygen Light"/>
+            </a:endParaRPr>
+          </a:p>
+        </p:txBody>
+      </p:sp>
+      <p:sp>
+        <p:nvSpPr>
+          <p:cNvPr id="47" name="TextBox 46"/>
+          <p:cNvSpPr txBox="1"/>
+          <p:nvPr/>
+        </p:nvSpPr>
+        <p:spPr>
+          <a:xfrm>
+            <a:off x="-309964" y="2009084"/>
+            <a:ext cx="6850215" cy="549381"/>
+          </a:xfrm>
+          <a:prstGeom prst="rect">
+            <a:avLst/>
+          </a:prstGeom>
+          <a:noFill/>
+        </p:spPr>
+        <p:txBody>
+          <a:bodyPr wrap="square" rtlCol="0">
+            <a:spAutoFit/>
+          </a:bodyPr>
+          <a:lstStyle/>
+          <a:p>
+            <a:pPr marL="628650" lvl="1" indent="-171450">
+              <a:lnSpc>
+                <a:spcPct val="110000"/>
+              </a:lnSpc>
+              <a:buFont typeface="Lucida Grande"/>
+              <a:buChar char="-"/>
+            </a:pPr>
+            <a:r>
+              <a:rPr lang="en-US" sz="900" dirty="0" smtClean="0">
+                <a:solidFill>
+                  <a:schemeClr val="tx1">
+                    <a:lumMod val="50000"/>
+                    <a:lumOff val="50000"/>
+                  </a:schemeClr>
+                </a:solidFill>
+                <a:latin typeface="Oxygen Light"/>
+                <a:cs typeface="Oxygen Light"/>
+              </a:rPr>
+              <a:t>Worked closely with the Video Player Team to develop live-streaming support for MTV Apple TV app using </a:t>
+            </a:r>
+            <a:r>
+              <a:rPr lang="en-US" sz="900" b="1" dirty="0" err="1" smtClean="0">
+                <a:solidFill>
+                  <a:schemeClr val="tx2">
+                    <a:lumMod val="60000"/>
+                    <a:lumOff val="40000"/>
+                  </a:schemeClr>
+                </a:solidFill>
+                <a:latin typeface="Oxygen Light"/>
+                <a:cs typeface="Oxygen Light"/>
+              </a:rPr>
+              <a:t>tvOS</a:t>
+            </a:r>
+            <a:r>
+              <a:rPr lang="en-US" sz="900" dirty="0" smtClean="0">
+                <a:solidFill>
+                  <a:schemeClr val="tx1">
+                    <a:lumMod val="50000"/>
+                    <a:lumOff val="50000"/>
+                  </a:schemeClr>
+                </a:solidFill>
+                <a:latin typeface="Oxygen Light"/>
+                <a:cs typeface="Oxygen Light"/>
+              </a:rPr>
+              <a:t> and </a:t>
+            </a:r>
+            <a:r>
+              <a:rPr lang="en-US" sz="900" b="1" dirty="0" smtClean="0">
+                <a:solidFill>
+                  <a:schemeClr val="tx2">
+                    <a:lumMod val="60000"/>
+                    <a:lumOff val="40000"/>
+                  </a:schemeClr>
+                </a:solidFill>
+                <a:latin typeface="Oxygen Light"/>
+                <a:cs typeface="Oxygen Light"/>
+              </a:rPr>
+              <a:t>TVML</a:t>
+            </a:r>
+            <a:r>
+              <a:rPr lang="en-US" sz="900" dirty="0" smtClean="0">
+                <a:solidFill>
+                  <a:schemeClr val="tx1">
+                    <a:lumMod val="50000"/>
+                    <a:lumOff val="50000"/>
+                  </a:schemeClr>
+                </a:solidFill>
+                <a:latin typeface="Oxygen Light"/>
+                <a:cs typeface="Oxygen Light"/>
+              </a:rPr>
+              <a:t>. Launched the feature </a:t>
+            </a:r>
+            <a:r>
+              <a:rPr lang="en-US" sz="900" dirty="0" smtClean="0">
+                <a:solidFill>
+                  <a:schemeClr val="tx1">
+                    <a:lumMod val="50000"/>
+                    <a:lumOff val="50000"/>
+                  </a:schemeClr>
+                </a:solidFill>
+                <a:latin typeface="Oxygen Light"/>
+                <a:cs typeface="Oxygen Light"/>
+              </a:rPr>
+              <a:t>for</a:t>
+            </a:r>
+            <a:r>
+              <a:rPr lang="en-US" sz="900" dirty="0">
+                <a:solidFill>
+                  <a:schemeClr val="tx1">
+                    <a:lumMod val="50000"/>
+                    <a:lumOff val="50000"/>
+                  </a:schemeClr>
+                </a:solidFill>
+                <a:latin typeface="Oxygen Light"/>
+                <a:cs typeface="Oxygen Light"/>
+              </a:rPr>
+              <a:t> </a:t>
+            </a:r>
+            <a:r>
+              <a:rPr lang="en-US" sz="900" dirty="0" smtClean="0">
+                <a:solidFill>
+                  <a:schemeClr val="tx1">
+                    <a:lumMod val="50000"/>
+                    <a:lumOff val="50000"/>
+                  </a:schemeClr>
+                </a:solidFill>
+                <a:latin typeface="Oxygen Light"/>
+                <a:cs typeface="Oxygen Light"/>
+              </a:rPr>
+              <a:t>Video </a:t>
+            </a:r>
+            <a:r>
+              <a:rPr lang="en-US" sz="900" dirty="0" smtClean="0">
+                <a:solidFill>
+                  <a:schemeClr val="tx1">
+                    <a:lumMod val="50000"/>
+                    <a:lumOff val="50000"/>
+                  </a:schemeClr>
+                </a:solidFill>
+                <a:latin typeface="Oxygen Light"/>
+                <a:cs typeface="Oxygen Light"/>
+              </a:rPr>
+              <a:t>Music Awards 2016.</a:t>
+            </a:r>
+          </a:p>
+          <a:p>
+            <a:pPr marL="628650" lvl="1" indent="-171450">
+              <a:lnSpc>
+                <a:spcPct val="110000"/>
+              </a:lnSpc>
+              <a:buFont typeface="Lucida Grande"/>
+              <a:buChar char="-"/>
+            </a:pPr>
+            <a:r>
+              <a:rPr lang="en-US" sz="900" dirty="0" smtClean="0">
+                <a:solidFill>
+                  <a:schemeClr val="tx1">
+                    <a:lumMod val="50000"/>
+                    <a:lumOff val="50000"/>
+                  </a:schemeClr>
+                </a:solidFill>
+                <a:latin typeface="Oxygen Light"/>
+                <a:cs typeface="Oxygen Light"/>
+              </a:rPr>
+              <a:t>Developed an internal tool using </a:t>
+            </a:r>
+            <a:r>
+              <a:rPr lang="en-US" sz="900" b="1" dirty="0" smtClean="0">
+                <a:solidFill>
+                  <a:schemeClr val="tx2">
+                    <a:lumMod val="60000"/>
+                    <a:lumOff val="40000"/>
+                  </a:schemeClr>
+                </a:solidFill>
+                <a:latin typeface="Oxygen Light"/>
+                <a:cs typeface="Oxygen Light"/>
+              </a:rPr>
+              <a:t>d3.js</a:t>
+            </a:r>
+            <a:r>
+              <a:rPr lang="en-US" sz="900" dirty="0" smtClean="0">
+                <a:solidFill>
+                  <a:schemeClr val="tx1">
+                    <a:lumMod val="50000"/>
+                    <a:lumOff val="50000"/>
+                  </a:schemeClr>
+                </a:solidFill>
+                <a:latin typeface="Oxygen Light"/>
+                <a:cs typeface="Oxygen Light"/>
+              </a:rPr>
+              <a:t> to visualize </a:t>
+            </a:r>
+            <a:r>
+              <a:rPr lang="en-US" sz="900" b="1" dirty="0" err="1" smtClean="0">
+                <a:solidFill>
+                  <a:schemeClr val="tx2">
+                    <a:lumMod val="60000"/>
+                    <a:lumOff val="40000"/>
+                  </a:schemeClr>
+                </a:solidFill>
+                <a:latin typeface="Oxygen Light"/>
+                <a:cs typeface="Oxygen Light"/>
+              </a:rPr>
+              <a:t>Git</a:t>
+            </a:r>
+            <a:r>
+              <a:rPr lang="en-US" sz="900" dirty="0" smtClean="0">
+                <a:solidFill>
+                  <a:schemeClr val="tx1">
+                    <a:lumMod val="50000"/>
+                    <a:lumOff val="50000"/>
+                  </a:schemeClr>
+                </a:solidFill>
+                <a:latin typeface="Oxygen Light"/>
+                <a:cs typeface="Oxygen Light"/>
+              </a:rPr>
+              <a:t> repositories in order to analyze software development practices. </a:t>
+            </a:r>
+            <a:endParaRPr lang="en-US" sz="900" dirty="0">
+              <a:solidFill>
+                <a:schemeClr val="tx1">
+                  <a:lumMod val="50000"/>
+                  <a:lumOff val="50000"/>
+                </a:schemeClr>
+              </a:solidFill>
+              <a:latin typeface="Oxygen Light"/>
+              <a:cs typeface="Oxygen Light"/>
+            </a:endParaRPr>
+          </a:p>
+        </p:txBody>
+      </p:sp>
+      <p:grpSp>
+        <p:nvGrpSpPr>
+          <p:cNvPr id="30" name="Group 29"/>
+          <p:cNvGrpSpPr/>
+          <p:nvPr/>
+        </p:nvGrpSpPr>
+        <p:grpSpPr>
+          <a:xfrm>
+            <a:off x="-309386" y="2459426"/>
+            <a:ext cx="6986821" cy="1115532"/>
+            <a:chOff x="-95631" y="1264739"/>
+            <a:chExt cx="6986821" cy="1115532"/>
+          </a:xfrm>
+        </p:grpSpPr>
         <p:sp>
           <p:nvSpPr>
-            <p:cNvPr id="47" name="TextBox 46"/>
+            <p:cNvPr id="64" name="TextBox 63"/>
             <p:cNvSpPr txBox="1"/>
             <p:nvPr/>
           </p:nvSpPr>
           <p:spPr>
             <a:xfrm>
-              <a:off x="-193729" y="2596452"/>
-              <a:ext cx="6850215" cy="549381"/>
+              <a:off x="-95631" y="1526191"/>
+              <a:ext cx="6622728" cy="854080"/>
             </a:xfrm>
             <a:prstGeom prst="rect">
               <a:avLst/>
@@ -6805,20 +7038,20 @@
                   <a:latin typeface="Oxygen Light"/>
                   <a:cs typeface="Oxygen Light"/>
                 </a:rPr>
-                <a:t>Worked closely with the Video Player Team to develop live-streaming support for MTV Apple TV app using </a:t>
+                <a:t>Worked towards quantifying and prioritizing smartphone Quality of Experience (</a:t>
               </a:r>
               <a:r>
-                <a:rPr lang="en-US" sz="900" b="1" dirty="0" err="1" smtClean="0">
+                <a:rPr lang="en-US" sz="900" dirty="0" err="1" smtClean="0">
                   <a:solidFill>
-                    <a:schemeClr val="tx2">
-                      <a:lumMod val="60000"/>
-                      <a:lumOff val="40000"/>
+                    <a:schemeClr val="tx1">
+                      <a:lumMod val="50000"/>
+                      <a:lumOff val="50000"/>
                     </a:schemeClr>
                   </a:solidFill>
                   <a:latin typeface="Oxygen Light"/>
                   <a:cs typeface="Oxygen Light"/>
                 </a:rPr>
-                <a:t>tvOS</a:t>
+                <a:t>QoE</a:t>
               </a:r>
               <a:r>
                 <a:rPr lang="en-US" sz="900" dirty="0" smtClean="0">
@@ -6831,98 +7064,7 @@
                   <a:latin typeface="Oxygen Light"/>
                   <a:cs typeface="Oxygen Light"/>
                 </a:rPr>
-                <a:t> and </a:t>
-              </a:r>
-              <a:r>
-                <a:rPr lang="en-US" sz="900" b="1" dirty="0" smtClean="0">
-                  <a:solidFill>
-                    <a:schemeClr val="tx2">
-                      <a:lumMod val="60000"/>
-                      <a:lumOff val="40000"/>
-                    </a:schemeClr>
-                  </a:solidFill>
-                  <a:latin typeface="Oxygen Light"/>
-                  <a:cs typeface="Oxygen Light"/>
-                </a:rPr>
-                <a:t>TVML</a:t>
-              </a:r>
-              <a:r>
-                <a:rPr lang="en-US" sz="900" dirty="0" smtClean="0">
-                  <a:solidFill>
-                    <a:schemeClr val="tx1">
-                      <a:lumMod val="50000"/>
-                      <a:lumOff val="50000"/>
-                    </a:schemeClr>
-                  </a:solidFill>
-                  <a:latin typeface="Oxygen Light"/>
-                  <a:cs typeface="Oxygen Light"/>
-                </a:rPr>
-                <a:t>. Launched the </a:t>
-              </a:r>
-              <a:r>
-                <a:rPr lang="en-US" sz="900" smtClean="0">
-                  <a:solidFill>
-                    <a:schemeClr val="tx1">
-                      <a:lumMod val="50000"/>
-                      <a:lumOff val="50000"/>
-                    </a:schemeClr>
-                  </a:solidFill>
-                  <a:latin typeface="Oxygen Light"/>
-                  <a:cs typeface="Oxygen Light"/>
-                </a:rPr>
-                <a:t>feature </a:t>
-              </a:r>
-              <a:r>
-                <a:rPr lang="en-US" sz="900" smtClean="0">
-                  <a:solidFill>
-                    <a:schemeClr val="tx1">
-                      <a:lumMod val="50000"/>
-                      <a:lumOff val="50000"/>
-                    </a:schemeClr>
-                  </a:solidFill>
-                  <a:latin typeface="Oxygen Light"/>
-                  <a:cs typeface="Oxygen Light"/>
-                </a:rPr>
-                <a:t>for</a:t>
-              </a:r>
-              <a:r>
-                <a:rPr lang="en-US" sz="900" dirty="0">
-                  <a:solidFill>
-                    <a:schemeClr val="tx1">
-                      <a:lumMod val="50000"/>
-                      <a:lumOff val="50000"/>
-                    </a:schemeClr>
-                  </a:solidFill>
-                  <a:latin typeface="Oxygen Light"/>
-                  <a:cs typeface="Oxygen Light"/>
-                </a:rPr>
-                <a:t> </a:t>
-              </a:r>
-              <a:r>
-                <a:rPr lang="en-US" sz="900" smtClean="0">
-                  <a:solidFill>
-                    <a:schemeClr val="tx1">
-                      <a:lumMod val="50000"/>
-                      <a:lumOff val="50000"/>
-                    </a:schemeClr>
-                  </a:solidFill>
-                  <a:latin typeface="Oxygen Light"/>
-                  <a:cs typeface="Oxygen Light"/>
-                </a:rPr>
-                <a:t>Video </a:t>
-              </a:r>
-              <a:r>
-                <a:rPr lang="en-US" sz="900" dirty="0" smtClean="0">
-                  <a:solidFill>
-                    <a:schemeClr val="tx1">
-                      <a:lumMod val="50000"/>
-                      <a:lumOff val="50000"/>
-                    </a:schemeClr>
-                  </a:solidFill>
-                  <a:latin typeface="Oxygen Light"/>
-                  <a:cs typeface="Oxygen Light"/>
-                </a:rPr>
-                <a:t>Music Awards 2016.</a:t>
+                <a:t>).</a:t>
               </a:r>
             </a:p>
             <a:p>
@@ -6944,7 +7086,29 @@
                   <a:latin typeface="Oxygen Light"/>
                   <a:cs typeface="Oxygen Light"/>
                 </a:rPr>
-                <a:t>Developed an internal tool using </a:t>
+                <a:t>Developed an offline-processing pipeline to analyze on-screen user interactions and events such as touch events, progress bars, screen freezing, etc.</a:t>
+              </a:r>
+            </a:p>
+            <a:p>
+              <a:pPr marL="628650" lvl="1" indent="-171450">
+                <a:lnSpc>
+                  <a:spcPct val="110000"/>
+                </a:lnSpc>
+                <a:buFont typeface="Lucida Grande"/>
+                <a:buChar char="-"/>
+              </a:pPr>
+              <a:r>
+                <a:rPr lang="en-US" sz="900" dirty="0" smtClean="0">
+                  <a:solidFill>
+                    <a:schemeClr val="tx1">
+                      <a:lumMod val="50000"/>
+                      <a:lumOff val="50000"/>
+                    </a:schemeClr>
+                  </a:solidFill>
+                  <a:latin typeface="Oxygen Light"/>
+                  <a:cs typeface="Oxygen Light"/>
+                </a:rPr>
+                <a:t>It combines low-level Android Logging (</a:t>
               </a:r>
               <a:r>
                 <a:rPr lang="en-US" sz="900" b="1" dirty="0" smtClean="0">
@@ -6957,7 +7121,20 @@
                   <a:latin typeface="Oxygen Light"/>
                   <a:cs typeface="Oxygen Light"/>
                 </a:rPr>
-                <a:t>d3.js</a:t>
+                <a:t>android platform</a:t>
+              </a:r>
+              <a:r>
+                <a:rPr lang="en-US" sz="900" dirty="0" smtClean="0">
+                  <a:solidFill>
+                    <a:schemeClr val="tx2">
+                      <a:lumMod val="60000"/>
+                      <a:lumOff val="40000"/>
+                    </a:schemeClr>
+                  </a:solidFill>
+                  <a:latin typeface="Oxygen Light"/>
+                  <a:cs typeface="Oxygen Light"/>
+                </a:rPr>
+                <a:t> </a:t>
               </a:r>
               <a:r>
                 <a:rPr lang="en-US" sz="900" dirty="0" smtClean="0">
@@ -6970,33 +7147,7 @@
                   <a:latin typeface="Oxygen Light"/>
                   <a:cs typeface="Oxygen Light"/>
                 </a:rPr>
-                <a:t> to visualize </a:t>
-              </a:r>
-              <a:r>
-                <a:rPr lang="en-US" sz="900" b="1" dirty="0" err="1" smtClean="0">
-                  <a:solidFill>
-                    <a:schemeClr val="tx2">
-                      <a:lumMod val="60000"/>
-                      <a:lumOff val="40000"/>
-                    </a:schemeClr>
-                  </a:solidFill>
-                  <a:latin typeface="Oxygen Light"/>
-                  <a:cs typeface="Oxygen Light"/>
-                </a:rPr>
-                <a:t>Git</a:t>
-              </a:r>
-              <a:r>
-                <a:rPr lang="en-US" sz="900" dirty="0" smtClean="0">
-                  <a:solidFill>
-                    <a:schemeClr val="tx1">
-                      <a:lumMod val="50000"/>
-                      <a:lumOff val="50000"/>
-                    </a:schemeClr>
-                  </a:solidFill>
-                  <a:latin typeface="Oxygen Light"/>
-                  <a:cs typeface="Oxygen Light"/>
-                </a:rPr>
-                <a:t> repositories in order to analyze software development practices. </a:t>
+                <a:t>instrumentation) and analysis to measure the length of time user waits for apps to complete certain actions.</a:t>
               </a:r>
               <a:endParaRPr lang="en-US" sz="900" dirty="0">
                 <a:solidFill>
@@ -7013,28 +7164,28 @@
         </p:sp>
         <p:grpSp>
           <p:nvGrpSpPr>
-            <p:cNvPr id="30" name="Group 29"/>
+            <p:cNvPr id="29" name="Group 28"/>
             <p:cNvGrpSpPr/>
             <p:nvPr/>
           </p:nvGrpSpPr>
           <p:grpSpPr>
             <a:xfrm>
-              <a:off x="-193151" y="3038580"/>
-              <a:ext cx="6986821" cy="1142034"/>
-              <a:chOff x="-95631" y="1951469"/>
-              <a:chExt cx="6986821" cy="1142034"/>
+              <a:off x="366753" y="1264739"/>
+              <a:ext cx="4670287" cy="612317"/>
+              <a:chOff x="-3747259" y="1601224"/>
+              <a:chExt cx="4670287" cy="612317"/>
             </a:xfrm>
           </p:grpSpPr>
           <p:sp>
             <p:nvSpPr>
-              <p:cNvPr id="64" name="TextBox 63"/>
+              <p:cNvPr id="67" name="TextBox 66"/>
               <p:cNvSpPr txBox="1"/>
               <p:nvPr/>
             </p:nvSpPr>
             <p:spPr>
               <a:xfrm>
-                <a:off x="-95631" y="2239423"/>
-                <a:ext cx="6622728" cy="854080"/>
+                <a:off x="-1842623" y="1609284"/>
+                <a:ext cx="320228" cy="323165"/>
               </a:xfrm>
               <a:prstGeom prst="rect">
                 <a:avLst/>
@@ -7047,396 +7198,38 @@
               </a:bodyPr>
               <a:lstStyle/>
               <a:p>
-                <a:pPr marL="628650" lvl="1" indent="-171450">
-                  <a:lnSpc>
-                    <a:spcPct val="110000"/>
-                  </a:lnSpc>
-                  <a:buFont typeface="Lucida Grande"/>
-                  <a:buChar char="-"/>
-                </a:pPr>
                 <a:r>
-                  <a:rPr lang="en-US" sz="900" dirty="0" smtClean="0">
-                    <a:solidFill>
-                      <a:schemeClr val="tx1">
-                        <a:lumMod val="50000"/>
-                        <a:lumOff val="50000"/>
-                      </a:schemeClr>
-                    </a:solidFill>
-                    <a:latin typeface="Oxygen Light"/>
-                    <a:cs typeface="Oxygen Light"/>
-                  </a:rPr>
-                  <a:t>Worked towards quantifying and prioritizing smartphone Quality of Experience (</a:t>
+                  <a:rPr lang="en-US" sz="1500" dirty="0" smtClean="0"/>
+                  <a:t>.</a:t>
                 </a:r>
-                <a:r>
-                  <a:rPr lang="en-US" sz="900" dirty="0" err="1" smtClean="0">
-                    <a:solidFill>
-                      <a:schemeClr val="tx1">
-                        <a:lumMod val="50000"/>
-                        <a:lumOff val="50000"/>
-                      </a:schemeClr>
-                    </a:solidFill>
-                    <a:latin typeface="Oxygen Light"/>
-                    <a:cs typeface="Oxygen Light"/>
-                  </a:rPr>
-                  <a:t>QoE</a:t>
-                </a:r>
-                <a:r>
-                  <a:rPr lang="en-US" sz="900" dirty="0" smtClean="0">
-                    <a:solidFill>
-                      <a:schemeClr val="tx1">
-                        <a:lumMod val="50000"/>
-                        <a:lumOff val="50000"/>
-                      </a:schemeClr>
-                    </a:solidFill>
-                    <a:latin typeface="Oxygen Light"/>
-                    <a:cs typeface="Oxygen Light"/>
-                  </a:rPr>
-                  <a:t>).</a:t>
-                </a:r>
-              </a:p>
-              <a:p>
-                <a:pPr marL="628650" lvl="1" indent="-171450">
-                  <a:lnSpc>
-                    <a:spcPct val="110000"/>
-                  </a:lnSpc>
-                  <a:buFont typeface="Lucida Grande"/>
-                  <a:buChar char="-"/>
-                </a:pPr>
-                <a:r>
-                  <a:rPr lang="en-US" sz="900" dirty="0" smtClean="0">
-                    <a:solidFill>
-                      <a:schemeClr val="tx1">
-                        <a:lumMod val="50000"/>
-                        <a:lumOff val="50000"/>
-                      </a:schemeClr>
-                    </a:solidFill>
-                    <a:latin typeface="Oxygen Light"/>
-                    <a:cs typeface="Oxygen Light"/>
-                  </a:rPr>
-                  <a:t>Developed an offline-processing pipeline to analyze on-screen user interactions and events such as touch events, progress bars, screen freezing, etc.</a:t>
-                </a:r>
-              </a:p>
-              <a:p>
-                <a:pPr marL="628650" lvl="1" indent="-171450">
-                  <a:lnSpc>
-                    <a:spcPct val="110000"/>
-                  </a:lnSpc>
-                  <a:buFont typeface="Lucida Grande"/>
-                  <a:buChar char="-"/>
-                </a:pPr>
-                <a:r>
-                  <a:rPr lang="en-US" sz="900" dirty="0" smtClean="0">
-                    <a:solidFill>
-                      <a:schemeClr val="tx1">
-                        <a:lumMod val="50000"/>
-                        <a:lumOff val="50000"/>
-                      </a:schemeClr>
-                    </a:solidFill>
-                    <a:latin typeface="Oxygen Light"/>
-                    <a:cs typeface="Oxygen Light"/>
-                  </a:rPr>
-                  <a:t>It combines low-level Android Logging (</a:t>
-                </a:r>
-                <a:r>
-                  <a:rPr lang="en-US" sz="900" b="1" dirty="0" smtClean="0">
-                    <a:solidFill>
-                      <a:schemeClr val="tx2">
-                        <a:lumMod val="60000"/>
-                        <a:lumOff val="40000"/>
-                      </a:schemeClr>
-                    </a:solidFill>
-                    <a:latin typeface="Oxygen Light"/>
-                    <a:cs typeface="Oxygen Light"/>
-                  </a:rPr>
-                  <a:t>android platform</a:t>
-                </a:r>
-                <a:r>
-                  <a:rPr lang="en-US" sz="900" dirty="0" smtClean="0">
-                    <a:solidFill>
-                      <a:schemeClr val="tx2">
-                        <a:lumMod val="60000"/>
-                        <a:lumOff val="40000"/>
-                      </a:schemeClr>
-                    </a:solidFill>
-                    <a:latin typeface="Oxygen Light"/>
-                    <a:cs typeface="Oxygen Light"/>
-                  </a:rPr>
-                  <a:t> </a:t>
-                </a:r>
-                <a:r>
-                  <a:rPr lang="en-US" sz="900" dirty="0" smtClean="0">
-                    <a:solidFill>
-                      <a:schemeClr val="tx1">
-                        <a:lumMod val="50000"/>
-                        <a:lumOff val="50000"/>
-                      </a:schemeClr>
-                    </a:solidFill>
-                    <a:latin typeface="Oxygen Light"/>
-                    <a:cs typeface="Oxygen Light"/>
-                  </a:rPr>
-                  <a:t>instrumentation) and analysis to measure the length of time user waits for apps to complete certain actions.</a:t>
-                </a:r>
-                <a:endParaRPr lang="en-US" sz="900" dirty="0">
-                  <a:solidFill>
-                    <a:schemeClr val="tx1">
-                      <a:lumMod val="50000"/>
-                      <a:lumOff val="50000"/>
-                    </a:schemeClr>
-                  </a:solidFill>
-                  <a:latin typeface="Oxygen Light"/>
-                  <a:cs typeface="Oxygen Light"/>
-                </a:endParaRPr>
+                <a:endParaRPr lang="en-US" sz="1500" dirty="0"/>
               </a:p>
             </p:txBody>
           </p:sp>
           <p:grpSp>
             <p:nvGrpSpPr>
-              <p:cNvPr id="29" name="Group 28"/>
+              <p:cNvPr id="28" name="Group 27"/>
               <p:cNvGrpSpPr/>
               <p:nvPr/>
             </p:nvGrpSpPr>
             <p:grpSpPr>
               <a:xfrm>
-                <a:off x="366753" y="1951469"/>
-                <a:ext cx="4670287" cy="620531"/>
-                <a:chOff x="-3747259" y="2287954"/>
-                <a:chExt cx="4670287" cy="620531"/>
+                <a:off x="-3747259" y="1601224"/>
+                <a:ext cx="4670287" cy="612317"/>
+                <a:chOff x="-3780679" y="1230952"/>
+                <a:chExt cx="4670287" cy="612317"/>
               </a:xfrm>
             </p:grpSpPr>
             <p:sp>
               <p:nvSpPr>
-                <p:cNvPr id="67" name="TextBox 66"/>
+                <p:cNvPr id="68" name="TextBox 67"/>
                 <p:cNvSpPr txBox="1"/>
                 <p:nvPr/>
               </p:nvSpPr>
               <p:spPr>
                 <a:xfrm>
-                  <a:off x="-1844807" y="2296014"/>
+                  <a:off x="-597997" y="1230952"/>
                   <a:ext cx="320228" cy="323165"/>
-                </a:xfrm>
-                <a:prstGeom prst="rect">
-                  <a:avLst/>
-                </a:prstGeom>
-                <a:noFill/>
-              </p:spPr>
-              <p:txBody>
-                <a:bodyPr wrap="square" rtlCol="0">
-                  <a:spAutoFit/>
-                </a:bodyPr>
-                <a:lstStyle/>
-                <a:p>
-                  <a:r>
-                    <a:rPr lang="en-US" sz="1500" dirty="0" smtClean="0"/>
-                    <a:t>.</a:t>
-                  </a:r>
-                  <a:endParaRPr lang="en-US" sz="1500" dirty="0"/>
-                </a:p>
-              </p:txBody>
-            </p:sp>
-            <p:grpSp>
-              <p:nvGrpSpPr>
-                <p:cNvPr id="28" name="Group 27"/>
-                <p:cNvGrpSpPr/>
-                <p:nvPr/>
-              </p:nvGrpSpPr>
-              <p:grpSpPr>
-                <a:xfrm>
-                  <a:off x="-3747259" y="2287954"/>
-                  <a:ext cx="4670287" cy="620531"/>
-                  <a:chOff x="-3780679" y="1917682"/>
-                  <a:chExt cx="4670287" cy="620531"/>
-                </a:xfrm>
-              </p:grpSpPr>
-              <p:sp>
-                <p:nvSpPr>
-                  <p:cNvPr id="68" name="TextBox 67"/>
-                  <p:cNvSpPr txBox="1"/>
-                  <p:nvPr/>
-                </p:nvSpPr>
-                <p:spPr>
-                  <a:xfrm>
-                    <a:off x="-600181" y="1917682"/>
-                    <a:ext cx="320228" cy="323165"/>
-                  </a:xfrm>
-                  <a:prstGeom prst="rect">
-                    <a:avLst/>
-                  </a:prstGeom>
-                  <a:noFill/>
-                </p:spPr>
-                <p:txBody>
-                  <a:bodyPr wrap="square" rtlCol="0">
-                    <a:spAutoFit/>
-                  </a:bodyPr>
-                  <a:lstStyle/>
-                  <a:p>
-                    <a:r>
-                      <a:rPr lang="en-US" sz="1500" dirty="0" smtClean="0"/>
-                      <a:t>.</a:t>
-                    </a:r>
-                    <a:endParaRPr lang="en-US" sz="1500" dirty="0"/>
-                  </a:p>
-                </p:txBody>
-              </p:sp>
-              <p:sp>
-                <p:nvSpPr>
-                  <p:cNvPr id="69" name="TextBox 68"/>
-                  <p:cNvSpPr txBox="1"/>
-                  <p:nvPr/>
-                </p:nvSpPr>
-                <p:spPr>
-                  <a:xfrm>
-                    <a:off x="-3780679" y="1984215"/>
-                    <a:ext cx="4670287" cy="553998"/>
-                  </a:xfrm>
-                  <a:prstGeom prst="rect">
-                    <a:avLst/>
-                  </a:prstGeom>
-                  <a:noFill/>
-                </p:spPr>
-                <p:txBody>
-                  <a:bodyPr wrap="square" rtlCol="0">
-                    <a:spAutoFit/>
-                  </a:bodyPr>
-                  <a:lstStyle/>
-                  <a:p>
-                    <a:pPr marL="0" lvl="3"/>
-                    <a:r>
-                      <a:rPr lang="en-US" sz="1100" b="1" dirty="0">
-                        <a:latin typeface="Oxygen Light"/>
-                        <a:cs typeface="Oxygen Light"/>
-                      </a:rPr>
-                      <a:t>b</a:t>
-                    </a:r>
-                    <a:r>
-                      <a:rPr lang="en-US" sz="1100" b="1" dirty="0" smtClean="0">
-                        <a:latin typeface="Oxygen Light"/>
-                        <a:cs typeface="Oxygen Light"/>
-                      </a:rPr>
-                      <a:t>lue Systems Research Group</a:t>
-                    </a:r>
-                    <a:r>
-                      <a:rPr lang="en-US" sz="1200" b="1" dirty="0" smtClean="0">
-                        <a:latin typeface="Oxygen Light"/>
-                        <a:cs typeface="Oxygen Light"/>
-                      </a:rPr>
-                      <a:t>    </a:t>
-                    </a:r>
-                    <a:r>
-                      <a:rPr lang="en-US" sz="1000" dirty="0" smtClean="0">
-                        <a:latin typeface="Oxygen Light"/>
-                        <a:cs typeface="Oxygen Light"/>
-                      </a:rPr>
-                      <a:t>Systems Researcher</a:t>
-                    </a:r>
-                    <a:r>
-                      <a:rPr lang="en-US" sz="1100" b="1" dirty="0" smtClean="0"/>
-                      <a:t>      </a:t>
-                    </a:r>
-                    <a:r>
-                      <a:rPr lang="en-US" sz="1000" dirty="0" smtClean="0">
-                        <a:latin typeface="Oxygen Light"/>
-                        <a:cs typeface="Oxygen Light"/>
-                      </a:rPr>
-                      <a:t>Buffalo, NY</a:t>
-                    </a:r>
-                    <a:endParaRPr lang="en-US" dirty="0"/>
-                  </a:p>
-                  <a:p>
-                    <a:endParaRPr lang="en-US" dirty="0"/>
-                  </a:p>
-                </p:txBody>
-              </p:sp>
-            </p:grpSp>
-          </p:grpSp>
-          <p:sp>
-            <p:nvSpPr>
-              <p:cNvPr id="73" name="TextBox 72"/>
-              <p:cNvSpPr txBox="1"/>
-              <p:nvPr/>
-            </p:nvSpPr>
-            <p:spPr>
-              <a:xfrm>
-                <a:off x="5550758" y="2055066"/>
-                <a:ext cx="1340432" cy="246221"/>
-              </a:xfrm>
-              <a:prstGeom prst="rect">
-                <a:avLst/>
-              </a:prstGeom>
-              <a:noFill/>
-            </p:spPr>
-            <p:txBody>
-              <a:bodyPr wrap="none" rtlCol="0">
-                <a:spAutoFit/>
-              </a:bodyPr>
-              <a:lstStyle/>
-              <a:p>
-                <a:r>
-                  <a:rPr lang="en-US" sz="1000" dirty="0" smtClean="0">
-                    <a:latin typeface="Oxygen Light"/>
-                    <a:cs typeface="Oxygen Light"/>
-                  </a:rPr>
-                  <a:t>Feb 2015 </a:t>
-                </a:r>
-                <a:r>
-                  <a:rPr lang="mr-IN" sz="1000" dirty="0" smtClean="0">
-                    <a:latin typeface="Oxygen Light"/>
-                    <a:cs typeface="Oxygen Light"/>
-                  </a:rPr>
-                  <a:t>–</a:t>
-                </a:r>
-                <a:r>
-                  <a:rPr lang="en-US" sz="1000" dirty="0" smtClean="0">
-                    <a:latin typeface="Oxygen Light"/>
-                    <a:cs typeface="Oxygen Light"/>
-                  </a:rPr>
-                  <a:t> May 2017</a:t>
-                </a:r>
-                <a:endParaRPr lang="en-US" sz="1000" dirty="0">
-                  <a:latin typeface="Oxygen Light"/>
-                  <a:cs typeface="Oxygen Light"/>
-                </a:endParaRPr>
-              </a:p>
-            </p:txBody>
-          </p:sp>
-        </p:grpSp>
-        <p:grpSp>
-          <p:nvGrpSpPr>
-            <p:cNvPr id="51" name="Group 50"/>
-            <p:cNvGrpSpPr/>
-            <p:nvPr/>
-          </p:nvGrpSpPr>
-          <p:grpSpPr>
-            <a:xfrm>
-              <a:off x="-189357" y="1107607"/>
-              <a:ext cx="7008299" cy="660209"/>
-              <a:chOff x="-189357" y="1045615"/>
-              <a:chExt cx="7008299" cy="660209"/>
-            </a:xfrm>
-          </p:grpSpPr>
-          <p:grpSp>
-            <p:nvGrpSpPr>
-              <p:cNvPr id="50" name="Group 49"/>
-              <p:cNvGrpSpPr/>
-              <p:nvPr/>
-            </p:nvGrpSpPr>
-            <p:grpSpPr>
-              <a:xfrm>
-                <a:off x="261484" y="1045615"/>
-                <a:ext cx="4123749" cy="626073"/>
-                <a:chOff x="237582" y="1797069"/>
-                <a:chExt cx="4123749" cy="626073"/>
-              </a:xfrm>
-            </p:grpSpPr>
-            <p:sp>
-              <p:nvSpPr>
-                <p:cNvPr id="156" name="TextBox 155"/>
-                <p:cNvSpPr txBox="1"/>
-                <p:nvPr/>
-              </p:nvSpPr>
-              <p:spPr>
-                <a:xfrm>
-                  <a:off x="1536694" y="1797069"/>
-                  <a:ext cx="235912" cy="323165"/>
                 </a:xfrm>
                 <a:prstGeom prst="rect">
                   <a:avLst/>
@@ -7459,14 +7252,1053 @@
             </p:sp>
             <p:sp>
               <p:nvSpPr>
-                <p:cNvPr id="157" name="TextBox 156"/>
+                <p:cNvPr id="69" name="TextBox 68"/>
                 <p:cNvSpPr txBox="1"/>
                 <p:nvPr/>
               </p:nvSpPr>
               <p:spPr>
                 <a:xfrm>
-                  <a:off x="3045292" y="1802201"/>
-                  <a:ext cx="417160" cy="323165"/>
+                  <a:off x="-3780679" y="1289271"/>
+                  <a:ext cx="4670287" cy="553998"/>
+                </a:xfrm>
+                <a:prstGeom prst="rect">
+                  <a:avLst/>
+                </a:prstGeom>
+                <a:noFill/>
+              </p:spPr>
+              <p:txBody>
+                <a:bodyPr wrap="square" rtlCol="0">
+                  <a:spAutoFit/>
+                </a:bodyPr>
+                <a:lstStyle/>
+                <a:p>
+                  <a:pPr marL="0" lvl="3"/>
+                  <a:r>
+                    <a:rPr lang="en-US" sz="1100" b="1" dirty="0">
+                      <a:latin typeface="Oxygen Light"/>
+                      <a:cs typeface="Oxygen Light"/>
+                    </a:rPr>
+                    <a:t>b</a:t>
+                  </a:r>
+                  <a:r>
+                    <a:rPr lang="en-US" sz="1100" b="1" dirty="0" smtClean="0">
+                      <a:latin typeface="Oxygen Light"/>
+                      <a:cs typeface="Oxygen Light"/>
+                    </a:rPr>
+                    <a:t>lue Systems Research Group</a:t>
+                  </a:r>
+                  <a:r>
+                    <a:rPr lang="en-US" sz="1200" b="1" dirty="0" smtClean="0">
+                      <a:latin typeface="Oxygen Light"/>
+                      <a:cs typeface="Oxygen Light"/>
+                    </a:rPr>
+                    <a:t>    </a:t>
+                  </a:r>
+                  <a:r>
+                    <a:rPr lang="en-US" sz="1000" dirty="0" smtClean="0">
+                      <a:latin typeface="Oxygen Light"/>
+                      <a:cs typeface="Oxygen Light"/>
+                    </a:rPr>
+                    <a:t>Systems Researcher</a:t>
+                  </a:r>
+                  <a:r>
+                    <a:rPr lang="en-US" sz="1100" b="1" dirty="0" smtClean="0"/>
+                    <a:t>      </a:t>
+                  </a:r>
+                  <a:r>
+                    <a:rPr lang="en-US" sz="1000" dirty="0" smtClean="0">
+                      <a:latin typeface="Oxygen Light"/>
+                      <a:cs typeface="Oxygen Light"/>
+                    </a:rPr>
+                    <a:t>Buffalo, NY</a:t>
+                  </a:r>
+                  <a:endParaRPr lang="en-US" dirty="0"/>
+                </a:p>
+                <a:p>
+                  <a:endParaRPr lang="en-US" dirty="0"/>
+                </a:p>
+              </p:txBody>
+            </p:sp>
+          </p:grpSp>
+        </p:grpSp>
+        <p:sp>
+          <p:nvSpPr>
+            <p:cNvPr id="73" name="TextBox 72"/>
+            <p:cNvSpPr txBox="1"/>
+            <p:nvPr/>
+          </p:nvSpPr>
+          <p:spPr>
+            <a:xfrm>
+              <a:off x="5550758" y="1360122"/>
+              <a:ext cx="1340432" cy="246221"/>
+            </a:xfrm>
+            <a:prstGeom prst="rect">
+              <a:avLst/>
+            </a:prstGeom>
+            <a:noFill/>
+          </p:spPr>
+          <p:txBody>
+            <a:bodyPr wrap="none" rtlCol="0">
+              <a:spAutoFit/>
+            </a:bodyPr>
+            <a:lstStyle/>
+            <a:p>
+              <a:r>
+                <a:rPr lang="en-US" sz="1000" dirty="0" smtClean="0">
+                  <a:latin typeface="Oxygen Light"/>
+                  <a:cs typeface="Oxygen Light"/>
+                </a:rPr>
+                <a:t>Feb 2015 </a:t>
+              </a:r>
+              <a:r>
+                <a:rPr lang="mr-IN" sz="1000" dirty="0" smtClean="0">
+                  <a:latin typeface="Oxygen Light"/>
+                  <a:cs typeface="Oxygen Light"/>
+                </a:rPr>
+                <a:t>–</a:t>
+              </a:r>
+              <a:r>
+                <a:rPr lang="en-US" sz="1000" dirty="0" smtClean="0">
+                  <a:latin typeface="Oxygen Light"/>
+                  <a:cs typeface="Oxygen Light"/>
+                </a:rPr>
+                <a:t> May 2017</a:t>
+              </a:r>
+              <a:endParaRPr lang="en-US" sz="1000" dirty="0">
+                <a:latin typeface="Oxygen Light"/>
+                <a:cs typeface="Oxygen Light"/>
+              </a:endParaRPr>
+            </a:p>
+          </p:txBody>
+        </p:sp>
+      </p:grpSp>
+      <p:grpSp>
+        <p:nvGrpSpPr>
+          <p:cNvPr id="51" name="Group 50"/>
+          <p:cNvGrpSpPr/>
+          <p:nvPr/>
+        </p:nvGrpSpPr>
+        <p:grpSpPr>
+          <a:xfrm>
+            <a:off x="-305592" y="1215183"/>
+            <a:ext cx="7008299" cy="660209"/>
+            <a:chOff x="-189357" y="1045615"/>
+            <a:chExt cx="7008299" cy="660209"/>
+          </a:xfrm>
+        </p:grpSpPr>
+        <p:grpSp>
+          <p:nvGrpSpPr>
+            <p:cNvPr id="50" name="Group 49"/>
+            <p:cNvGrpSpPr/>
+            <p:nvPr/>
+          </p:nvGrpSpPr>
+          <p:grpSpPr>
+            <a:xfrm>
+              <a:off x="261484" y="1045615"/>
+              <a:ext cx="4123749" cy="626073"/>
+              <a:chOff x="237582" y="1797069"/>
+              <a:chExt cx="4123749" cy="626073"/>
+            </a:xfrm>
+          </p:grpSpPr>
+          <p:sp>
+            <p:nvSpPr>
+              <p:cNvPr id="156" name="TextBox 155"/>
+              <p:cNvSpPr txBox="1"/>
+              <p:nvPr/>
+            </p:nvSpPr>
+            <p:spPr>
+              <a:xfrm>
+                <a:off x="1536694" y="1797069"/>
+                <a:ext cx="235912" cy="323165"/>
+              </a:xfrm>
+              <a:prstGeom prst="rect">
+                <a:avLst/>
+              </a:prstGeom>
+              <a:noFill/>
+            </p:spPr>
+            <p:txBody>
+              <a:bodyPr wrap="square" rtlCol="0">
+                <a:spAutoFit/>
+              </a:bodyPr>
+              <a:lstStyle/>
+              <a:p>
+                <a:r>
+                  <a:rPr lang="en-US" sz="1500" dirty="0" smtClean="0"/>
+                  <a:t>.</a:t>
+                </a:r>
+                <a:endParaRPr lang="en-US" sz="1500" dirty="0"/>
+              </a:p>
+            </p:txBody>
+          </p:sp>
+          <p:sp>
+            <p:nvSpPr>
+              <p:cNvPr id="157" name="TextBox 156"/>
+              <p:cNvSpPr txBox="1"/>
+              <p:nvPr/>
+            </p:nvSpPr>
+            <p:spPr>
+              <a:xfrm>
+                <a:off x="3045292" y="1802201"/>
+                <a:ext cx="417160" cy="323165"/>
+              </a:xfrm>
+              <a:prstGeom prst="rect">
+                <a:avLst/>
+              </a:prstGeom>
+              <a:noFill/>
+            </p:spPr>
+            <p:txBody>
+              <a:bodyPr wrap="square" rtlCol="0">
+                <a:spAutoFit/>
+              </a:bodyPr>
+              <a:lstStyle/>
+              <a:p>
+                <a:r>
+                  <a:rPr lang="en-US" sz="1500" dirty="0" smtClean="0"/>
+                  <a:t>.</a:t>
+                </a:r>
+                <a:endParaRPr lang="en-US" sz="1500" dirty="0"/>
+              </a:p>
+            </p:txBody>
+          </p:sp>
+          <p:sp>
+            <p:nvSpPr>
+              <p:cNvPr id="158" name="TextBox 157"/>
+              <p:cNvSpPr txBox="1"/>
+              <p:nvPr/>
+            </p:nvSpPr>
+            <p:spPr>
+              <a:xfrm>
+                <a:off x="237582" y="1869144"/>
+                <a:ext cx="4123749" cy="553998"/>
+              </a:xfrm>
+              <a:prstGeom prst="rect">
+                <a:avLst/>
+              </a:prstGeom>
+              <a:noFill/>
+            </p:spPr>
+            <p:txBody>
+              <a:bodyPr wrap="square" rtlCol="0">
+                <a:spAutoFit/>
+              </a:bodyPr>
+              <a:lstStyle/>
+              <a:p>
+                <a:pPr marL="0" lvl="3"/>
+                <a:r>
+                  <a:rPr lang="en-US" sz="1100" b="1" dirty="0" smtClean="0">
+                    <a:latin typeface="Oxygen Light"/>
+                    <a:cs typeface="Oxygen Light"/>
+                  </a:rPr>
+                  <a:t>Stark &amp; Wayne, LLC  </a:t>
+                </a:r>
+                <a:r>
+                  <a:rPr lang="en-US" sz="1200" b="1" dirty="0" smtClean="0">
+                    <a:latin typeface="Oxygen Light"/>
+                    <a:cs typeface="Oxygen Light"/>
+                  </a:rPr>
+                  <a:t>    </a:t>
+                </a:r>
+                <a:r>
+                  <a:rPr lang="en-US" sz="1000" dirty="0" smtClean="0">
+                    <a:latin typeface="Oxygen Light"/>
+                    <a:cs typeface="Oxygen Light"/>
+                  </a:rPr>
+                  <a:t>Cloud Engineering Intern</a:t>
+                </a:r>
+                <a:r>
+                  <a:rPr lang="en-US" sz="1100" b="1" dirty="0" smtClean="0"/>
+                  <a:t>     </a:t>
+                </a:r>
+                <a:r>
+                  <a:rPr lang="en-US" sz="1000" dirty="0" smtClean="0">
+                    <a:latin typeface="Oxygen Light"/>
+                    <a:cs typeface="Oxygen Light"/>
+                  </a:rPr>
+                  <a:t>Buffalo, NY</a:t>
+                </a:r>
+                <a:endParaRPr lang="en-US" dirty="0"/>
+              </a:p>
+              <a:p>
+                <a:endParaRPr lang="en-US" dirty="0"/>
+              </a:p>
+            </p:txBody>
+          </p:sp>
+        </p:grpSp>
+        <p:sp>
+          <p:nvSpPr>
+            <p:cNvPr id="160" name="TextBox 159"/>
+            <p:cNvSpPr txBox="1"/>
+            <p:nvPr/>
+          </p:nvSpPr>
+          <p:spPr>
+            <a:xfrm>
+              <a:off x="-189357" y="1308792"/>
+              <a:ext cx="5665661" cy="397032"/>
+            </a:xfrm>
+            <a:prstGeom prst="rect">
+              <a:avLst/>
+            </a:prstGeom>
+            <a:noFill/>
+          </p:spPr>
+          <p:txBody>
+            <a:bodyPr wrap="square" rtlCol="0">
+              <a:spAutoFit/>
+            </a:bodyPr>
+            <a:lstStyle/>
+            <a:p>
+              <a:pPr marL="628650" lvl="1" indent="-171450">
+                <a:lnSpc>
+                  <a:spcPct val="110000"/>
+                </a:lnSpc>
+                <a:buFont typeface="Lucida Grande"/>
+                <a:buChar char="-"/>
+              </a:pPr>
+              <a:r>
+                <a:rPr lang="en-US" sz="900" dirty="0" smtClean="0">
+                  <a:solidFill>
+                    <a:schemeClr val="tx1">
+                      <a:lumMod val="50000"/>
+                      <a:lumOff val="50000"/>
+                    </a:schemeClr>
+                  </a:solidFill>
+                  <a:latin typeface="Oxygen Light"/>
+                  <a:cs typeface="Oxygen Light"/>
+                </a:rPr>
+                <a:t>Currently working with cloud native technologies such as </a:t>
+              </a:r>
+              <a:r>
+                <a:rPr lang="en-US" sz="900" b="1" dirty="0" smtClean="0">
+                  <a:solidFill>
+                    <a:schemeClr val="tx2">
+                      <a:lumMod val="60000"/>
+                      <a:lumOff val="40000"/>
+                    </a:schemeClr>
+                  </a:solidFill>
+                  <a:latin typeface="Oxygen Light"/>
+                  <a:cs typeface="Oxygen Light"/>
+                </a:rPr>
+                <a:t>Cloud Foundry, Bosh</a:t>
+              </a:r>
+              <a:r>
+                <a:rPr lang="en-US" sz="900" b="1" dirty="0" smtClean="0">
+                  <a:solidFill>
+                    <a:schemeClr val="tx1">
+                      <a:lumMod val="50000"/>
+                      <a:lumOff val="50000"/>
+                    </a:schemeClr>
+                  </a:solidFill>
+                  <a:latin typeface="Oxygen Light"/>
+                  <a:cs typeface="Oxygen Light"/>
+                </a:rPr>
+                <a:t>, </a:t>
+              </a:r>
+              <a:r>
+                <a:rPr lang="en-US" sz="900" dirty="0" smtClean="0">
+                  <a:solidFill>
+                    <a:schemeClr val="tx1">
+                      <a:lumMod val="50000"/>
+                      <a:lumOff val="50000"/>
+                    </a:schemeClr>
+                  </a:solidFill>
+                  <a:latin typeface="Oxygen Light"/>
+                  <a:cs typeface="Oxygen Light"/>
+                </a:rPr>
+                <a:t>and</a:t>
+              </a:r>
+              <a:r>
+                <a:rPr lang="en-US" sz="900" b="1" dirty="0" smtClean="0">
+                  <a:solidFill>
+                    <a:schemeClr val="tx1">
+                      <a:lumMod val="50000"/>
+                      <a:lumOff val="50000"/>
+                    </a:schemeClr>
+                  </a:solidFill>
+                  <a:latin typeface="Oxygen Light"/>
+                  <a:cs typeface="Oxygen Light"/>
+                </a:rPr>
+                <a:t> </a:t>
+              </a:r>
+              <a:r>
+                <a:rPr lang="en-US" sz="900" b="1" dirty="0" smtClean="0">
+                  <a:solidFill>
+                    <a:schemeClr val="tx2">
+                      <a:lumMod val="60000"/>
+                      <a:lumOff val="40000"/>
+                    </a:schemeClr>
+                  </a:solidFill>
+                  <a:latin typeface="Oxygen Light"/>
+                  <a:cs typeface="Oxygen Light"/>
+                </a:rPr>
+                <a:t>Concourse</a:t>
+              </a:r>
+              <a:r>
+                <a:rPr lang="en-US" sz="900" b="1" dirty="0" smtClean="0">
+                  <a:solidFill>
+                    <a:schemeClr val="tx1">
+                      <a:lumMod val="50000"/>
+                      <a:lumOff val="50000"/>
+                    </a:schemeClr>
+                  </a:solidFill>
+                  <a:latin typeface="Oxygen Light"/>
+                  <a:cs typeface="Oxygen Light"/>
+                </a:rPr>
+                <a:t>. </a:t>
+              </a:r>
+              <a:r>
+                <a:rPr lang="en-US" sz="900" dirty="0" smtClean="0">
+                  <a:solidFill>
+                    <a:schemeClr val="tx1">
+                      <a:lumMod val="50000"/>
+                      <a:lumOff val="50000"/>
+                    </a:schemeClr>
+                  </a:solidFill>
+                  <a:latin typeface="Oxygen Light"/>
+                  <a:cs typeface="Oxygen Light"/>
+                </a:rPr>
+                <a:t>More details about the project will be updated at http://brijeshrakholia.me soon.</a:t>
+              </a:r>
+              <a:endParaRPr lang="en-US" sz="900" dirty="0">
+                <a:solidFill>
+                  <a:schemeClr val="tx1">
+                    <a:lumMod val="50000"/>
+                    <a:lumOff val="50000"/>
+                  </a:schemeClr>
+                </a:solidFill>
+                <a:latin typeface="Oxygen Light"/>
+                <a:cs typeface="Oxygen Light"/>
+              </a:endParaRPr>
+            </a:p>
+          </p:txBody>
+        </p:sp>
+        <p:sp>
+          <p:nvSpPr>
+            <p:cNvPr id="161" name="TextBox 160"/>
+            <p:cNvSpPr txBox="1"/>
+            <p:nvPr/>
+          </p:nvSpPr>
+          <p:spPr>
+            <a:xfrm>
+              <a:off x="5529807" y="1161652"/>
+              <a:ext cx="1289135" cy="246221"/>
+            </a:xfrm>
+            <a:prstGeom prst="rect">
+              <a:avLst/>
+            </a:prstGeom>
+            <a:noFill/>
+          </p:spPr>
+          <p:txBody>
+            <a:bodyPr wrap="none" rtlCol="0">
+              <a:spAutoFit/>
+            </a:bodyPr>
+            <a:lstStyle/>
+            <a:p>
+              <a:r>
+                <a:rPr lang="en-US" sz="1000" dirty="0" smtClean="0">
+                  <a:latin typeface="Oxygen Light"/>
+                  <a:cs typeface="Oxygen Light"/>
+                </a:rPr>
+                <a:t>June 2017 </a:t>
+              </a:r>
+              <a:r>
+                <a:rPr lang="mr-IN" sz="1000" dirty="0" smtClean="0">
+                  <a:latin typeface="Oxygen Light"/>
+                  <a:cs typeface="Oxygen Light"/>
+                </a:rPr>
+                <a:t>–</a:t>
+              </a:r>
+              <a:r>
+                <a:rPr lang="en-US" sz="1000" dirty="0" smtClean="0">
+                  <a:latin typeface="Oxygen Light"/>
+                  <a:cs typeface="Oxygen Light"/>
+                </a:rPr>
+                <a:t> Present </a:t>
+              </a:r>
+              <a:endParaRPr lang="en-US" sz="1000" dirty="0">
+                <a:latin typeface="Oxygen Light"/>
+                <a:cs typeface="Oxygen Light"/>
+              </a:endParaRPr>
+            </a:p>
+          </p:txBody>
+        </p:sp>
+      </p:grpSp>
+      <p:grpSp>
+        <p:nvGrpSpPr>
+          <p:cNvPr id="162" name="Group 161"/>
+          <p:cNvGrpSpPr/>
+          <p:nvPr/>
+        </p:nvGrpSpPr>
+        <p:grpSpPr>
+          <a:xfrm>
+            <a:off x="-302039" y="5240997"/>
+            <a:ext cx="5869964" cy="797120"/>
+            <a:chOff x="-184992" y="4546180"/>
+            <a:chExt cx="5869964" cy="797120"/>
+          </a:xfrm>
+        </p:grpSpPr>
+        <p:grpSp>
+          <p:nvGrpSpPr>
+            <p:cNvPr id="163" name="Group 162"/>
+            <p:cNvGrpSpPr/>
+            <p:nvPr/>
+          </p:nvGrpSpPr>
+          <p:grpSpPr>
+            <a:xfrm>
+              <a:off x="274410" y="4546180"/>
+              <a:ext cx="4123749" cy="618145"/>
+              <a:chOff x="250508" y="5297634"/>
+              <a:chExt cx="4123749" cy="618145"/>
+            </a:xfrm>
+          </p:grpSpPr>
+          <p:sp>
+            <p:nvSpPr>
+              <p:cNvPr id="166" name="TextBox 165"/>
+              <p:cNvSpPr txBox="1"/>
+              <p:nvPr/>
+            </p:nvSpPr>
+            <p:spPr>
+              <a:xfrm>
+                <a:off x="546399" y="5297634"/>
+                <a:ext cx="235912" cy="323165"/>
+              </a:xfrm>
+              <a:prstGeom prst="rect">
+                <a:avLst/>
+              </a:prstGeom>
+              <a:noFill/>
+            </p:spPr>
+            <p:txBody>
+              <a:bodyPr wrap="square" rtlCol="0">
+                <a:spAutoFit/>
+              </a:bodyPr>
+              <a:lstStyle/>
+              <a:p>
+                <a:r>
+                  <a:rPr lang="en-US" sz="1500" dirty="0" smtClean="0"/>
+                  <a:t>.</a:t>
+                </a:r>
+                <a:endParaRPr lang="en-US" sz="1500" dirty="0"/>
+              </a:p>
+            </p:txBody>
+          </p:sp>
+          <p:sp>
+            <p:nvSpPr>
+              <p:cNvPr id="167" name="TextBox 166"/>
+              <p:cNvSpPr txBox="1"/>
+              <p:nvPr/>
+            </p:nvSpPr>
+            <p:spPr>
+              <a:xfrm>
+                <a:off x="2388210" y="5302766"/>
+                <a:ext cx="417160" cy="323165"/>
+              </a:xfrm>
+              <a:prstGeom prst="rect">
+                <a:avLst/>
+              </a:prstGeom>
+              <a:noFill/>
+            </p:spPr>
+            <p:txBody>
+              <a:bodyPr wrap="square" rtlCol="0">
+                <a:spAutoFit/>
+              </a:bodyPr>
+              <a:lstStyle/>
+              <a:p>
+                <a:r>
+                  <a:rPr lang="en-US" sz="1500" dirty="0" smtClean="0"/>
+                  <a:t>.</a:t>
+                </a:r>
+                <a:endParaRPr lang="en-US" sz="1500" dirty="0"/>
+              </a:p>
+            </p:txBody>
+          </p:sp>
+          <p:sp>
+            <p:nvSpPr>
+              <p:cNvPr id="168" name="TextBox 167"/>
+              <p:cNvSpPr txBox="1"/>
+              <p:nvPr/>
+            </p:nvSpPr>
+            <p:spPr>
+              <a:xfrm>
+                <a:off x="250508" y="5361781"/>
+                <a:ext cx="4123749" cy="553998"/>
+              </a:xfrm>
+              <a:prstGeom prst="rect">
+                <a:avLst/>
+              </a:prstGeom>
+              <a:noFill/>
+            </p:spPr>
+            <p:txBody>
+              <a:bodyPr wrap="square" rtlCol="0">
+                <a:spAutoFit/>
+              </a:bodyPr>
+              <a:lstStyle/>
+              <a:p>
+                <a:pPr marL="0" lvl="3"/>
+                <a:r>
+                  <a:rPr lang="en-US" sz="1100" b="1" dirty="0" err="1" smtClean="0">
+                    <a:latin typeface="Oxygen Light"/>
+                    <a:cs typeface="Oxygen Light"/>
+                  </a:rPr>
+                  <a:t>Tutr</a:t>
+                </a:r>
+                <a:r>
+                  <a:rPr lang="en-US" sz="1100" b="1" dirty="0" smtClean="0">
+                    <a:latin typeface="Oxygen Light"/>
+                    <a:cs typeface="Oxygen Light"/>
+                  </a:rPr>
+                  <a:t>  </a:t>
+                </a:r>
+                <a:r>
+                  <a:rPr lang="en-US" sz="1200" b="1" dirty="0" smtClean="0">
+                    <a:latin typeface="Oxygen Light"/>
+                    <a:cs typeface="Oxygen Light"/>
+                  </a:rPr>
+                  <a:t>   </a:t>
+                </a:r>
+                <a:r>
+                  <a:rPr lang="en-US" sz="1000" dirty="0" smtClean="0">
+                    <a:latin typeface="Oxygen Light"/>
+                    <a:cs typeface="Oxygen Light"/>
+                  </a:rPr>
+                  <a:t>Co-founder, Backend Engineer</a:t>
+                </a:r>
+                <a:r>
+                  <a:rPr lang="en-US" sz="1100" b="1" dirty="0" smtClean="0"/>
+                  <a:t>      </a:t>
+                </a:r>
+                <a:r>
+                  <a:rPr lang="en-US" sz="1000" dirty="0" smtClean="0">
+                    <a:latin typeface="Oxygen Light"/>
+                    <a:cs typeface="Oxygen Light"/>
+                  </a:rPr>
+                  <a:t>Buffalo, NY</a:t>
+                </a:r>
+                <a:endParaRPr lang="en-US" dirty="0"/>
+              </a:p>
+              <a:p>
+                <a:endParaRPr lang="en-US" dirty="0"/>
+              </a:p>
+            </p:txBody>
+          </p:sp>
+        </p:grpSp>
+        <p:sp>
+          <p:nvSpPr>
+            <p:cNvPr id="164" name="TextBox 163"/>
+            <p:cNvSpPr txBox="1"/>
+            <p:nvPr/>
+          </p:nvSpPr>
+          <p:spPr>
+            <a:xfrm>
+              <a:off x="-184992" y="4793919"/>
+              <a:ext cx="5869964" cy="549381"/>
+            </a:xfrm>
+            <a:prstGeom prst="rect">
+              <a:avLst/>
+            </a:prstGeom>
+            <a:noFill/>
+          </p:spPr>
+          <p:txBody>
+            <a:bodyPr wrap="square" rtlCol="0">
+              <a:spAutoFit/>
+            </a:bodyPr>
+            <a:lstStyle/>
+            <a:p>
+              <a:pPr marL="628650" lvl="1" indent="-171450">
+                <a:lnSpc>
+                  <a:spcPct val="110000"/>
+                </a:lnSpc>
+                <a:buFont typeface="Lucida Grande"/>
+                <a:buChar char="-"/>
+              </a:pPr>
+              <a:r>
+                <a:rPr lang="en-US" sz="900" dirty="0" err="1" smtClean="0">
+                  <a:solidFill>
+                    <a:schemeClr val="tx1">
+                      <a:lumMod val="50000"/>
+                      <a:lumOff val="50000"/>
+                    </a:schemeClr>
+                  </a:solidFill>
+                  <a:latin typeface="Oxygen Light"/>
+                  <a:cs typeface="Oxygen Light"/>
+                </a:rPr>
+                <a:t>Tutr</a:t>
+              </a:r>
+              <a:r>
+                <a:rPr lang="en-US" sz="900" dirty="0" smtClean="0">
+                  <a:solidFill>
+                    <a:schemeClr val="tx1">
+                      <a:lumMod val="50000"/>
+                      <a:lumOff val="50000"/>
+                    </a:schemeClr>
+                  </a:solidFill>
+                  <a:latin typeface="Oxygen Light"/>
+                  <a:cs typeface="Oxygen Light"/>
+                </a:rPr>
+                <a:t> is a web application that provides on-demand tutoring service for college students, just like Uber.</a:t>
+              </a:r>
+            </a:p>
+            <a:p>
+              <a:pPr marL="628650" lvl="1" indent="-171450">
+                <a:lnSpc>
+                  <a:spcPct val="110000"/>
+                </a:lnSpc>
+                <a:buFont typeface="Lucida Grande"/>
+                <a:buChar char="-"/>
+              </a:pPr>
+              <a:r>
+                <a:rPr lang="en-US" sz="900" dirty="0" smtClean="0">
+                  <a:solidFill>
+                    <a:schemeClr val="tx1">
+                      <a:lumMod val="50000"/>
+                      <a:lumOff val="50000"/>
+                    </a:schemeClr>
+                  </a:solidFill>
+                  <a:latin typeface="Oxygen Light"/>
+                  <a:cs typeface="Oxygen Light"/>
+                </a:rPr>
+                <a:t>Built the </a:t>
+              </a:r>
+              <a:r>
+                <a:rPr lang="en-US" sz="900" dirty="0" err="1">
+                  <a:solidFill>
+                    <a:schemeClr val="tx1">
+                      <a:lumMod val="50000"/>
+                      <a:lumOff val="50000"/>
+                    </a:schemeClr>
+                  </a:solidFill>
+                  <a:latin typeface="Oxygen Light"/>
+                  <a:cs typeface="Oxygen Light"/>
+                </a:rPr>
+                <a:t>T</a:t>
+              </a:r>
+              <a:r>
+                <a:rPr lang="en-US" sz="900" dirty="0" err="1" smtClean="0">
+                  <a:solidFill>
+                    <a:schemeClr val="tx1">
+                      <a:lumMod val="50000"/>
+                      <a:lumOff val="50000"/>
+                    </a:schemeClr>
+                  </a:solidFill>
+                  <a:latin typeface="Oxygen Light"/>
+                  <a:cs typeface="Oxygen Light"/>
+                </a:rPr>
+                <a:t>utr</a:t>
+              </a:r>
+              <a:r>
+                <a:rPr lang="en-US" sz="900" dirty="0" smtClean="0">
+                  <a:solidFill>
+                    <a:schemeClr val="tx1">
+                      <a:lumMod val="50000"/>
+                      <a:lumOff val="50000"/>
+                    </a:schemeClr>
+                  </a:solidFill>
+                  <a:latin typeface="Oxygen Light"/>
+                  <a:cs typeface="Oxygen Light"/>
+                </a:rPr>
+                <a:t> backend infrastructure using </a:t>
+              </a:r>
+              <a:r>
+                <a:rPr lang="en-US" sz="900" b="1" dirty="0" err="1" smtClean="0">
+                  <a:solidFill>
+                    <a:schemeClr val="tx2">
+                      <a:lumMod val="60000"/>
+                      <a:lumOff val="40000"/>
+                    </a:schemeClr>
+                  </a:solidFill>
+                  <a:latin typeface="Oxygen Light"/>
+                  <a:cs typeface="Oxygen Light"/>
+                </a:rPr>
+                <a:t>nodejs</a:t>
+              </a:r>
+              <a:r>
+                <a:rPr lang="en-US" sz="900" b="1" dirty="0" smtClean="0">
+                  <a:solidFill>
+                    <a:schemeClr val="tx2">
+                      <a:lumMod val="60000"/>
+                      <a:lumOff val="40000"/>
+                    </a:schemeClr>
+                  </a:solidFill>
+                  <a:latin typeface="Oxygen Light"/>
+                  <a:cs typeface="Oxygen Light"/>
+                </a:rPr>
+                <a:t>, </a:t>
+              </a:r>
+              <a:r>
+                <a:rPr lang="en-US" sz="900" b="1" dirty="0" err="1" smtClean="0">
+                  <a:solidFill>
+                    <a:schemeClr val="tx2">
+                      <a:lumMod val="60000"/>
+                      <a:lumOff val="40000"/>
+                    </a:schemeClr>
+                  </a:solidFill>
+                  <a:latin typeface="Oxygen Light"/>
+                  <a:cs typeface="Oxygen Light"/>
+                </a:rPr>
+                <a:t>socket.io</a:t>
+              </a:r>
+              <a:r>
+                <a:rPr lang="en-US" sz="900" b="1" dirty="0" smtClean="0">
+                  <a:solidFill>
+                    <a:schemeClr val="tx2">
+                      <a:lumMod val="60000"/>
+                      <a:lumOff val="40000"/>
+                    </a:schemeClr>
+                  </a:solidFill>
+                  <a:latin typeface="Oxygen Light"/>
+                  <a:cs typeface="Oxygen Light"/>
+                </a:rPr>
+                <a:t>, </a:t>
+              </a:r>
+              <a:r>
+                <a:rPr lang="en-US" sz="900" b="1" dirty="0" err="1" smtClean="0">
+                  <a:solidFill>
+                    <a:schemeClr val="tx2">
+                      <a:lumMod val="60000"/>
+                      <a:lumOff val="40000"/>
+                    </a:schemeClr>
+                  </a:solidFill>
+                  <a:latin typeface="Oxygen Light"/>
+                  <a:cs typeface="Oxygen Light"/>
+                </a:rPr>
+                <a:t>mongodb</a:t>
+              </a:r>
+              <a:r>
+                <a:rPr lang="en-US" sz="900" b="1" dirty="0" smtClean="0">
+                  <a:solidFill>
+                    <a:schemeClr val="tx1">
+                      <a:lumMod val="50000"/>
+                      <a:lumOff val="50000"/>
+                    </a:schemeClr>
+                  </a:solidFill>
+                  <a:latin typeface="Oxygen Light"/>
+                  <a:cs typeface="Oxygen Light"/>
+                </a:rPr>
+                <a:t>, </a:t>
+              </a:r>
+              <a:r>
+                <a:rPr lang="en-US" sz="900" dirty="0" smtClean="0">
+                  <a:solidFill>
+                    <a:schemeClr val="tx1">
+                      <a:lumMod val="50000"/>
+                      <a:lumOff val="50000"/>
+                    </a:schemeClr>
+                  </a:solidFill>
+                  <a:latin typeface="Oxygen Light"/>
+                  <a:cs typeface="Oxygen Light"/>
+                </a:rPr>
+                <a:t>and</a:t>
+              </a:r>
+              <a:r>
+                <a:rPr lang="en-US" sz="900" b="1" dirty="0" smtClean="0">
+                  <a:solidFill>
+                    <a:schemeClr val="tx1">
+                      <a:lumMod val="50000"/>
+                      <a:lumOff val="50000"/>
+                    </a:schemeClr>
+                  </a:solidFill>
+                  <a:latin typeface="Oxygen Light"/>
+                  <a:cs typeface="Oxygen Light"/>
+                </a:rPr>
+                <a:t> </a:t>
+              </a:r>
+              <a:r>
+                <a:rPr lang="en-US" sz="900" b="1" dirty="0" smtClean="0">
+                  <a:solidFill>
+                    <a:schemeClr val="tx2">
+                      <a:lumMod val="60000"/>
+                      <a:lumOff val="40000"/>
+                    </a:schemeClr>
+                  </a:solidFill>
+                  <a:latin typeface="Oxygen Light"/>
+                  <a:cs typeface="Oxygen Light"/>
+                </a:rPr>
+                <a:t>auth0</a:t>
+              </a:r>
+              <a:r>
+                <a:rPr lang="en-US" sz="900" b="1" dirty="0" smtClean="0">
+                  <a:solidFill>
+                    <a:schemeClr val="tx1">
+                      <a:lumMod val="50000"/>
+                      <a:lumOff val="50000"/>
+                    </a:schemeClr>
+                  </a:solidFill>
+                  <a:latin typeface="Oxygen Light"/>
+                  <a:cs typeface="Oxygen Light"/>
+                </a:rPr>
+                <a:t>.</a:t>
+              </a:r>
+            </a:p>
+            <a:p>
+              <a:pPr marL="628650" lvl="1" indent="-171450">
+                <a:lnSpc>
+                  <a:spcPct val="110000"/>
+                </a:lnSpc>
+                <a:buFont typeface="Lucida Grande"/>
+                <a:buChar char="-"/>
+              </a:pPr>
+              <a:r>
+                <a:rPr lang="en-US" sz="900" dirty="0" smtClean="0">
+                  <a:solidFill>
+                    <a:schemeClr val="tx1">
+                      <a:lumMod val="50000"/>
+                      <a:lumOff val="50000"/>
+                    </a:schemeClr>
+                  </a:solidFill>
+                  <a:latin typeface="Oxygen Light"/>
+                  <a:cs typeface="Oxygen Light"/>
+                </a:rPr>
+                <a:t>Developed a continuous integration</a:t>
+              </a:r>
+              <a:r>
+                <a:rPr lang="en-US" sz="900" b="1" dirty="0" smtClean="0">
+                  <a:solidFill>
+                    <a:schemeClr val="tx1">
+                      <a:lumMod val="65000"/>
+                      <a:lumOff val="35000"/>
+                    </a:schemeClr>
+                  </a:solidFill>
+                  <a:latin typeface="Oxygen Light"/>
+                  <a:cs typeface="Oxygen Light"/>
+                </a:rPr>
+                <a:t> </a:t>
+              </a:r>
+              <a:r>
+                <a:rPr lang="en-US" sz="900" dirty="0" smtClean="0">
+                  <a:solidFill>
+                    <a:schemeClr val="tx1">
+                      <a:lumMod val="50000"/>
+                      <a:lumOff val="50000"/>
+                    </a:schemeClr>
+                  </a:solidFill>
+                  <a:latin typeface="Oxygen Light"/>
+                  <a:cs typeface="Oxygen Light"/>
+                </a:rPr>
+                <a:t>deployment bot for the website build cycle using </a:t>
+              </a:r>
+              <a:r>
+                <a:rPr lang="en-US" sz="900" dirty="0" smtClean="0">
+                  <a:solidFill>
+                    <a:schemeClr val="bg1">
+                      <a:lumMod val="50000"/>
+                    </a:schemeClr>
+                  </a:solidFill>
+                  <a:latin typeface="Oxygen Light"/>
+                  <a:cs typeface="Oxygen Light"/>
+                </a:rPr>
+                <a:t>Slack API</a:t>
+              </a:r>
+              <a:r>
+                <a:rPr lang="en-US" sz="900" dirty="0" smtClean="0">
+                  <a:solidFill>
+                    <a:schemeClr val="tx1">
+                      <a:lumMod val="50000"/>
+                      <a:lumOff val="50000"/>
+                    </a:schemeClr>
+                  </a:solidFill>
+                  <a:latin typeface="Oxygen Light"/>
+                  <a:cs typeface="Oxygen Light"/>
+                </a:rPr>
+                <a:t>.</a:t>
+              </a:r>
+              <a:endParaRPr lang="en-US" sz="900" dirty="0">
+                <a:solidFill>
+                  <a:schemeClr val="tx1">
+                    <a:lumMod val="50000"/>
+                    <a:lumOff val="50000"/>
+                  </a:schemeClr>
+                </a:solidFill>
+                <a:latin typeface="Oxygen Light"/>
+                <a:cs typeface="Oxygen Light"/>
+              </a:endParaRPr>
+            </a:p>
+          </p:txBody>
+        </p:sp>
+      </p:grpSp>
+      <p:sp>
+        <p:nvSpPr>
+          <p:cNvPr id="170" name="TextBox 169"/>
+          <p:cNvSpPr txBox="1"/>
+          <p:nvPr/>
+        </p:nvSpPr>
+        <p:spPr>
+          <a:xfrm>
+            <a:off x="203481" y="4380149"/>
+            <a:ext cx="3392127" cy="230832"/>
+          </a:xfrm>
+          <a:prstGeom prst="rect">
+            <a:avLst/>
+          </a:prstGeom>
+          <a:noFill/>
+        </p:spPr>
+        <p:txBody>
+          <a:bodyPr wrap="square" rtlCol="0">
+            <a:spAutoFit/>
+          </a:bodyPr>
+          <a:lstStyle/>
+          <a:p>
+            <a:pPr marL="171450" indent="-171450">
+              <a:buFont typeface="Arial"/>
+              <a:buChar char="•"/>
+            </a:pPr>
+            <a:r>
+              <a:rPr lang="en-US" sz="900" b="1" dirty="0" smtClean="0">
+                <a:latin typeface="Roboto Regular"/>
+                <a:cs typeface="Roboto Regular"/>
+              </a:rPr>
+              <a:t>CSE250 : Data Structures in C++</a:t>
+            </a:r>
+          </a:p>
+        </p:txBody>
+      </p:sp>
+      <p:grpSp>
+        <p:nvGrpSpPr>
+          <p:cNvPr id="56" name="Group 55"/>
+          <p:cNvGrpSpPr/>
+          <p:nvPr/>
+        </p:nvGrpSpPr>
+        <p:grpSpPr>
+          <a:xfrm>
+            <a:off x="-252531" y="3472757"/>
+            <a:ext cx="7180270" cy="1451786"/>
+            <a:chOff x="-136296" y="3380679"/>
+            <a:chExt cx="7180270" cy="1451786"/>
+          </a:xfrm>
+        </p:grpSpPr>
+        <p:grpSp>
+          <p:nvGrpSpPr>
+            <p:cNvPr id="21" name="Group 20"/>
+            <p:cNvGrpSpPr/>
+            <p:nvPr/>
+          </p:nvGrpSpPr>
+          <p:grpSpPr>
+            <a:xfrm>
+              <a:off x="270640" y="3380679"/>
+              <a:ext cx="4794766" cy="617679"/>
+              <a:chOff x="1488327" y="4659743"/>
+              <a:chExt cx="4794766" cy="617679"/>
+            </a:xfrm>
+          </p:grpSpPr>
+          <p:grpSp>
+            <p:nvGrpSpPr>
+              <p:cNvPr id="13" name="Group 12"/>
+              <p:cNvGrpSpPr/>
+              <p:nvPr/>
+            </p:nvGrpSpPr>
+            <p:grpSpPr>
+              <a:xfrm>
+                <a:off x="1488327" y="4659743"/>
+                <a:ext cx="2550708" cy="343150"/>
+                <a:chOff x="1488327" y="4659743"/>
+                <a:chExt cx="2550708" cy="343150"/>
+              </a:xfrm>
+            </p:grpSpPr>
+            <p:sp>
+              <p:nvSpPr>
+                <p:cNvPr id="71" name="TextBox 70"/>
+                <p:cNvSpPr txBox="1"/>
+                <p:nvPr/>
+              </p:nvSpPr>
+              <p:spPr>
+                <a:xfrm>
+                  <a:off x="2855016" y="4659743"/>
+                  <a:ext cx="1184019" cy="323165"/>
                 </a:xfrm>
                 <a:prstGeom prst="rect">
                   <a:avLst/>
@@ -7489,14 +8321,14 @@
             </p:sp>
             <p:sp>
               <p:nvSpPr>
-                <p:cNvPr id="158" name="TextBox 157"/>
+                <p:cNvPr id="81" name="TextBox 80"/>
                 <p:cNvSpPr txBox="1"/>
                 <p:nvPr/>
               </p:nvSpPr>
               <p:spPr>
                 <a:xfrm>
-                  <a:off x="237582" y="1869144"/>
-                  <a:ext cx="4123749" cy="553998"/>
+                  <a:off x="1488327" y="4741283"/>
+                  <a:ext cx="1558718" cy="261610"/>
                 </a:xfrm>
                 <a:prstGeom prst="rect">
                   <a:avLst/>
@@ -7515,276 +8347,37 @@
                       <a:latin typeface="Oxygen Light"/>
                       <a:cs typeface="Oxygen Light"/>
                     </a:rPr>
-                    <a:t>Stark &amp; Wayne, LLC  </a:t>
+                    <a:t>University at Buffalo</a:t>
                   </a:r>
-                  <a:r>
-                    <a:rPr lang="en-US" sz="1200" b="1" dirty="0" smtClean="0">
-                      <a:latin typeface="Oxygen Light"/>
-                      <a:cs typeface="Oxygen Light"/>
-                    </a:rPr>
-                    <a:t>    </a:t>
-                  </a:r>
-                  <a:r>
-                    <a:rPr lang="en-US" sz="1000" dirty="0" smtClean="0">
-                      <a:latin typeface="Oxygen Light"/>
-                      <a:cs typeface="Oxygen Light"/>
-                    </a:rPr>
-                    <a:t>Cloud Engineering Intern</a:t>
-                  </a:r>
-                  <a:r>
-                    <a:rPr lang="en-US" sz="1100" b="1" dirty="0" smtClean="0"/>
-                    <a:t>     </a:t>
-                  </a:r>
-                  <a:r>
-                    <a:rPr lang="en-US" sz="1000" dirty="0" smtClean="0">
-                      <a:latin typeface="Oxygen Light"/>
-                      <a:cs typeface="Oxygen Light"/>
-                    </a:rPr>
-                    <a:t>Buffalo, NY</a:t>
-                  </a:r>
-                  <a:endParaRPr lang="en-US" dirty="0"/>
-                </a:p>
-                <a:p>
                   <a:endParaRPr lang="en-US" dirty="0"/>
                 </a:p>
               </p:txBody>
             </p:sp>
           </p:grpSp>
-          <p:sp>
-            <p:nvSpPr>
-              <p:cNvPr id="160" name="TextBox 159"/>
-              <p:cNvSpPr txBox="1"/>
-              <p:nvPr/>
-            </p:nvSpPr>
-            <p:spPr>
-              <a:xfrm>
-                <a:off x="-189357" y="1308792"/>
-                <a:ext cx="5665661" cy="397032"/>
-              </a:xfrm>
-              <a:prstGeom prst="rect">
-                <a:avLst/>
-              </a:prstGeom>
-              <a:noFill/>
-            </p:spPr>
-            <p:txBody>
-              <a:bodyPr wrap="square" rtlCol="0">
-                <a:spAutoFit/>
-              </a:bodyPr>
-              <a:lstStyle/>
-              <a:p>
-                <a:pPr marL="628650" lvl="1" indent="-171450">
-                  <a:lnSpc>
-                    <a:spcPct val="110000"/>
-                  </a:lnSpc>
-                  <a:buFont typeface="Lucida Grande"/>
-                  <a:buChar char="-"/>
-                </a:pPr>
-                <a:r>
-                  <a:rPr lang="en-US" sz="900" dirty="0" smtClean="0">
-                    <a:solidFill>
-                      <a:schemeClr val="tx1">
-                        <a:lumMod val="50000"/>
-                        <a:lumOff val="50000"/>
-                      </a:schemeClr>
-                    </a:solidFill>
-                    <a:latin typeface="Oxygen Light"/>
-                    <a:cs typeface="Oxygen Light"/>
-                  </a:rPr>
-                  <a:t>Currently working with cloud native technologies such as </a:t>
-                </a:r>
-                <a:r>
-                  <a:rPr lang="en-US" sz="900" b="1" dirty="0" smtClean="0">
-                    <a:solidFill>
-                      <a:schemeClr val="tx2">
-                        <a:lumMod val="60000"/>
-                        <a:lumOff val="40000"/>
-                      </a:schemeClr>
-                    </a:solidFill>
-                    <a:latin typeface="Oxygen Light"/>
-                    <a:cs typeface="Oxygen Light"/>
-                  </a:rPr>
-                  <a:t>Cloud Foundry, Bosh</a:t>
-                </a:r>
-                <a:r>
-                  <a:rPr lang="en-US" sz="900" b="1" dirty="0" smtClean="0">
-                    <a:solidFill>
-                      <a:schemeClr val="tx1">
-                        <a:lumMod val="50000"/>
-                        <a:lumOff val="50000"/>
-                      </a:schemeClr>
-                    </a:solidFill>
-                    <a:latin typeface="Oxygen Light"/>
-                    <a:cs typeface="Oxygen Light"/>
-                  </a:rPr>
-                  <a:t>, </a:t>
-                </a:r>
-                <a:r>
-                  <a:rPr lang="en-US" sz="900" dirty="0" smtClean="0">
-                    <a:solidFill>
-                      <a:schemeClr val="tx1">
-                        <a:lumMod val="50000"/>
-                        <a:lumOff val="50000"/>
-                      </a:schemeClr>
-                    </a:solidFill>
-                    <a:latin typeface="Oxygen Light"/>
-                    <a:cs typeface="Oxygen Light"/>
-                  </a:rPr>
-                  <a:t>and</a:t>
-                </a:r>
-                <a:r>
-                  <a:rPr lang="en-US" sz="900" b="1" dirty="0" smtClean="0">
-                    <a:solidFill>
-                      <a:schemeClr val="tx1">
-                        <a:lumMod val="50000"/>
-                        <a:lumOff val="50000"/>
-                      </a:schemeClr>
-                    </a:solidFill>
-                    <a:latin typeface="Oxygen Light"/>
-                    <a:cs typeface="Oxygen Light"/>
-                  </a:rPr>
-                  <a:t> </a:t>
-                </a:r>
-                <a:r>
-                  <a:rPr lang="en-US" sz="900" b="1" dirty="0" smtClean="0">
-                    <a:solidFill>
-                      <a:schemeClr val="tx2">
-                        <a:lumMod val="60000"/>
-                        <a:lumOff val="40000"/>
-                      </a:schemeClr>
-                    </a:solidFill>
-                    <a:latin typeface="Oxygen Light"/>
-                    <a:cs typeface="Oxygen Light"/>
-                  </a:rPr>
-                  <a:t>Concourse</a:t>
-                </a:r>
-                <a:r>
-                  <a:rPr lang="en-US" sz="900" b="1" dirty="0" smtClean="0">
-                    <a:solidFill>
-                      <a:schemeClr val="tx1">
-                        <a:lumMod val="50000"/>
-                        <a:lumOff val="50000"/>
-                      </a:schemeClr>
-                    </a:solidFill>
-                    <a:latin typeface="Oxygen Light"/>
-                    <a:cs typeface="Oxygen Light"/>
-                  </a:rPr>
-                  <a:t>. </a:t>
-                </a:r>
-                <a:r>
-                  <a:rPr lang="en-US" sz="900" dirty="0" smtClean="0">
-                    <a:solidFill>
-                      <a:schemeClr val="tx1">
-                        <a:lumMod val="50000"/>
-                        <a:lumOff val="50000"/>
-                      </a:schemeClr>
-                    </a:solidFill>
-                    <a:latin typeface="Oxygen Light"/>
-                    <a:cs typeface="Oxygen Light"/>
-                  </a:rPr>
-                  <a:t>More details about the project will be updated at http://brijeshrakholia.me soon.</a:t>
-                </a:r>
-                <a:endParaRPr lang="en-US" sz="900" dirty="0">
-                  <a:solidFill>
-                    <a:schemeClr val="tx1">
-                      <a:lumMod val="50000"/>
-                      <a:lumOff val="50000"/>
-                    </a:schemeClr>
-                  </a:solidFill>
-                  <a:latin typeface="Oxygen Light"/>
-                  <a:cs typeface="Oxygen Light"/>
-                </a:endParaRPr>
-              </a:p>
-            </p:txBody>
-          </p:sp>
-          <p:sp>
-            <p:nvSpPr>
-              <p:cNvPr id="161" name="TextBox 160"/>
-              <p:cNvSpPr txBox="1"/>
-              <p:nvPr/>
-            </p:nvSpPr>
-            <p:spPr>
-              <a:xfrm>
-                <a:off x="5529807" y="1161652"/>
-                <a:ext cx="1289135" cy="246221"/>
-              </a:xfrm>
-              <a:prstGeom prst="rect">
-                <a:avLst/>
-              </a:prstGeom>
-              <a:noFill/>
-            </p:spPr>
-            <p:txBody>
-              <a:bodyPr wrap="none" rtlCol="0">
-                <a:spAutoFit/>
-              </a:bodyPr>
-              <a:lstStyle/>
-              <a:p>
-                <a:r>
-                  <a:rPr lang="en-US" sz="1000" dirty="0" smtClean="0">
-                    <a:latin typeface="Oxygen Light"/>
-                    <a:cs typeface="Oxygen Light"/>
-                  </a:rPr>
-                  <a:t>June 2017 </a:t>
-                </a:r>
-                <a:r>
-                  <a:rPr lang="mr-IN" sz="1000" dirty="0" smtClean="0">
-                    <a:latin typeface="Oxygen Light"/>
-                    <a:cs typeface="Oxygen Light"/>
-                  </a:rPr>
-                  <a:t>–</a:t>
-                </a:r>
-                <a:r>
-                  <a:rPr lang="en-US" sz="1000" dirty="0" smtClean="0">
-                    <a:latin typeface="Oxygen Light"/>
-                    <a:cs typeface="Oxygen Light"/>
-                  </a:rPr>
-                  <a:t> Present </a:t>
-                </a:r>
-                <a:endParaRPr lang="en-US" sz="1000" dirty="0">
-                  <a:latin typeface="Oxygen Light"/>
-                  <a:cs typeface="Oxygen Light"/>
-                </a:endParaRPr>
-              </a:p>
-            </p:txBody>
-          </p:sp>
-        </p:grpSp>
-        <p:grpSp>
-          <p:nvGrpSpPr>
-            <p:cNvPr id="162" name="Group 161"/>
-            <p:cNvGrpSpPr/>
-            <p:nvPr/>
-          </p:nvGrpSpPr>
-          <p:grpSpPr>
-            <a:xfrm>
-              <a:off x="-190169" y="1649177"/>
-              <a:ext cx="6998744" cy="796237"/>
-              <a:chOff x="-189357" y="1061936"/>
-              <a:chExt cx="6998744" cy="796237"/>
-            </a:xfrm>
-          </p:grpSpPr>
           <p:grpSp>
             <p:nvGrpSpPr>
-              <p:cNvPr id="163" name="Group 162"/>
+              <p:cNvPr id="14" name="Group 13"/>
               <p:cNvGrpSpPr/>
               <p:nvPr/>
             </p:nvGrpSpPr>
             <p:grpSpPr>
               <a:xfrm>
-                <a:off x="270045" y="1061936"/>
-                <a:ext cx="4123749" cy="617262"/>
-                <a:chOff x="246143" y="1813390"/>
-                <a:chExt cx="4123749" cy="617262"/>
+                <a:off x="2982814" y="4660322"/>
+                <a:ext cx="3300279" cy="617100"/>
+                <a:chOff x="3020523" y="3925371"/>
+                <a:chExt cx="3300279" cy="617100"/>
               </a:xfrm>
             </p:grpSpPr>
             <p:sp>
               <p:nvSpPr>
-                <p:cNvPr id="166" name="TextBox 165"/>
+                <p:cNvPr id="70" name="TextBox 69"/>
                 <p:cNvSpPr txBox="1"/>
                 <p:nvPr/>
               </p:nvSpPr>
               <p:spPr>
                 <a:xfrm>
-                  <a:off x="562258" y="1813390"/>
-                  <a:ext cx="235912" cy="323165"/>
+                  <a:off x="4246580" y="3925371"/>
+                  <a:ext cx="2074222" cy="323165"/>
                 </a:xfrm>
                 <a:prstGeom prst="rect">
                   <a:avLst/>
@@ -7807,14 +8400,14 @@
             </p:sp>
             <p:sp>
               <p:nvSpPr>
-                <p:cNvPr id="167" name="TextBox 166"/>
+                <p:cNvPr id="2" name="TextBox 1"/>
                 <p:cNvSpPr txBox="1"/>
                 <p:nvPr/>
               </p:nvSpPr>
               <p:spPr>
                 <a:xfrm>
-                  <a:off x="2404069" y="1818522"/>
-                  <a:ext cx="417160" cy="323165"/>
+                  <a:off x="3020523" y="4019251"/>
+                  <a:ext cx="2143536" cy="523220"/>
                 </a:xfrm>
                 <a:prstGeom prst="rect">
                   <a:avLst/>
@@ -7822,82 +8415,20 @@
                 <a:noFill/>
               </p:spPr>
               <p:txBody>
-                <a:bodyPr wrap="square" rtlCol="0">
-                  <a:spAutoFit/>
-                </a:bodyPr>
-                <a:lstStyle/>
-                <a:p>
-                  <a:r>
-                    <a:rPr lang="en-US" sz="1500" dirty="0" smtClean="0"/>
-                    <a:t>.</a:t>
-                  </a:r>
-                  <a:endParaRPr lang="en-US" sz="1500" dirty="0"/>
-                </a:p>
-              </p:txBody>
-            </p:sp>
-            <p:sp>
-              <p:nvSpPr>
-                <p:cNvPr id="168" name="TextBox 167"/>
-                <p:cNvSpPr txBox="1"/>
-                <p:nvPr/>
-              </p:nvSpPr>
-              <p:spPr>
-                <a:xfrm>
-                  <a:off x="246143" y="1876654"/>
-                  <a:ext cx="4123749" cy="553998"/>
-                </a:xfrm>
-                <a:prstGeom prst="rect">
-                  <a:avLst/>
-                </a:prstGeom>
-                <a:noFill/>
-              </p:spPr>
-              <p:txBody>
-                <a:bodyPr wrap="square" rtlCol="0">
+                <a:bodyPr wrap="none" rtlCol="0">
                   <a:spAutoFit/>
                 </a:bodyPr>
                 <a:lstStyle/>
                 <a:p>
                   <a:pPr marL="0" lvl="3"/>
                   <a:r>
-                    <a:rPr lang="en-US" sz="1100" b="1" dirty="0" err="1" smtClean="0">
-                      <a:latin typeface="Oxygen Light"/>
-                      <a:cs typeface="Oxygen Light"/>
-                    </a:rPr>
-                    <a:t>Tutr</a:t>
-                  </a:r>
-                  <a:r>
-                    <a:rPr lang="en-US" sz="1100" b="1" dirty="0" smtClean="0">
-                      <a:latin typeface="Oxygen Light"/>
-                      <a:cs typeface="Oxygen Light"/>
-                    </a:rPr>
-                    <a:t>  </a:t>
-                  </a:r>
-                  <a:r>
-                    <a:rPr lang="en-US" sz="1200" b="1" dirty="0" smtClean="0">
-                      <a:latin typeface="Oxygen Light"/>
-                      <a:cs typeface="Oxygen Light"/>
-                    </a:rPr>
-                    <a:t>   </a:t>
-                  </a:r>
-                  <a:r>
                     <a:rPr lang="en-US" sz="1000" dirty="0" smtClean="0">
                       <a:latin typeface="Oxygen Light"/>
                       <a:cs typeface="Oxygen Light"/>
                     </a:rPr>
-                    <a:t>Co-founder, Backend Engineer</a:t>
+                    <a:t>Computer Science TA     Buffalo, NY</a:t>
                   </a:r>
-                  <a:r>
-                    <a:rPr lang="en-US" sz="1100" b="1" dirty="0" smtClean="0"/>
-                    <a:t>      </a:t>
-                  </a:r>
-                  <a:r>
-                    <a:rPr lang="en-US" sz="1000" dirty="0" smtClean="0">
-                      <a:latin typeface="Oxygen Light"/>
-                      <a:cs typeface="Oxygen Light"/>
-                    </a:rPr>
-                    <a:t>Buffalo, NY</a:t>
-                  </a:r>
-                  <a:endParaRPr lang="en-US" dirty="0"/>
+                  <a:endParaRPr lang="en-US" dirty="0" smtClean="0"/>
                 </a:p>
                 <a:p>
                   <a:endParaRPr lang="en-US" dirty="0"/>
@@ -7905,399 +8436,66 @@
               </p:txBody>
             </p:sp>
           </p:grpSp>
-          <p:sp>
-            <p:nvSpPr>
-              <p:cNvPr id="164" name="TextBox 163"/>
-              <p:cNvSpPr txBox="1"/>
-              <p:nvPr/>
-            </p:nvSpPr>
-            <p:spPr>
-              <a:xfrm>
-                <a:off x="-189357" y="1308792"/>
-                <a:ext cx="5869964" cy="549381"/>
-              </a:xfrm>
-              <a:prstGeom prst="rect">
-                <a:avLst/>
-              </a:prstGeom>
-              <a:noFill/>
-            </p:spPr>
-            <p:txBody>
-              <a:bodyPr wrap="square" rtlCol="0">
-                <a:spAutoFit/>
-              </a:bodyPr>
-              <a:lstStyle/>
-              <a:p>
-                <a:pPr marL="628650" lvl="1" indent="-171450">
-                  <a:lnSpc>
-                    <a:spcPct val="110000"/>
-                  </a:lnSpc>
-                  <a:buFont typeface="Lucida Grande"/>
-                  <a:buChar char="-"/>
-                </a:pPr>
-                <a:r>
-                  <a:rPr lang="en-US" sz="900" dirty="0" err="1" smtClean="0">
-                    <a:solidFill>
-                      <a:schemeClr val="tx1">
-                        <a:lumMod val="50000"/>
-                        <a:lumOff val="50000"/>
-                      </a:schemeClr>
-                    </a:solidFill>
-                    <a:latin typeface="Oxygen Light"/>
-                    <a:cs typeface="Oxygen Light"/>
-                  </a:rPr>
-                  <a:t>Tutr</a:t>
-                </a:r>
-                <a:r>
-                  <a:rPr lang="en-US" sz="900" dirty="0" smtClean="0">
-                    <a:solidFill>
-                      <a:schemeClr val="tx1">
-                        <a:lumMod val="50000"/>
-                        <a:lumOff val="50000"/>
-                      </a:schemeClr>
-                    </a:solidFill>
-                    <a:latin typeface="Oxygen Light"/>
-                    <a:cs typeface="Oxygen Light"/>
-                  </a:rPr>
-                  <a:t> is a web application that provides on-demand tutoring service for college students, just like Uber.</a:t>
-                </a:r>
-              </a:p>
-              <a:p>
-                <a:pPr marL="628650" lvl="1" indent="-171450">
-                  <a:lnSpc>
-                    <a:spcPct val="110000"/>
-                  </a:lnSpc>
-                  <a:buFont typeface="Lucida Grande"/>
-                  <a:buChar char="-"/>
-                </a:pPr>
-                <a:r>
-                  <a:rPr lang="en-US" sz="900" dirty="0" smtClean="0">
-                    <a:solidFill>
-                      <a:schemeClr val="tx1">
-                        <a:lumMod val="50000"/>
-                        <a:lumOff val="50000"/>
-                      </a:schemeClr>
-                    </a:solidFill>
-                    <a:latin typeface="Oxygen Light"/>
-                    <a:cs typeface="Oxygen Light"/>
-                  </a:rPr>
-                  <a:t>Built the </a:t>
-                </a:r>
-                <a:r>
-                  <a:rPr lang="en-US" sz="900" dirty="0" err="1">
-                    <a:solidFill>
-                      <a:schemeClr val="tx1">
-                        <a:lumMod val="50000"/>
-                        <a:lumOff val="50000"/>
-                      </a:schemeClr>
-                    </a:solidFill>
-                    <a:latin typeface="Oxygen Light"/>
-                    <a:cs typeface="Oxygen Light"/>
-                  </a:rPr>
-                  <a:t>T</a:t>
-                </a:r>
-                <a:r>
-                  <a:rPr lang="en-US" sz="900" dirty="0" err="1" smtClean="0">
-                    <a:solidFill>
-                      <a:schemeClr val="tx1">
-                        <a:lumMod val="50000"/>
-                        <a:lumOff val="50000"/>
-                      </a:schemeClr>
-                    </a:solidFill>
-                    <a:latin typeface="Oxygen Light"/>
-                    <a:cs typeface="Oxygen Light"/>
-                  </a:rPr>
-                  <a:t>utr</a:t>
-                </a:r>
-                <a:r>
-                  <a:rPr lang="en-US" sz="900" dirty="0" smtClean="0">
-                    <a:solidFill>
-                      <a:schemeClr val="tx1">
-                        <a:lumMod val="50000"/>
-                        <a:lumOff val="50000"/>
-                      </a:schemeClr>
-                    </a:solidFill>
-                    <a:latin typeface="Oxygen Light"/>
-                    <a:cs typeface="Oxygen Light"/>
-                  </a:rPr>
-                  <a:t> backend infrastructure using </a:t>
-                </a:r>
-                <a:r>
-                  <a:rPr lang="en-US" sz="900" b="1" dirty="0" err="1" smtClean="0">
-                    <a:solidFill>
-                      <a:schemeClr val="tx2">
-                        <a:lumMod val="60000"/>
-                        <a:lumOff val="40000"/>
-                      </a:schemeClr>
-                    </a:solidFill>
-                    <a:latin typeface="Oxygen Light"/>
-                    <a:cs typeface="Oxygen Light"/>
-                  </a:rPr>
-                  <a:t>nodejs</a:t>
-                </a:r>
-                <a:r>
-                  <a:rPr lang="en-US" sz="900" b="1" dirty="0" smtClean="0">
-                    <a:solidFill>
-                      <a:schemeClr val="tx2">
-                        <a:lumMod val="60000"/>
-                        <a:lumOff val="40000"/>
-                      </a:schemeClr>
-                    </a:solidFill>
-                    <a:latin typeface="Oxygen Light"/>
-                    <a:cs typeface="Oxygen Light"/>
-                  </a:rPr>
-                  <a:t>, </a:t>
-                </a:r>
-                <a:r>
-                  <a:rPr lang="en-US" sz="900" b="1" dirty="0" err="1" smtClean="0">
-                    <a:solidFill>
-                      <a:schemeClr val="tx2">
-                        <a:lumMod val="60000"/>
-                        <a:lumOff val="40000"/>
-                      </a:schemeClr>
-                    </a:solidFill>
-                    <a:latin typeface="Oxygen Light"/>
-                    <a:cs typeface="Oxygen Light"/>
-                  </a:rPr>
-                  <a:t>socket.io</a:t>
-                </a:r>
-                <a:r>
-                  <a:rPr lang="en-US" sz="900" b="1" dirty="0" smtClean="0">
-                    <a:solidFill>
-                      <a:schemeClr val="tx2">
-                        <a:lumMod val="60000"/>
-                        <a:lumOff val="40000"/>
-                      </a:schemeClr>
-                    </a:solidFill>
-                    <a:latin typeface="Oxygen Light"/>
-                    <a:cs typeface="Oxygen Light"/>
-                  </a:rPr>
-                  <a:t>, </a:t>
-                </a:r>
-                <a:r>
-                  <a:rPr lang="en-US" sz="900" b="1" dirty="0" err="1" smtClean="0">
-                    <a:solidFill>
-                      <a:schemeClr val="tx2">
-                        <a:lumMod val="60000"/>
-                        <a:lumOff val="40000"/>
-                      </a:schemeClr>
-                    </a:solidFill>
-                    <a:latin typeface="Oxygen Light"/>
-                    <a:cs typeface="Oxygen Light"/>
-                  </a:rPr>
-                  <a:t>mongodb</a:t>
-                </a:r>
-                <a:r>
-                  <a:rPr lang="en-US" sz="900" b="1" dirty="0" smtClean="0">
-                    <a:solidFill>
-                      <a:schemeClr val="tx1">
-                        <a:lumMod val="50000"/>
-                        <a:lumOff val="50000"/>
-                      </a:schemeClr>
-                    </a:solidFill>
-                    <a:latin typeface="Oxygen Light"/>
-                    <a:cs typeface="Oxygen Light"/>
-                  </a:rPr>
-                  <a:t>, </a:t>
-                </a:r>
-                <a:r>
-                  <a:rPr lang="en-US" sz="900" dirty="0" smtClean="0">
-                    <a:solidFill>
-                      <a:schemeClr val="tx1">
-                        <a:lumMod val="50000"/>
-                        <a:lumOff val="50000"/>
-                      </a:schemeClr>
-                    </a:solidFill>
-                    <a:latin typeface="Oxygen Light"/>
-                    <a:cs typeface="Oxygen Light"/>
-                  </a:rPr>
-                  <a:t>and</a:t>
-                </a:r>
-                <a:r>
-                  <a:rPr lang="en-US" sz="900" b="1" dirty="0" smtClean="0">
-                    <a:solidFill>
-                      <a:schemeClr val="tx1">
-                        <a:lumMod val="50000"/>
-                        <a:lumOff val="50000"/>
-                      </a:schemeClr>
-                    </a:solidFill>
-                    <a:latin typeface="Oxygen Light"/>
-                    <a:cs typeface="Oxygen Light"/>
-                  </a:rPr>
-                  <a:t> </a:t>
-                </a:r>
-                <a:r>
-                  <a:rPr lang="en-US" sz="900" b="1" dirty="0" smtClean="0">
-                    <a:solidFill>
-                      <a:schemeClr val="tx2">
-                        <a:lumMod val="60000"/>
-                        <a:lumOff val="40000"/>
-                      </a:schemeClr>
-                    </a:solidFill>
-                    <a:latin typeface="Oxygen Light"/>
-                    <a:cs typeface="Oxygen Light"/>
-                  </a:rPr>
-                  <a:t>auth0</a:t>
-                </a:r>
-                <a:r>
-                  <a:rPr lang="en-US" sz="900" b="1" dirty="0" smtClean="0">
-                    <a:solidFill>
-                      <a:schemeClr val="tx1">
-                        <a:lumMod val="50000"/>
-                        <a:lumOff val="50000"/>
-                      </a:schemeClr>
-                    </a:solidFill>
-                    <a:latin typeface="Oxygen Light"/>
-                    <a:cs typeface="Oxygen Light"/>
-                  </a:rPr>
-                  <a:t>.</a:t>
-                </a:r>
-              </a:p>
-              <a:p>
-                <a:pPr marL="628650" lvl="1" indent="-171450">
-                  <a:lnSpc>
-                    <a:spcPct val="110000"/>
-                  </a:lnSpc>
-                  <a:buFont typeface="Lucida Grande"/>
-                  <a:buChar char="-"/>
-                </a:pPr>
-                <a:r>
-                  <a:rPr lang="en-US" sz="900" dirty="0" smtClean="0">
-                    <a:solidFill>
-                      <a:schemeClr val="tx1">
-                        <a:lumMod val="50000"/>
-                        <a:lumOff val="50000"/>
-                      </a:schemeClr>
-                    </a:solidFill>
-                    <a:latin typeface="Oxygen Light"/>
-                    <a:cs typeface="Oxygen Light"/>
-                  </a:rPr>
-                  <a:t>Developed a </a:t>
-                </a:r>
-                <a:r>
-                  <a:rPr lang="en-US" sz="900" b="1" dirty="0" smtClean="0">
-                    <a:solidFill>
-                      <a:schemeClr val="tx2">
-                        <a:lumMod val="60000"/>
-                        <a:lumOff val="40000"/>
-                      </a:schemeClr>
-                    </a:solidFill>
-                    <a:latin typeface="Oxygen Light"/>
-                    <a:cs typeface="Oxygen Light"/>
-                  </a:rPr>
-                  <a:t>continuous integration </a:t>
-                </a:r>
-                <a:r>
-                  <a:rPr lang="en-US" sz="900" dirty="0" smtClean="0">
-                    <a:solidFill>
-                      <a:schemeClr val="tx1">
-                        <a:lumMod val="50000"/>
-                        <a:lumOff val="50000"/>
-                      </a:schemeClr>
-                    </a:solidFill>
-                    <a:latin typeface="Oxygen Light"/>
-                    <a:cs typeface="Oxygen Light"/>
-                  </a:rPr>
-                  <a:t>deployment bot for the website build cycle using </a:t>
-                </a:r>
-                <a:r>
-                  <a:rPr lang="en-US" sz="900" b="1" dirty="0" smtClean="0">
-                    <a:solidFill>
-                      <a:schemeClr val="tx2">
-                        <a:lumMod val="60000"/>
-                        <a:lumOff val="40000"/>
-                      </a:schemeClr>
-                    </a:solidFill>
-                    <a:latin typeface="Oxygen Light"/>
-                    <a:cs typeface="Oxygen Light"/>
-                  </a:rPr>
-                  <a:t>Slack API</a:t>
-                </a:r>
-                <a:r>
-                  <a:rPr lang="en-US" sz="900" dirty="0" smtClean="0">
-                    <a:solidFill>
-                      <a:schemeClr val="tx1">
-                        <a:lumMod val="50000"/>
-                        <a:lumOff val="50000"/>
-                      </a:schemeClr>
-                    </a:solidFill>
-                    <a:latin typeface="Oxygen Light"/>
-                    <a:cs typeface="Oxygen Light"/>
-                  </a:rPr>
-                  <a:t>.</a:t>
-                </a:r>
-                <a:endParaRPr lang="en-US" sz="900" dirty="0">
-                  <a:solidFill>
-                    <a:schemeClr val="tx1">
-                      <a:lumMod val="50000"/>
-                      <a:lumOff val="50000"/>
-                    </a:schemeClr>
-                  </a:solidFill>
-                  <a:latin typeface="Oxygen Light"/>
-                  <a:cs typeface="Oxygen Light"/>
-                </a:endParaRPr>
-              </a:p>
-            </p:txBody>
-          </p:sp>
-          <p:sp>
-            <p:nvSpPr>
-              <p:cNvPr id="165" name="TextBox 164"/>
-              <p:cNvSpPr txBox="1"/>
-              <p:nvPr/>
-            </p:nvSpPr>
-            <p:spPr>
-              <a:xfrm>
-                <a:off x="5460941" y="1171076"/>
-                <a:ext cx="1348446" cy="246221"/>
-              </a:xfrm>
-              <a:prstGeom prst="rect">
-                <a:avLst/>
-              </a:prstGeom>
-              <a:noFill/>
-            </p:spPr>
-            <p:txBody>
-              <a:bodyPr wrap="none" rtlCol="0">
-                <a:spAutoFit/>
-              </a:bodyPr>
-              <a:lstStyle/>
-              <a:p>
-                <a:r>
-                  <a:rPr lang="en-US" sz="1000" dirty="0" smtClean="0">
-                    <a:latin typeface="Oxygen Light"/>
-                    <a:cs typeface="Oxygen Light"/>
-                  </a:rPr>
-                  <a:t>Aug 2016 </a:t>
-                </a:r>
-                <a:r>
-                  <a:rPr lang="mr-IN" sz="1000" dirty="0" smtClean="0">
-                    <a:latin typeface="Oxygen Light"/>
-                    <a:cs typeface="Oxygen Light"/>
-                  </a:rPr>
-                  <a:t>–</a:t>
-                </a:r>
-                <a:r>
-                  <a:rPr lang="en-US" sz="1000" dirty="0" smtClean="0">
-                    <a:latin typeface="Oxygen Light"/>
-                    <a:cs typeface="Oxygen Light"/>
-                  </a:rPr>
-                  <a:t> Dec 2016</a:t>
-                </a:r>
-                <a:endParaRPr lang="en-US" sz="1000" dirty="0">
-                  <a:latin typeface="Oxygen Light"/>
-                  <a:cs typeface="Oxygen Light"/>
-                </a:endParaRPr>
-              </a:p>
-            </p:txBody>
-          </p:sp>
         </p:grpSp>
         <p:sp>
           <p:nvSpPr>
-            <p:cNvPr id="170" name="TextBox 169"/>
+            <p:cNvPr id="84" name="TextBox 83"/>
             <p:cNvSpPr txBox="1"/>
             <p:nvPr/>
           </p:nvSpPr>
           <p:spPr>
             <a:xfrm>
-              <a:off x="319716" y="4967517"/>
+              <a:off x="5422888" y="3460769"/>
+              <a:ext cx="1359668" cy="246221"/>
+            </a:xfrm>
+            <a:prstGeom prst="rect">
+              <a:avLst/>
+            </a:prstGeom>
+            <a:noFill/>
+          </p:spPr>
+          <p:txBody>
+            <a:bodyPr wrap="none" rtlCol="0">
+              <a:spAutoFit/>
+            </a:bodyPr>
+            <a:lstStyle/>
+            <a:p>
+              <a:r>
+                <a:rPr lang="en-US" sz="1000" dirty="0" smtClean="0">
+                  <a:latin typeface="Oxygen Light"/>
+                  <a:cs typeface="Oxygen Light"/>
+                </a:rPr>
+                <a:t>Aug 2016 </a:t>
+              </a:r>
+              <a:r>
+                <a:rPr lang="mr-IN" sz="1000" dirty="0" smtClean="0">
+                  <a:latin typeface="Oxygen Light"/>
+                  <a:cs typeface="Oxygen Light"/>
+                </a:rPr>
+                <a:t>–</a:t>
+              </a:r>
+              <a:r>
+                <a:rPr lang="en-US" sz="1000" dirty="0" smtClean="0">
+                  <a:latin typeface="Oxygen Light"/>
+                  <a:cs typeface="Oxygen Light"/>
+                </a:rPr>
+                <a:t> May 2017</a:t>
+              </a:r>
+              <a:endParaRPr lang="en-US" sz="1000" dirty="0">
+                <a:latin typeface="Oxygen Light"/>
+                <a:cs typeface="Oxygen Light"/>
+              </a:endParaRPr>
+            </a:p>
+          </p:txBody>
+        </p:sp>
+        <p:sp>
+          <p:nvSpPr>
+            <p:cNvPr id="169" name="TextBox 168"/>
+            <p:cNvSpPr txBox="1"/>
+            <p:nvPr/>
+          </p:nvSpPr>
+          <p:spPr>
+            <a:xfrm>
+              <a:off x="319717" y="3656249"/>
               <a:ext cx="3392127" cy="230832"/>
             </a:xfrm>
             <a:prstGeom prst="rect">
@@ -8320,454 +8518,114 @@
                   <a:latin typeface="Roboto Regular"/>
                   <a:cs typeface="Roboto Regular"/>
                 </a:rPr>
-                <a:t>CSE250 : Data Structures in C++</a:t>
+                <a:t>CSE421/521 : Operating Systems (OS/161 by Harvard)</a:t>
               </a:r>
             </a:p>
           </p:txBody>
         </p:sp>
-        <p:grpSp>
-          <p:nvGrpSpPr>
-            <p:cNvPr id="56" name="Group 55"/>
-            <p:cNvGrpSpPr/>
+        <p:sp>
+          <p:nvSpPr>
+            <p:cNvPr id="171" name="TextBox 170"/>
+            <p:cNvSpPr txBox="1"/>
             <p:nvPr/>
-          </p:nvGrpSpPr>
-          <p:grpSpPr>
+          </p:nvSpPr>
+          <p:spPr>
             <a:xfrm>
-              <a:off x="-136296" y="4060704"/>
-              <a:ext cx="7180270" cy="1451207"/>
-              <a:chOff x="-136296" y="4076202"/>
-              <a:chExt cx="7180270" cy="1451207"/>
+              <a:off x="3651847" y="3660268"/>
+              <a:ext cx="3392127" cy="230832"/>
             </a:xfrm>
-          </p:grpSpPr>
-          <p:grpSp>
-            <p:nvGrpSpPr>
-              <p:cNvPr id="21" name="Group 20"/>
-              <p:cNvGrpSpPr/>
-              <p:nvPr/>
-            </p:nvGrpSpPr>
-            <p:grpSpPr>
-              <a:xfrm>
-                <a:off x="270640" y="4076202"/>
-                <a:ext cx="4794766" cy="617100"/>
-                <a:chOff x="1488327" y="5355266"/>
-                <a:chExt cx="4794766" cy="617100"/>
-              </a:xfrm>
-            </p:grpSpPr>
-            <p:grpSp>
-              <p:nvGrpSpPr>
-                <p:cNvPr id="13" name="Group 12"/>
-                <p:cNvGrpSpPr/>
-                <p:nvPr/>
-              </p:nvGrpSpPr>
-              <p:grpSpPr>
-                <a:xfrm>
-                  <a:off x="1488327" y="5355266"/>
-                  <a:ext cx="2558874" cy="342571"/>
-                  <a:chOff x="1488327" y="5355266"/>
-                  <a:chExt cx="2558874" cy="342571"/>
-                </a:xfrm>
-              </p:grpSpPr>
-              <p:sp>
-                <p:nvSpPr>
-                  <p:cNvPr id="71" name="TextBox 70"/>
-                  <p:cNvSpPr txBox="1"/>
-                  <p:nvPr/>
-                </p:nvSpPr>
-                <p:spPr>
-                  <a:xfrm>
-                    <a:off x="2863182" y="5355266"/>
-                    <a:ext cx="1184019" cy="323165"/>
-                  </a:xfrm>
-                  <a:prstGeom prst="rect">
-                    <a:avLst/>
-                  </a:prstGeom>
-                  <a:noFill/>
-                </p:spPr>
-                <p:txBody>
-                  <a:bodyPr wrap="square" rtlCol="0">
-                    <a:spAutoFit/>
-                  </a:bodyPr>
-                  <a:lstStyle/>
-                  <a:p>
-                    <a:r>
-                      <a:rPr lang="en-US" sz="1500" dirty="0" smtClean="0"/>
-                      <a:t>.</a:t>
-                    </a:r>
-                    <a:endParaRPr lang="en-US" sz="1500" dirty="0"/>
-                  </a:p>
-                </p:txBody>
-              </p:sp>
-              <p:sp>
-                <p:nvSpPr>
-                  <p:cNvPr id="81" name="TextBox 80"/>
-                  <p:cNvSpPr txBox="1"/>
-                  <p:nvPr/>
-                </p:nvSpPr>
-                <p:spPr>
-                  <a:xfrm>
-                    <a:off x="1488327" y="5436227"/>
-                    <a:ext cx="1558718" cy="261610"/>
-                  </a:xfrm>
-                  <a:prstGeom prst="rect">
-                    <a:avLst/>
-                  </a:prstGeom>
-                  <a:noFill/>
-                </p:spPr>
-                <p:txBody>
-                  <a:bodyPr wrap="square" rtlCol="0">
-                    <a:spAutoFit/>
-                  </a:bodyPr>
-                  <a:lstStyle/>
-                  <a:p>
-                    <a:pPr marL="0" lvl="3"/>
-                    <a:r>
-                      <a:rPr lang="en-US" sz="1100" b="1" dirty="0" smtClean="0">
-                        <a:latin typeface="Oxygen Light"/>
-                        <a:cs typeface="Oxygen Light"/>
-                      </a:rPr>
-                      <a:t>University at Buffalo</a:t>
-                    </a:r>
-                    <a:endParaRPr lang="en-US" dirty="0"/>
-                  </a:p>
-                </p:txBody>
-              </p:sp>
-            </p:grpSp>
-            <p:grpSp>
-              <p:nvGrpSpPr>
-                <p:cNvPr id="14" name="Group 13"/>
-                <p:cNvGrpSpPr/>
-                <p:nvPr/>
-              </p:nvGrpSpPr>
-              <p:grpSpPr>
-                <a:xfrm>
-                  <a:off x="2982814" y="5355266"/>
-                  <a:ext cx="3300279" cy="617100"/>
-                  <a:chOff x="3020523" y="4620315"/>
-                  <a:chExt cx="3300279" cy="617100"/>
-                </a:xfrm>
-              </p:grpSpPr>
-              <p:sp>
-                <p:nvSpPr>
-                  <p:cNvPr id="70" name="TextBox 69"/>
-                  <p:cNvSpPr txBox="1"/>
-                  <p:nvPr/>
-                </p:nvSpPr>
-                <p:spPr>
-                  <a:xfrm>
-                    <a:off x="4246580" y="4620315"/>
-                    <a:ext cx="2074222" cy="323165"/>
-                  </a:xfrm>
-                  <a:prstGeom prst="rect">
-                    <a:avLst/>
-                  </a:prstGeom>
-                  <a:noFill/>
-                </p:spPr>
-                <p:txBody>
-                  <a:bodyPr wrap="square" rtlCol="0">
-                    <a:spAutoFit/>
-                  </a:bodyPr>
-                  <a:lstStyle/>
-                  <a:p>
-                    <a:r>
-                      <a:rPr lang="en-US" sz="1500" dirty="0" smtClean="0"/>
-                      <a:t>.</a:t>
-                    </a:r>
-                    <a:endParaRPr lang="en-US" sz="1500" dirty="0"/>
-                  </a:p>
-                </p:txBody>
-              </p:sp>
-              <p:sp>
-                <p:nvSpPr>
-                  <p:cNvPr id="2" name="TextBox 1"/>
-                  <p:cNvSpPr txBox="1"/>
-                  <p:nvPr/>
-                </p:nvSpPr>
-                <p:spPr>
-                  <a:xfrm>
-                    <a:off x="3020523" y="4714195"/>
-                    <a:ext cx="2143536" cy="523220"/>
-                  </a:xfrm>
-                  <a:prstGeom prst="rect">
-                    <a:avLst/>
-                  </a:prstGeom>
-                  <a:noFill/>
-                </p:spPr>
-                <p:txBody>
-                  <a:bodyPr wrap="none" rtlCol="0">
-                    <a:spAutoFit/>
-                  </a:bodyPr>
-                  <a:lstStyle/>
-                  <a:p>
-                    <a:pPr marL="0" lvl="3"/>
-                    <a:r>
-                      <a:rPr lang="en-US" sz="1000" dirty="0" smtClean="0">
-                        <a:latin typeface="Oxygen Light"/>
-                        <a:cs typeface="Oxygen Light"/>
-                      </a:rPr>
-                      <a:t>Computer Science TA     Buffalo, NY</a:t>
-                    </a:r>
-                    <a:endParaRPr lang="en-US" dirty="0" smtClean="0"/>
-                  </a:p>
-                  <a:p>
-                    <a:endParaRPr lang="en-US" dirty="0"/>
-                  </a:p>
-                </p:txBody>
-              </p:sp>
-            </p:grpSp>
-          </p:grpSp>
-          <p:sp>
-            <p:nvSpPr>
-              <p:cNvPr id="84" name="TextBox 83"/>
-              <p:cNvSpPr txBox="1"/>
-              <p:nvPr/>
-            </p:nvSpPr>
-            <p:spPr>
-              <a:xfrm>
-                <a:off x="5422888" y="4155713"/>
-                <a:ext cx="1359668" cy="246221"/>
-              </a:xfrm>
-              <a:prstGeom prst="rect">
-                <a:avLst/>
-              </a:prstGeom>
-              <a:noFill/>
-            </p:spPr>
-            <p:txBody>
-              <a:bodyPr wrap="none" rtlCol="0">
-                <a:spAutoFit/>
-              </a:bodyPr>
-              <a:lstStyle/>
-              <a:p>
-                <a:r>
-                  <a:rPr lang="en-US" sz="1000" dirty="0" smtClean="0">
-                    <a:latin typeface="Oxygen Light"/>
-                    <a:cs typeface="Oxygen Light"/>
-                  </a:rPr>
-                  <a:t>Aug 2016 </a:t>
-                </a:r>
-                <a:r>
-                  <a:rPr lang="mr-IN" sz="1000" dirty="0" smtClean="0">
-                    <a:latin typeface="Oxygen Light"/>
-                    <a:cs typeface="Oxygen Light"/>
-                  </a:rPr>
-                  <a:t>–</a:t>
-                </a:r>
-                <a:r>
-                  <a:rPr lang="en-US" sz="1000" dirty="0" smtClean="0">
-                    <a:latin typeface="Oxygen Light"/>
-                    <a:cs typeface="Oxygen Light"/>
-                  </a:rPr>
-                  <a:t> May 2017</a:t>
-                </a:r>
-                <a:endParaRPr lang="en-US" sz="1000" dirty="0">
-                  <a:latin typeface="Oxygen Light"/>
-                  <a:cs typeface="Oxygen Light"/>
-                </a:endParaRPr>
-              </a:p>
-            </p:txBody>
-          </p:sp>
-          <p:sp>
-            <p:nvSpPr>
-              <p:cNvPr id="169" name="TextBox 168"/>
-              <p:cNvSpPr txBox="1"/>
-              <p:nvPr/>
-            </p:nvSpPr>
-            <p:spPr>
-              <a:xfrm>
-                <a:off x="319717" y="4351193"/>
-                <a:ext cx="3392127" cy="230832"/>
-              </a:xfrm>
-              <a:prstGeom prst="rect">
-                <a:avLst/>
-              </a:prstGeom>
-              <a:noFill/>
-            </p:spPr>
-            <p:txBody>
-              <a:bodyPr wrap="square" rtlCol="0">
-                <a:spAutoFit/>
-              </a:bodyPr>
-              <a:lstStyle/>
-              <a:p>
-                <a:pPr marL="171450" indent="-171450">
-                  <a:buFont typeface="Arial"/>
-                  <a:buChar char="•"/>
-                </a:pPr>
-                <a:r>
-                  <a:rPr lang="en-US" sz="900" b="1" dirty="0" smtClean="0">
-                    <a:latin typeface="Roboto Regular"/>
-                    <a:cs typeface="Roboto Regular"/>
-                  </a:rPr>
-                  <a:t>CSE421/521 : Operating Systems (OS/161 by Harvard)</a:t>
-                </a:r>
-              </a:p>
-            </p:txBody>
-          </p:sp>
-          <p:sp>
-            <p:nvSpPr>
-              <p:cNvPr id="171" name="TextBox 170"/>
-              <p:cNvSpPr txBox="1"/>
-              <p:nvPr/>
-            </p:nvSpPr>
-            <p:spPr>
-              <a:xfrm>
-                <a:off x="3651847" y="4355212"/>
-                <a:ext cx="3392127" cy="230832"/>
-              </a:xfrm>
-              <a:prstGeom prst="rect">
-                <a:avLst/>
-              </a:prstGeom>
-              <a:noFill/>
-            </p:spPr>
-            <p:txBody>
-              <a:bodyPr wrap="square" rtlCol="0">
-                <a:spAutoFit/>
-              </a:bodyPr>
-              <a:lstStyle/>
-              <a:p>
-                <a:pPr marL="171450" indent="-171450">
-                  <a:buFont typeface="Arial"/>
-                  <a:buChar char="•"/>
-                </a:pPr>
-                <a:r>
-                  <a:rPr lang="en-US" sz="900" b="1" dirty="0" smtClean="0">
-                    <a:latin typeface="Roboto Regular"/>
-                    <a:cs typeface="Roboto Regular"/>
-                  </a:rPr>
-                  <a:t>CSE199 : How the Internet Works</a:t>
-                </a:r>
-              </a:p>
-            </p:txBody>
-          </p:sp>
-          <p:sp>
-            <p:nvSpPr>
-              <p:cNvPr id="172" name="TextBox 171"/>
-              <p:cNvSpPr txBox="1"/>
-              <p:nvPr/>
-            </p:nvSpPr>
-            <p:spPr>
-              <a:xfrm>
-                <a:off x="3651847" y="4980221"/>
-                <a:ext cx="3392127" cy="230832"/>
-              </a:xfrm>
-              <a:prstGeom prst="rect">
-                <a:avLst/>
-              </a:prstGeom>
-              <a:noFill/>
-            </p:spPr>
-            <p:txBody>
-              <a:bodyPr wrap="square" rtlCol="0">
-                <a:spAutoFit/>
-              </a:bodyPr>
-              <a:lstStyle/>
-              <a:p>
-                <a:pPr marL="171450" indent="-171450">
-                  <a:buFont typeface="Arial"/>
-                  <a:buChar char="•"/>
-                </a:pPr>
-                <a:r>
-                  <a:rPr lang="en-US" sz="900" b="1" dirty="0" smtClean="0">
-                    <a:latin typeface="Roboto Regular"/>
-                    <a:cs typeface="Roboto Regular"/>
-                  </a:rPr>
-                  <a:t>CSE115 : Intro to Computer Science</a:t>
-                </a:r>
-              </a:p>
-            </p:txBody>
-          </p:sp>
-          <p:sp>
-            <p:nvSpPr>
-              <p:cNvPr id="173" name="TextBox 172"/>
-              <p:cNvSpPr txBox="1"/>
-              <p:nvPr/>
-            </p:nvSpPr>
-            <p:spPr>
-              <a:xfrm>
-                <a:off x="-136296" y="5130377"/>
-                <a:ext cx="3205490" cy="397032"/>
-              </a:xfrm>
-              <a:prstGeom prst="rect">
-                <a:avLst/>
-              </a:prstGeom>
-              <a:noFill/>
-            </p:spPr>
-            <p:txBody>
-              <a:bodyPr wrap="square" rtlCol="0">
-                <a:spAutoFit/>
-              </a:bodyPr>
-              <a:lstStyle/>
-              <a:p>
-                <a:pPr marL="628650" lvl="1" indent="-171450">
-                  <a:lnSpc>
-                    <a:spcPct val="110000"/>
-                  </a:lnSpc>
-                  <a:buFont typeface="Lucida Grande"/>
-                  <a:buChar char="-"/>
-                </a:pPr>
-                <a:r>
-                  <a:rPr lang="en-US" sz="900" dirty="0" smtClean="0">
-                    <a:solidFill>
-                      <a:schemeClr val="tx1">
-                        <a:lumMod val="50000"/>
-                        <a:lumOff val="50000"/>
-                      </a:schemeClr>
-                    </a:solidFill>
-                    <a:latin typeface="Oxygen Light"/>
-                    <a:cs typeface="Oxygen Light"/>
-                  </a:rPr>
-                  <a:t>Held office hours (5 </a:t>
-                </a:r>
-                <a:r>
-                  <a:rPr lang="mr-IN" sz="900" dirty="0" smtClean="0">
-                    <a:solidFill>
-                      <a:schemeClr val="tx1">
-                        <a:lumMod val="50000"/>
-                        <a:lumOff val="50000"/>
-                      </a:schemeClr>
-                    </a:solidFill>
-                    <a:latin typeface="Oxygen Light"/>
-                    <a:cs typeface="Oxygen Light"/>
-                  </a:rPr>
-                  <a:t>–</a:t>
-                </a:r>
-                <a:r>
-                  <a:rPr lang="en-US" sz="900" dirty="0" smtClean="0">
-                    <a:solidFill>
-                      <a:schemeClr val="tx1">
-                        <a:lumMod val="50000"/>
-                        <a:lumOff val="50000"/>
-                      </a:schemeClr>
-                    </a:solidFill>
-                    <a:latin typeface="Oxygen Light"/>
-                    <a:cs typeface="Oxygen Light"/>
-                  </a:rPr>
-                  <a:t> 10 </a:t>
-                </a:r>
-                <a:r>
-                  <a:rPr lang="en-US" sz="900" dirty="0" err="1" smtClean="0">
-                    <a:solidFill>
-                      <a:schemeClr val="tx1">
-                        <a:lumMod val="50000"/>
-                        <a:lumOff val="50000"/>
-                      </a:schemeClr>
-                    </a:solidFill>
-                    <a:latin typeface="Oxygen Light"/>
-                    <a:cs typeface="Oxygen Light"/>
-                  </a:rPr>
-                  <a:t>hrs</a:t>
-                </a:r>
-                <a:r>
-                  <a:rPr lang="en-US" sz="900" dirty="0" smtClean="0">
-                    <a:solidFill>
-                      <a:schemeClr val="tx1">
-                        <a:lumMod val="50000"/>
-                        <a:lumOff val="50000"/>
-                      </a:schemeClr>
-                    </a:solidFill>
-                    <a:latin typeface="Oxygen Light"/>
-                    <a:cs typeface="Oxygen Light"/>
-                  </a:rPr>
-                  <a:t>/week), and helped students with programming assignments. </a:t>
-                </a:r>
-                <a:endParaRPr lang="en-US" sz="900" dirty="0">
+            <a:prstGeom prst="rect">
+              <a:avLst/>
+            </a:prstGeom>
+            <a:noFill/>
+          </p:spPr>
+          <p:txBody>
+            <a:bodyPr wrap="square" rtlCol="0">
+              <a:spAutoFit/>
+            </a:bodyPr>
+            <a:lstStyle/>
+            <a:p>
+              <a:pPr marL="171450" indent="-171450">
+                <a:buFont typeface="Arial"/>
+                <a:buChar char="•"/>
+              </a:pPr>
+              <a:r>
+                <a:rPr lang="en-US" sz="900" b="1" dirty="0" smtClean="0">
+                  <a:latin typeface="Roboto Regular"/>
+                  <a:cs typeface="Roboto Regular"/>
+                </a:rPr>
+                <a:t>CSE199 : How the Internet Works</a:t>
+              </a:r>
+            </a:p>
+          </p:txBody>
+        </p:sp>
+        <p:sp>
+          <p:nvSpPr>
+            <p:cNvPr id="172" name="TextBox 171"/>
+            <p:cNvSpPr txBox="1"/>
+            <p:nvPr/>
+          </p:nvSpPr>
+          <p:spPr>
+            <a:xfrm>
+              <a:off x="3651847" y="4285277"/>
+              <a:ext cx="3392127" cy="230832"/>
+            </a:xfrm>
+            <a:prstGeom prst="rect">
+              <a:avLst/>
+            </a:prstGeom>
+            <a:noFill/>
+          </p:spPr>
+          <p:txBody>
+            <a:bodyPr wrap="square" rtlCol="0">
+              <a:spAutoFit/>
+            </a:bodyPr>
+            <a:lstStyle/>
+            <a:p>
+              <a:pPr marL="171450" indent="-171450">
+                <a:buFont typeface="Arial"/>
+                <a:buChar char="•"/>
+              </a:pPr>
+              <a:r>
+                <a:rPr lang="en-US" sz="900" b="1" dirty="0" smtClean="0">
+                  <a:latin typeface="Roboto Regular"/>
+                  <a:cs typeface="Roboto Regular"/>
+                </a:rPr>
+                <a:t>CSE115 : Intro to Computer Science</a:t>
+              </a:r>
+            </a:p>
+          </p:txBody>
+        </p:sp>
+        <p:sp>
+          <p:nvSpPr>
+            <p:cNvPr id="173" name="TextBox 172"/>
+            <p:cNvSpPr txBox="1"/>
+            <p:nvPr/>
+          </p:nvSpPr>
+          <p:spPr>
+            <a:xfrm>
+              <a:off x="-136296" y="4435433"/>
+              <a:ext cx="3205490" cy="397032"/>
+            </a:xfrm>
+            <a:prstGeom prst="rect">
+              <a:avLst/>
+            </a:prstGeom>
+            <a:noFill/>
+          </p:spPr>
+          <p:txBody>
+            <a:bodyPr wrap="square" rtlCol="0">
+              <a:spAutoFit/>
+            </a:bodyPr>
+            <a:lstStyle/>
+            <a:p>
+              <a:pPr marL="628650" lvl="1" indent="-171450">
+                <a:lnSpc>
+                  <a:spcPct val="110000"/>
+                </a:lnSpc>
+                <a:buFont typeface="Lucida Grande"/>
+                <a:buChar char="-"/>
+              </a:pPr>
+              <a:r>
+                <a:rPr lang="en-US" sz="900" dirty="0" smtClean="0">
                   <a:solidFill>
                     <a:schemeClr val="tx1">
                       <a:lumMod val="50000"/>
@@ -8776,130 +8634,11 @@
                   </a:solidFill>
                   <a:latin typeface="Oxygen Light"/>
                   <a:cs typeface="Oxygen Light"/>
-                </a:endParaRPr>
-              </a:p>
-            </p:txBody>
-          </p:sp>
-          <p:sp>
-            <p:nvSpPr>
-              <p:cNvPr id="53" name="Rectangle 52"/>
-              <p:cNvSpPr/>
-              <p:nvPr/>
-            </p:nvSpPr>
-            <p:spPr>
-              <a:xfrm>
-                <a:off x="3202037" y="5127943"/>
-                <a:ext cx="3429000" cy="397032"/>
-              </a:xfrm>
-              <a:prstGeom prst="rect">
-                <a:avLst/>
-              </a:prstGeom>
-            </p:spPr>
-            <p:txBody>
-              <a:bodyPr>
-                <a:spAutoFit/>
-              </a:bodyPr>
-              <a:lstStyle/>
-              <a:p>
-                <a:pPr marL="628650" lvl="1" indent="-171450">
-                  <a:lnSpc>
-                    <a:spcPct val="110000"/>
-                  </a:lnSpc>
-                  <a:buFont typeface="Lucida Grande"/>
-                  <a:buChar char="-"/>
-                </a:pPr>
-                <a:r>
-                  <a:rPr lang="en-US" sz="900" dirty="0">
-                    <a:solidFill>
-                      <a:schemeClr val="tx1">
-                        <a:lumMod val="50000"/>
-                        <a:lumOff val="50000"/>
-                      </a:schemeClr>
-                    </a:solidFill>
-                    <a:latin typeface="Oxygen Light"/>
-                    <a:cs typeface="Oxygen Light"/>
-                  </a:rPr>
-                  <a:t>Held office hours </a:t>
-                </a:r>
-                <a:r>
-                  <a:rPr lang="en-US" sz="900" dirty="0" smtClean="0">
-                    <a:solidFill>
-                      <a:schemeClr val="tx1">
-                        <a:lumMod val="50000"/>
-                        <a:lumOff val="50000"/>
-                      </a:schemeClr>
-                    </a:solidFill>
-                    <a:latin typeface="Oxygen Light"/>
-                    <a:cs typeface="Oxygen Light"/>
-                  </a:rPr>
-                  <a:t>(</a:t>
-                </a:r>
-                <a:r>
-                  <a:rPr lang="en-US" sz="900" dirty="0">
-                    <a:solidFill>
-                      <a:schemeClr val="tx1">
-                        <a:lumMod val="50000"/>
-                        <a:lumOff val="50000"/>
-                      </a:schemeClr>
-                    </a:solidFill>
-                    <a:latin typeface="Oxygen Light"/>
-                    <a:cs typeface="Oxygen Light"/>
-                  </a:rPr>
-                  <a:t>3</a:t>
-                </a:r>
-                <a:r>
-                  <a:rPr lang="en-US" sz="900" dirty="0" smtClean="0">
-                    <a:solidFill>
-                      <a:schemeClr val="tx1">
-                        <a:lumMod val="50000"/>
-                        <a:lumOff val="50000"/>
-                      </a:schemeClr>
-                    </a:solidFill>
-                    <a:latin typeface="Oxygen Light"/>
-                    <a:cs typeface="Oxygen Light"/>
-                  </a:rPr>
-                  <a:t> </a:t>
-                </a:r>
-                <a:r>
-                  <a:rPr lang="en-US" sz="900" dirty="0" err="1">
-                    <a:solidFill>
-                      <a:schemeClr val="tx1">
-                        <a:lumMod val="50000"/>
-                        <a:lumOff val="50000"/>
-                      </a:schemeClr>
-                    </a:solidFill>
-                    <a:latin typeface="Oxygen Light"/>
-                    <a:cs typeface="Oxygen Light"/>
-                  </a:rPr>
-                  <a:t>hrs</a:t>
-                </a:r>
-                <a:r>
-                  <a:rPr lang="en-US" sz="900" dirty="0">
-                    <a:solidFill>
-                      <a:schemeClr val="tx1">
-                        <a:lumMod val="50000"/>
-                        <a:lumOff val="50000"/>
-                      </a:schemeClr>
-                    </a:solidFill>
-                    <a:latin typeface="Oxygen Light"/>
-                    <a:cs typeface="Oxygen Light"/>
-                  </a:rPr>
-                  <a:t>/week), helped students with programming </a:t>
-                </a:r>
-                <a:r>
-                  <a:rPr lang="en-US" sz="900" dirty="0" smtClean="0">
-                    <a:solidFill>
-                      <a:schemeClr val="tx1">
-                        <a:lumMod val="50000"/>
-                        <a:lumOff val="50000"/>
-                      </a:schemeClr>
-                    </a:solidFill>
-                    <a:latin typeface="Oxygen Light"/>
-                    <a:cs typeface="Oxygen Light"/>
-                  </a:rPr>
-                  <a:t>assignments, and taught recitations. </a:t>
-                </a:r>
-                <a:endParaRPr lang="en-US" sz="900" dirty="0">
+                </a:rPr>
+                <a:t>Held office hours (5 </a:t>
+              </a:r>
+              <a:r>
+                <a:rPr lang="mr-IN" sz="900" dirty="0" smtClean="0">
                   <a:solidFill>
                     <a:schemeClr val="tx1">
                       <a:lumMod val="50000"/>
@@ -8908,52 +8647,11 @@
                   </a:solidFill>
                   <a:latin typeface="Oxygen Light"/>
                   <a:cs typeface="Oxygen Light"/>
-                </a:endParaRPr>
-              </a:p>
-            </p:txBody>
-          </p:sp>
-          <p:sp>
-            <p:nvSpPr>
-              <p:cNvPr id="174" name="Rectangle 173"/>
-              <p:cNvSpPr/>
-              <p:nvPr/>
-            </p:nvSpPr>
-            <p:spPr>
-              <a:xfrm>
-                <a:off x="3199255" y="4501165"/>
-                <a:ext cx="3429000" cy="549381"/>
-              </a:xfrm>
-              <a:prstGeom prst="rect">
-                <a:avLst/>
-              </a:prstGeom>
-            </p:spPr>
-            <p:txBody>
-              <a:bodyPr>
-                <a:spAutoFit/>
-              </a:bodyPr>
-              <a:lstStyle/>
-              <a:p>
-                <a:pPr marL="628650" lvl="1" indent="-171450">
-                  <a:lnSpc>
-                    <a:spcPct val="110000"/>
-                  </a:lnSpc>
-                  <a:buFont typeface="Lucida Grande"/>
-                  <a:buChar char="-"/>
-                </a:pPr>
-                <a:r>
-                  <a:rPr lang="en-US" sz="900" dirty="0" smtClean="0">
-                    <a:solidFill>
-                      <a:schemeClr val="tx1">
-                        <a:lumMod val="50000"/>
-                        <a:lumOff val="50000"/>
-                      </a:schemeClr>
-                    </a:solidFill>
-                    <a:latin typeface="Oxygen Light"/>
-                    <a:cs typeface="Oxygen Light"/>
-                  </a:rPr>
-                  <a:t>Developed tools &amp; infrastructure needed for the course. Interacted with students one-on-one during the class.</a:t>
-                </a:r>
-                <a:endParaRPr lang="en-US" sz="900" dirty="0">
+                </a:rPr>
+                <a:t>–</a:t>
+              </a:r>
+              <a:r>
+                <a:rPr lang="en-US" sz="900" dirty="0" smtClean="0">
                   <a:solidFill>
                     <a:schemeClr val="tx1">
                       <a:lumMod val="50000"/>
@@ -8962,131 +8660,11 @@
                   </a:solidFill>
                   <a:latin typeface="Oxygen Light"/>
                   <a:cs typeface="Oxygen Light"/>
-                </a:endParaRPr>
-              </a:p>
-            </p:txBody>
-          </p:sp>
-          <p:sp>
-            <p:nvSpPr>
-              <p:cNvPr id="175" name="TextBox 174"/>
-              <p:cNvSpPr txBox="1"/>
-              <p:nvPr/>
-            </p:nvSpPr>
-            <p:spPr>
-              <a:xfrm>
-                <a:off x="-132239" y="4500045"/>
-                <a:ext cx="3662666" cy="549381"/>
-              </a:xfrm>
-              <a:prstGeom prst="rect">
-                <a:avLst/>
-              </a:prstGeom>
-              <a:noFill/>
-            </p:spPr>
-            <p:txBody>
-              <a:bodyPr wrap="square" rtlCol="0">
-                <a:spAutoFit/>
-              </a:bodyPr>
-              <a:lstStyle/>
-              <a:p>
-                <a:pPr marL="628650" lvl="1" indent="-171450">
-                  <a:lnSpc>
-                    <a:spcPct val="110000"/>
-                  </a:lnSpc>
-                  <a:buFont typeface="Lucida Grande"/>
-                  <a:buChar char="-"/>
-                </a:pPr>
-                <a:r>
-                  <a:rPr lang="en-US" sz="900" dirty="0" smtClean="0">
-                    <a:solidFill>
-                      <a:schemeClr val="tx1">
-                        <a:lumMod val="50000"/>
-                        <a:lumOff val="50000"/>
-                      </a:schemeClr>
-                    </a:solidFill>
-                    <a:latin typeface="Oxygen Light"/>
-                    <a:cs typeface="Oxygen Light"/>
-                  </a:rPr>
-                  <a:t>Held office hours (8 </a:t>
-                </a:r>
-                <a:r>
-                  <a:rPr lang="mr-IN" sz="900" dirty="0" smtClean="0">
-                    <a:solidFill>
-                      <a:schemeClr val="tx1">
-                        <a:lumMod val="50000"/>
-                        <a:lumOff val="50000"/>
-                      </a:schemeClr>
-                    </a:solidFill>
-                    <a:latin typeface="Oxygen Light"/>
-                    <a:cs typeface="Oxygen Light"/>
-                  </a:rPr>
-                  <a:t>–</a:t>
-                </a:r>
-                <a:r>
-                  <a:rPr lang="en-US" sz="900" dirty="0" smtClean="0">
-                    <a:solidFill>
-                      <a:schemeClr val="tx1">
-                        <a:lumMod val="50000"/>
-                        <a:lumOff val="50000"/>
-                      </a:schemeClr>
-                    </a:solidFill>
-                    <a:latin typeface="Oxygen Light"/>
-                    <a:cs typeface="Oxygen Light"/>
-                  </a:rPr>
-                  <a:t> 10 </a:t>
-                </a:r>
-                <a:r>
-                  <a:rPr lang="en-US" sz="900" dirty="0" err="1" smtClean="0">
-                    <a:solidFill>
-                      <a:schemeClr val="tx1">
-                        <a:lumMod val="50000"/>
-                        <a:lumOff val="50000"/>
-                      </a:schemeClr>
-                    </a:solidFill>
-                    <a:latin typeface="Oxygen Light"/>
-                    <a:cs typeface="Oxygen Light"/>
-                  </a:rPr>
-                  <a:t>hrs</a:t>
-                </a:r>
-                <a:r>
-                  <a:rPr lang="en-US" sz="900" dirty="0" smtClean="0">
-                    <a:solidFill>
-                      <a:schemeClr val="tx1">
-                        <a:lumMod val="50000"/>
-                        <a:lumOff val="50000"/>
-                      </a:schemeClr>
-                    </a:solidFill>
-                    <a:latin typeface="Oxygen Light"/>
-                    <a:cs typeface="Oxygen Light"/>
-                  </a:rPr>
-                  <a:t>/week), organized and hosted multiple 24 hour </a:t>
-                </a:r>
-                <a:r>
-                  <a:rPr lang="en-US" sz="900" dirty="0" err="1" smtClean="0">
-                    <a:solidFill>
-                      <a:schemeClr val="tx1">
-                        <a:lumMod val="50000"/>
-                        <a:lumOff val="50000"/>
-                      </a:schemeClr>
-                    </a:solidFill>
-                    <a:latin typeface="Oxygen Light"/>
-                    <a:cs typeface="Oxygen Light"/>
-                  </a:rPr>
-                  <a:t>hacknights</a:t>
-                </a:r>
-                <a:r>
-                  <a:rPr lang="en-US" sz="900" dirty="0" smtClean="0">
-                    <a:solidFill>
-                      <a:schemeClr val="tx1">
-                        <a:lumMod val="50000"/>
-                        <a:lumOff val="50000"/>
-                      </a:schemeClr>
-                    </a:solidFill>
-                    <a:latin typeface="Oxygen Light"/>
-                    <a:cs typeface="Oxygen Light"/>
-                  </a:rPr>
-                  <a:t> to help students debug their virtual memory implementation.</a:t>
-                </a:r>
-                <a:endParaRPr lang="en-US" sz="900" dirty="0">
+                </a:rPr>
+                <a:t> 10 </a:t>
+              </a:r>
+              <a:r>
+                <a:rPr lang="en-US" sz="900" dirty="0" err="1" smtClean="0">
                   <a:solidFill>
                     <a:schemeClr val="tx1">
                       <a:lumMod val="50000"/>
@@ -9095,11 +8673,354 @@
                   </a:solidFill>
                   <a:latin typeface="Oxygen Light"/>
                   <a:cs typeface="Oxygen Light"/>
-                </a:endParaRPr>
-              </a:p>
-            </p:txBody>
-          </p:sp>
-        </p:grpSp>
+                </a:rPr>
+                <a:t>hrs</a:t>
+              </a:r>
+              <a:r>
+                <a:rPr lang="en-US" sz="900" dirty="0" smtClean="0">
+                  <a:solidFill>
+                    <a:schemeClr val="tx1">
+                      <a:lumMod val="50000"/>
+                      <a:lumOff val="50000"/>
+                    </a:schemeClr>
+                  </a:solidFill>
+                  <a:latin typeface="Oxygen Light"/>
+                  <a:cs typeface="Oxygen Light"/>
+                </a:rPr>
+                <a:t>/week), and helped students with programming assignments. </a:t>
+              </a:r>
+              <a:endParaRPr lang="en-US" sz="900" dirty="0">
+                <a:solidFill>
+                  <a:schemeClr val="tx1">
+                    <a:lumMod val="50000"/>
+                    <a:lumOff val="50000"/>
+                  </a:schemeClr>
+                </a:solidFill>
+                <a:latin typeface="Oxygen Light"/>
+                <a:cs typeface="Oxygen Light"/>
+              </a:endParaRPr>
+            </a:p>
+          </p:txBody>
+        </p:sp>
+        <p:sp>
+          <p:nvSpPr>
+            <p:cNvPr id="53" name="Rectangle 52"/>
+            <p:cNvSpPr/>
+            <p:nvPr/>
+          </p:nvSpPr>
+          <p:spPr>
+            <a:xfrm>
+              <a:off x="3202037" y="4432999"/>
+              <a:ext cx="3429000" cy="397032"/>
+            </a:xfrm>
+            <a:prstGeom prst="rect">
+              <a:avLst/>
+            </a:prstGeom>
+          </p:spPr>
+          <p:txBody>
+            <a:bodyPr>
+              <a:spAutoFit/>
+            </a:bodyPr>
+            <a:lstStyle/>
+            <a:p>
+              <a:pPr marL="628650" lvl="1" indent="-171450">
+                <a:lnSpc>
+                  <a:spcPct val="110000"/>
+                </a:lnSpc>
+                <a:buFont typeface="Lucida Grande"/>
+                <a:buChar char="-"/>
+              </a:pPr>
+              <a:r>
+                <a:rPr lang="en-US" sz="900" dirty="0">
+                  <a:solidFill>
+                    <a:schemeClr val="tx1">
+                      <a:lumMod val="50000"/>
+                      <a:lumOff val="50000"/>
+                    </a:schemeClr>
+                  </a:solidFill>
+                  <a:latin typeface="Oxygen Light"/>
+                  <a:cs typeface="Oxygen Light"/>
+                </a:rPr>
+                <a:t>Held office hours </a:t>
+              </a:r>
+              <a:r>
+                <a:rPr lang="en-US" sz="900" dirty="0" smtClean="0">
+                  <a:solidFill>
+                    <a:schemeClr val="tx1">
+                      <a:lumMod val="50000"/>
+                      <a:lumOff val="50000"/>
+                    </a:schemeClr>
+                  </a:solidFill>
+                  <a:latin typeface="Oxygen Light"/>
+                  <a:cs typeface="Oxygen Light"/>
+                </a:rPr>
+                <a:t>(</a:t>
+              </a:r>
+              <a:r>
+                <a:rPr lang="en-US" sz="900" dirty="0">
+                  <a:solidFill>
+                    <a:schemeClr val="tx1">
+                      <a:lumMod val="50000"/>
+                      <a:lumOff val="50000"/>
+                    </a:schemeClr>
+                  </a:solidFill>
+                  <a:latin typeface="Oxygen Light"/>
+                  <a:cs typeface="Oxygen Light"/>
+                </a:rPr>
+                <a:t>3</a:t>
+              </a:r>
+              <a:r>
+                <a:rPr lang="en-US" sz="900" dirty="0" smtClean="0">
+                  <a:solidFill>
+                    <a:schemeClr val="tx1">
+                      <a:lumMod val="50000"/>
+                      <a:lumOff val="50000"/>
+                    </a:schemeClr>
+                  </a:solidFill>
+                  <a:latin typeface="Oxygen Light"/>
+                  <a:cs typeface="Oxygen Light"/>
+                </a:rPr>
+                <a:t> </a:t>
+              </a:r>
+              <a:r>
+                <a:rPr lang="en-US" sz="900" dirty="0" err="1">
+                  <a:solidFill>
+                    <a:schemeClr val="tx1">
+                      <a:lumMod val="50000"/>
+                      <a:lumOff val="50000"/>
+                    </a:schemeClr>
+                  </a:solidFill>
+                  <a:latin typeface="Oxygen Light"/>
+                  <a:cs typeface="Oxygen Light"/>
+                </a:rPr>
+                <a:t>hrs</a:t>
+              </a:r>
+              <a:r>
+                <a:rPr lang="en-US" sz="900" dirty="0">
+                  <a:solidFill>
+                    <a:schemeClr val="tx1">
+                      <a:lumMod val="50000"/>
+                      <a:lumOff val="50000"/>
+                    </a:schemeClr>
+                  </a:solidFill>
+                  <a:latin typeface="Oxygen Light"/>
+                  <a:cs typeface="Oxygen Light"/>
+                </a:rPr>
+                <a:t>/week), helped students with programming </a:t>
+              </a:r>
+              <a:r>
+                <a:rPr lang="en-US" sz="900" dirty="0" smtClean="0">
+                  <a:solidFill>
+                    <a:schemeClr val="tx1">
+                      <a:lumMod val="50000"/>
+                      <a:lumOff val="50000"/>
+                    </a:schemeClr>
+                  </a:solidFill>
+                  <a:latin typeface="Oxygen Light"/>
+                  <a:cs typeface="Oxygen Light"/>
+                </a:rPr>
+                <a:t>assignments, and taught recitations. </a:t>
+              </a:r>
+              <a:endParaRPr lang="en-US" sz="900" dirty="0">
+                <a:solidFill>
+                  <a:schemeClr val="tx1">
+                    <a:lumMod val="50000"/>
+                    <a:lumOff val="50000"/>
+                  </a:schemeClr>
+                </a:solidFill>
+                <a:latin typeface="Oxygen Light"/>
+                <a:cs typeface="Oxygen Light"/>
+              </a:endParaRPr>
+            </a:p>
+          </p:txBody>
+        </p:sp>
+        <p:sp>
+          <p:nvSpPr>
+            <p:cNvPr id="174" name="Rectangle 173"/>
+            <p:cNvSpPr/>
+            <p:nvPr/>
+          </p:nvSpPr>
+          <p:spPr>
+            <a:xfrm>
+              <a:off x="3199255" y="3806221"/>
+              <a:ext cx="3429000" cy="549381"/>
+            </a:xfrm>
+            <a:prstGeom prst="rect">
+              <a:avLst/>
+            </a:prstGeom>
+          </p:spPr>
+          <p:txBody>
+            <a:bodyPr>
+              <a:spAutoFit/>
+            </a:bodyPr>
+            <a:lstStyle/>
+            <a:p>
+              <a:pPr marL="628650" lvl="1" indent="-171450">
+                <a:lnSpc>
+                  <a:spcPct val="110000"/>
+                </a:lnSpc>
+                <a:buFont typeface="Lucida Grande"/>
+                <a:buChar char="-"/>
+              </a:pPr>
+              <a:r>
+                <a:rPr lang="en-US" sz="900" dirty="0" smtClean="0">
+                  <a:solidFill>
+                    <a:schemeClr val="tx1">
+                      <a:lumMod val="50000"/>
+                      <a:lumOff val="50000"/>
+                    </a:schemeClr>
+                  </a:solidFill>
+                  <a:latin typeface="Oxygen Light"/>
+                  <a:cs typeface="Oxygen Light"/>
+                </a:rPr>
+                <a:t>Developed tools &amp; infrastructure needed for the course. Interacted with students one-on-one during the class.</a:t>
+              </a:r>
+              <a:endParaRPr lang="en-US" sz="900" dirty="0">
+                <a:solidFill>
+                  <a:schemeClr val="tx1">
+                    <a:lumMod val="50000"/>
+                    <a:lumOff val="50000"/>
+                  </a:schemeClr>
+                </a:solidFill>
+                <a:latin typeface="Oxygen Light"/>
+                <a:cs typeface="Oxygen Light"/>
+              </a:endParaRPr>
+            </a:p>
+          </p:txBody>
+        </p:sp>
+        <p:sp>
+          <p:nvSpPr>
+            <p:cNvPr id="175" name="TextBox 174"/>
+            <p:cNvSpPr txBox="1"/>
+            <p:nvPr/>
+          </p:nvSpPr>
+          <p:spPr>
+            <a:xfrm>
+              <a:off x="-136296" y="3815813"/>
+              <a:ext cx="3662666" cy="549381"/>
+            </a:xfrm>
+            <a:prstGeom prst="rect">
+              <a:avLst/>
+            </a:prstGeom>
+            <a:noFill/>
+          </p:spPr>
+          <p:txBody>
+            <a:bodyPr wrap="square" rtlCol="0">
+              <a:spAutoFit/>
+            </a:bodyPr>
+            <a:lstStyle/>
+            <a:p>
+              <a:pPr marL="628650" lvl="1" indent="-171450">
+                <a:lnSpc>
+                  <a:spcPct val="110000"/>
+                </a:lnSpc>
+                <a:buFont typeface="Lucida Grande"/>
+                <a:buChar char="-"/>
+              </a:pPr>
+              <a:r>
+                <a:rPr lang="en-US" sz="900" dirty="0" smtClean="0">
+                  <a:solidFill>
+                    <a:schemeClr val="tx1">
+                      <a:lumMod val="50000"/>
+                      <a:lumOff val="50000"/>
+                    </a:schemeClr>
+                  </a:solidFill>
+                  <a:latin typeface="Oxygen Light"/>
+                  <a:cs typeface="Oxygen Light"/>
+                </a:rPr>
+                <a:t>Held office hours (8 </a:t>
+              </a:r>
+              <a:r>
+                <a:rPr lang="mr-IN" sz="900" dirty="0" smtClean="0">
+                  <a:solidFill>
+                    <a:schemeClr val="tx1">
+                      <a:lumMod val="50000"/>
+                      <a:lumOff val="50000"/>
+                    </a:schemeClr>
+                  </a:solidFill>
+                  <a:latin typeface="Oxygen Light"/>
+                  <a:cs typeface="Oxygen Light"/>
+                </a:rPr>
+                <a:t>–</a:t>
+              </a:r>
+              <a:r>
+                <a:rPr lang="en-US" sz="900" dirty="0" smtClean="0">
+                  <a:solidFill>
+                    <a:schemeClr val="tx1">
+                      <a:lumMod val="50000"/>
+                      <a:lumOff val="50000"/>
+                    </a:schemeClr>
+                  </a:solidFill>
+                  <a:latin typeface="Oxygen Light"/>
+                  <a:cs typeface="Oxygen Light"/>
+                </a:rPr>
+                <a:t> 10 </a:t>
+              </a:r>
+              <a:r>
+                <a:rPr lang="en-US" sz="900" dirty="0" err="1" smtClean="0">
+                  <a:solidFill>
+                    <a:schemeClr val="tx1">
+                      <a:lumMod val="50000"/>
+                      <a:lumOff val="50000"/>
+                    </a:schemeClr>
+                  </a:solidFill>
+                  <a:latin typeface="Oxygen Light"/>
+                  <a:cs typeface="Oxygen Light"/>
+                </a:rPr>
+                <a:t>hrs</a:t>
+              </a:r>
+              <a:r>
+                <a:rPr lang="en-US" sz="900" dirty="0" smtClean="0">
+                  <a:solidFill>
+                    <a:schemeClr val="tx1">
+                      <a:lumMod val="50000"/>
+                      <a:lumOff val="50000"/>
+                    </a:schemeClr>
+                  </a:solidFill>
+                  <a:latin typeface="Oxygen Light"/>
+                  <a:cs typeface="Oxygen Light"/>
+                </a:rPr>
+                <a:t>/week), organized and hosted multiple 24 hour </a:t>
+              </a:r>
+              <a:r>
+                <a:rPr lang="en-US" sz="900" dirty="0" err="1" smtClean="0">
+                  <a:solidFill>
+                    <a:schemeClr val="tx1">
+                      <a:lumMod val="50000"/>
+                      <a:lumOff val="50000"/>
+                    </a:schemeClr>
+                  </a:solidFill>
+                  <a:latin typeface="Oxygen Light"/>
+                  <a:cs typeface="Oxygen Light"/>
+                </a:rPr>
+                <a:t>hacknights</a:t>
+              </a:r>
+              <a:r>
+                <a:rPr lang="en-US" sz="900" dirty="0" smtClean="0">
+                  <a:solidFill>
+                    <a:schemeClr val="tx1">
+                      <a:lumMod val="50000"/>
+                      <a:lumOff val="50000"/>
+                    </a:schemeClr>
+                  </a:solidFill>
+                  <a:latin typeface="Oxygen Light"/>
+                  <a:cs typeface="Oxygen Light"/>
+                </a:rPr>
+                <a:t> to help students debug their virtual memory implementation.</a:t>
+              </a:r>
+              <a:endParaRPr lang="en-US" sz="900" dirty="0">
+                <a:solidFill>
+                  <a:schemeClr val="tx1">
+                    <a:lumMod val="50000"/>
+                    <a:lumOff val="50000"/>
+                  </a:schemeClr>
+                </a:solidFill>
+                <a:latin typeface="Oxygen Light"/>
+                <a:cs typeface="Oxygen Light"/>
+              </a:endParaRPr>
+            </a:p>
+          </p:txBody>
+        </p:sp>
       </p:grpSp>
       <p:pic>
         <p:nvPicPr>

--- a/resource/brijesh-resume.pptx
+++ b/resource/brijesh-resume.pptx
@@ -4518,10 +4518,10 @@
         </p:nvGrpSpPr>
         <p:grpSpPr>
           <a:xfrm>
-            <a:off x="-312601" y="4862069"/>
-            <a:ext cx="7471069" cy="4170913"/>
-            <a:chOff x="-312601" y="5293282"/>
-            <a:chExt cx="7471069" cy="4170913"/>
+            <a:off x="-308650" y="4862069"/>
+            <a:ext cx="7467118" cy="4170913"/>
+            <a:chOff x="-308650" y="5293282"/>
+            <a:chExt cx="7467118" cy="4170913"/>
           </a:xfrm>
         </p:grpSpPr>
         <p:grpSp>
@@ -4532,10 +4532,10 @@
           </p:nvGrpSpPr>
           <p:grpSpPr>
             <a:xfrm>
-              <a:off x="-312601" y="5293282"/>
-              <a:ext cx="7471069" cy="4170913"/>
-              <a:chOff x="-191835" y="5084186"/>
-              <a:chExt cx="7471069" cy="4170913"/>
+              <a:off x="-308650" y="5293282"/>
+              <a:ext cx="7467118" cy="4170913"/>
+              <a:chOff x="-187884" y="5084186"/>
+              <a:chExt cx="7467118" cy="4170913"/>
             </a:xfrm>
           </p:grpSpPr>
           <p:grpSp>
@@ -4546,10 +4546,10 @@
             </p:nvGrpSpPr>
             <p:grpSpPr>
               <a:xfrm>
-                <a:off x="-191835" y="5084186"/>
-                <a:ext cx="7113335" cy="2360964"/>
-                <a:chOff x="-191835" y="4643016"/>
-                <a:chExt cx="7113335" cy="2360964"/>
+                <a:off x="261466" y="5084186"/>
+                <a:ext cx="6660034" cy="2360964"/>
+                <a:chOff x="261466" y="4643016"/>
+                <a:chExt cx="6660034" cy="2360964"/>
               </a:xfrm>
             </p:grpSpPr>
             <p:grpSp>
@@ -4805,430 +4805,6 @@
                 </a:p>
                 <a:p>
                   <a:endParaRPr lang="en-US" sz="1100" b="1" dirty="0" smtClean="0">
-                    <a:latin typeface="Oxygen Light"/>
-                    <a:cs typeface="Oxygen Light"/>
-                  </a:endParaRPr>
-                </a:p>
-              </p:txBody>
-            </p:sp>
-            <p:sp>
-              <p:nvSpPr>
-                <p:cNvPr id="82" name="TextBox 81"/>
-                <p:cNvSpPr txBox="1"/>
-                <p:nvPr/>
-              </p:nvSpPr>
-              <p:spPr>
-                <a:xfrm>
-                  <a:off x="-191835" y="5961220"/>
-                  <a:ext cx="7054972" cy="1006429"/>
-                </a:xfrm>
-                <a:prstGeom prst="rect">
-                  <a:avLst/>
-                </a:prstGeom>
-                <a:noFill/>
-              </p:spPr>
-              <p:txBody>
-                <a:bodyPr wrap="square" rtlCol="0">
-                  <a:spAutoFit/>
-                </a:bodyPr>
-                <a:lstStyle/>
-                <a:p>
-                  <a:pPr marL="628650" lvl="1" indent="-171450">
-                    <a:lnSpc>
-                      <a:spcPct val="110000"/>
-                    </a:lnSpc>
-                    <a:buFont typeface="Arial" charset="0"/>
-                    <a:buChar char="•"/>
-                  </a:pPr>
-                  <a:r>
-                    <a:rPr lang="en-US" sz="900" b="1" dirty="0" smtClean="0">
-                      <a:solidFill>
-                        <a:schemeClr val="tx2">
-                          <a:lumMod val="60000"/>
-                          <a:lumOff val="40000"/>
-                        </a:schemeClr>
-                      </a:solidFill>
-                      <a:latin typeface="Oxygen Light"/>
-                      <a:cs typeface="Oxygen Light"/>
-                    </a:rPr>
-                    <a:t>Implemented</a:t>
-                  </a:r>
-                  <a:r>
-                    <a:rPr lang="en-US" sz="900" b="1" dirty="0" smtClean="0">
-                      <a:solidFill>
-                        <a:schemeClr val="bg1">
-                          <a:lumMod val="50000"/>
-                        </a:schemeClr>
-                      </a:solidFill>
-                      <a:latin typeface="Oxygen Light"/>
-                      <a:cs typeface="Oxygen Light"/>
-                    </a:rPr>
-                    <a:t> </a:t>
-                  </a:r>
-                  <a:r>
-                    <a:rPr lang="en-US" sz="900" b="1" dirty="0">
-                      <a:solidFill>
-                        <a:schemeClr val="tx2">
-                          <a:lumMod val="60000"/>
-                          <a:lumOff val="40000"/>
-                        </a:schemeClr>
-                      </a:solidFill>
-                      <a:latin typeface="Oxygen Light"/>
-                      <a:cs typeface="Oxygen Light"/>
-                    </a:rPr>
-                    <a:t>synchronization primitives</a:t>
-                  </a:r>
-                  <a:r>
-                    <a:rPr lang="en-US" sz="900" b="1" dirty="0">
-                      <a:solidFill>
-                        <a:schemeClr val="bg1">
-                          <a:lumMod val="50000"/>
-                        </a:schemeClr>
-                      </a:solidFill>
-                      <a:latin typeface="Oxygen Light"/>
-                      <a:cs typeface="Oxygen Light"/>
-                    </a:rPr>
-                    <a:t> </a:t>
-                  </a:r>
-                  <a:r>
-                    <a:rPr lang="en-US" sz="900" dirty="0">
-                      <a:solidFill>
-                        <a:schemeClr val="bg1">
-                          <a:lumMod val="50000"/>
-                        </a:schemeClr>
-                      </a:solidFill>
-                      <a:latin typeface="Oxygen Light"/>
-                      <a:cs typeface="Oxygen Light"/>
-                    </a:rPr>
-                    <a:t>such as </a:t>
-                  </a:r>
-                  <a:r>
-                    <a:rPr lang="en-US" sz="900" dirty="0" err="1">
-                      <a:solidFill>
-                        <a:schemeClr val="bg1">
-                          <a:lumMod val="50000"/>
-                        </a:schemeClr>
-                      </a:solidFill>
-                      <a:latin typeface="Oxygen Light"/>
-                      <a:cs typeface="Oxygen Light"/>
-                    </a:rPr>
-                    <a:t>mutex</a:t>
-                  </a:r>
-                  <a:r>
-                    <a:rPr lang="en-US" sz="900" dirty="0">
-                      <a:solidFill>
-                        <a:schemeClr val="bg1">
-                          <a:lumMod val="50000"/>
-                        </a:schemeClr>
-                      </a:solidFill>
-                      <a:latin typeface="Oxygen Light"/>
-                      <a:cs typeface="Oxygen Light"/>
-                    </a:rPr>
-                    <a:t> locks, conditional variables, and reader/writer locks</a:t>
-                  </a:r>
-                  <a:r>
-                    <a:rPr lang="en-US" sz="900" dirty="0" smtClean="0">
-                      <a:solidFill>
-                        <a:schemeClr val="bg1">
-                          <a:lumMod val="50000"/>
-                        </a:schemeClr>
-                      </a:solidFill>
-                      <a:latin typeface="Oxygen Light"/>
-                      <a:cs typeface="Oxygen Light"/>
-                    </a:rPr>
-                    <a:t>.</a:t>
-                  </a:r>
-                </a:p>
-                <a:p>
-                  <a:pPr marL="628650" lvl="1" indent="-171450">
-                    <a:lnSpc>
-                      <a:spcPct val="110000"/>
-                    </a:lnSpc>
-                    <a:buFont typeface="Arial" charset="0"/>
-                    <a:buChar char="•"/>
-                  </a:pPr>
-                  <a:r>
-                    <a:rPr lang="en-US" sz="900" dirty="0">
-                      <a:solidFill>
-                        <a:schemeClr val="tx1">
-                          <a:lumMod val="50000"/>
-                          <a:lumOff val="50000"/>
-                        </a:schemeClr>
-                      </a:solidFill>
-                      <a:latin typeface="Oxygen Light"/>
-                      <a:cs typeface="Oxygen Light"/>
-                    </a:rPr>
-                    <a:t>Designed and </a:t>
-                  </a:r>
-                  <a:r>
-                    <a:rPr lang="en-US" sz="900" b="1" dirty="0">
-                      <a:solidFill>
-                        <a:schemeClr val="tx2">
-                          <a:lumMod val="60000"/>
-                          <a:lumOff val="40000"/>
-                        </a:schemeClr>
-                      </a:solidFill>
-                      <a:latin typeface="Oxygen Light"/>
-                      <a:cs typeface="Oxygen Light"/>
-                    </a:rPr>
-                    <a:t>implemented</a:t>
-                  </a:r>
-                  <a:r>
-                    <a:rPr lang="en-US" sz="900" dirty="0">
-                      <a:solidFill>
-                        <a:schemeClr val="tx1">
-                          <a:lumMod val="50000"/>
-                          <a:lumOff val="50000"/>
-                        </a:schemeClr>
-                      </a:solidFill>
-                      <a:latin typeface="Oxygen Light"/>
-                      <a:cs typeface="Oxygen Light"/>
-                    </a:rPr>
-                    <a:t> the entire </a:t>
-                  </a:r>
-                  <a:r>
-                    <a:rPr lang="en-US" sz="900" b="1" dirty="0">
-                      <a:solidFill>
-                        <a:schemeClr val="tx2">
-                          <a:lumMod val="60000"/>
-                          <a:lumOff val="40000"/>
-                        </a:schemeClr>
-                      </a:solidFill>
-                      <a:latin typeface="Oxygen Light"/>
-                      <a:cs typeface="Oxygen Light"/>
-                    </a:rPr>
-                    <a:t>file system </a:t>
-                  </a:r>
-                  <a:r>
-                    <a:rPr lang="en-US" sz="900" dirty="0" err="1">
-                      <a:solidFill>
-                        <a:schemeClr val="tx1">
-                          <a:lumMod val="50000"/>
-                          <a:lumOff val="50000"/>
-                        </a:schemeClr>
-                      </a:solidFill>
-                      <a:latin typeface="Oxygen Light"/>
-                      <a:cs typeface="Oxygen Light"/>
-                    </a:rPr>
-                    <a:t>syscall</a:t>
-                  </a:r>
-                  <a:r>
-                    <a:rPr lang="en-US" sz="900" dirty="0">
-                      <a:solidFill>
-                        <a:schemeClr val="tx1">
-                          <a:lumMod val="50000"/>
-                          <a:lumOff val="50000"/>
-                        </a:schemeClr>
-                      </a:solidFill>
-                      <a:latin typeface="Oxygen Light"/>
-                      <a:cs typeface="Oxygen Light"/>
-                    </a:rPr>
-                    <a:t> interface (read, write, close, </a:t>
-                  </a:r>
-                  <a:r>
-                    <a:rPr lang="en-US" sz="900" dirty="0" err="1">
-                      <a:solidFill>
-                        <a:schemeClr val="tx1">
-                          <a:lumMod val="50000"/>
-                          <a:lumOff val="50000"/>
-                        </a:schemeClr>
-                      </a:solidFill>
-                      <a:latin typeface="Oxygen Light"/>
-                      <a:cs typeface="Oxygen Light"/>
-                    </a:rPr>
-                    <a:t>lseek</a:t>
-                  </a:r>
-                  <a:r>
-                    <a:rPr lang="en-US" sz="900" dirty="0">
-                      <a:solidFill>
-                        <a:schemeClr val="tx1">
-                          <a:lumMod val="50000"/>
-                          <a:lumOff val="50000"/>
-                        </a:schemeClr>
-                      </a:solidFill>
-                      <a:latin typeface="Oxygen Light"/>
-                      <a:cs typeface="Oxygen Light"/>
-                    </a:rPr>
-                    <a:t>, dup2, </a:t>
-                  </a:r>
-                  <a:r>
-                    <a:rPr lang="en-US" sz="900" dirty="0" err="1">
-                      <a:solidFill>
-                        <a:schemeClr val="tx1">
-                          <a:lumMod val="50000"/>
-                          <a:lumOff val="50000"/>
-                        </a:schemeClr>
-                      </a:solidFill>
-                      <a:latin typeface="Oxygen Light"/>
-                      <a:cs typeface="Oxygen Light"/>
-                    </a:rPr>
-                    <a:t>chdir</a:t>
-                  </a:r>
-                  <a:r>
-                    <a:rPr lang="en-US" sz="900" dirty="0">
-                      <a:solidFill>
-                        <a:schemeClr val="tx1">
-                          <a:lumMod val="50000"/>
-                          <a:lumOff val="50000"/>
-                        </a:schemeClr>
-                      </a:solidFill>
-                      <a:latin typeface="Oxygen Light"/>
-                      <a:cs typeface="Oxygen Light"/>
-                    </a:rPr>
-                    <a:t>) , and </a:t>
-                  </a:r>
-                  <a:r>
-                    <a:rPr lang="en-US" sz="900" b="1" dirty="0">
-                      <a:solidFill>
-                        <a:schemeClr val="tx2">
-                          <a:lumMod val="60000"/>
-                          <a:lumOff val="40000"/>
-                        </a:schemeClr>
-                      </a:solidFill>
-                      <a:latin typeface="Oxygen Light"/>
-                      <a:cs typeface="Oxygen Light"/>
-                    </a:rPr>
-                    <a:t>process support </a:t>
-                  </a:r>
-                  <a:r>
-                    <a:rPr lang="en-US" sz="900" dirty="0">
-                      <a:solidFill>
-                        <a:schemeClr val="tx1">
-                          <a:lumMod val="50000"/>
-                          <a:lumOff val="50000"/>
-                        </a:schemeClr>
-                      </a:solidFill>
-                      <a:latin typeface="Oxygen Light"/>
-                      <a:cs typeface="Oxygen Light"/>
-                    </a:rPr>
-                    <a:t>(exec, fork, </a:t>
-                  </a:r>
-                  <a:r>
-                    <a:rPr lang="en-US" sz="900" dirty="0" err="1">
-                      <a:solidFill>
-                        <a:schemeClr val="tx1">
-                          <a:lumMod val="50000"/>
-                          <a:lumOff val="50000"/>
-                        </a:schemeClr>
-                      </a:solidFill>
-                      <a:latin typeface="Oxygen Light"/>
-                      <a:cs typeface="Oxygen Light"/>
-                    </a:rPr>
-                    <a:t>waitpid</a:t>
-                  </a:r>
-                  <a:r>
-                    <a:rPr lang="en-US" sz="900" dirty="0">
-                      <a:solidFill>
-                        <a:schemeClr val="tx1">
-                          <a:lumMod val="50000"/>
-                          <a:lumOff val="50000"/>
-                        </a:schemeClr>
-                      </a:solidFill>
-                      <a:latin typeface="Oxygen Light"/>
-                      <a:cs typeface="Oxygen Light"/>
-                    </a:rPr>
-                    <a:t>) so that user-programs can be executed by launching a simple shell</a:t>
-                  </a:r>
-                  <a:r>
-                    <a:rPr lang="en-US" sz="900" dirty="0" smtClean="0">
-                      <a:solidFill>
-                        <a:schemeClr val="tx1">
-                          <a:lumMod val="50000"/>
-                          <a:lumOff val="50000"/>
-                        </a:schemeClr>
-                      </a:solidFill>
-                      <a:latin typeface="Oxygen Light"/>
-                      <a:cs typeface="Oxygen Light"/>
-                    </a:rPr>
-                    <a:t>.</a:t>
-                  </a:r>
-                </a:p>
-                <a:p>
-                  <a:pPr marL="628650" lvl="1" indent="-171450">
-                    <a:lnSpc>
-                      <a:spcPct val="110000"/>
-                    </a:lnSpc>
-                    <a:buFont typeface="Arial" charset="0"/>
-                    <a:buChar char="•"/>
-                  </a:pPr>
-                  <a:r>
-                    <a:rPr lang="en-US" sz="900" dirty="0">
-                      <a:solidFill>
-                        <a:schemeClr val="tx1">
-                          <a:lumMod val="50000"/>
-                          <a:lumOff val="50000"/>
-                        </a:schemeClr>
-                      </a:solidFill>
-                      <a:latin typeface="Oxygen Light"/>
-                      <a:cs typeface="Oxygen Light"/>
-                    </a:rPr>
-                    <a:t>Carefully designed and successfully </a:t>
-                  </a:r>
-                  <a:r>
-                    <a:rPr lang="en-US" sz="900" b="1" dirty="0">
-                      <a:solidFill>
-                        <a:schemeClr val="tx2">
-                          <a:lumMod val="60000"/>
-                          <a:lumOff val="40000"/>
-                        </a:schemeClr>
-                      </a:solidFill>
-                      <a:latin typeface="Oxygen Light"/>
-                      <a:cs typeface="Oxygen Light"/>
-                    </a:rPr>
-                    <a:t>implemented virtual memory</a:t>
-                  </a:r>
-                  <a:r>
-                    <a:rPr lang="en-US" sz="900" dirty="0">
-                      <a:solidFill>
-                        <a:schemeClr val="tx1">
-                          <a:lumMod val="50000"/>
-                          <a:lumOff val="50000"/>
-                        </a:schemeClr>
-                      </a:solidFill>
-                      <a:latin typeface="Oxygen Light"/>
-                      <a:cs typeface="Oxygen Light"/>
-                    </a:rPr>
-                    <a:t>, including address translation, TLB management, page replacement, and swapping – without any memory leaks</a:t>
-                  </a:r>
-                  <a:r>
-                    <a:rPr lang="en-US" sz="900" dirty="0" smtClean="0">
-                      <a:solidFill>
-                        <a:schemeClr val="tx1">
-                          <a:lumMod val="50000"/>
-                          <a:lumOff val="50000"/>
-                        </a:schemeClr>
-                      </a:solidFill>
-                      <a:latin typeface="Oxygen Light"/>
-                      <a:cs typeface="Oxygen Light"/>
-                    </a:rPr>
-                    <a:t>.</a:t>
-                  </a:r>
-                  <a:endParaRPr lang="en-US" sz="900" dirty="0">
-                    <a:solidFill>
-                      <a:schemeClr val="tx1">
-                        <a:lumMod val="50000"/>
-                        <a:lumOff val="50000"/>
-                      </a:schemeClr>
-                    </a:solidFill>
-                    <a:latin typeface="Oxygen Light"/>
-                    <a:cs typeface="Oxygen Light"/>
-                  </a:endParaRPr>
-                </a:p>
-                <a:p>
-                  <a:pPr marL="628650" lvl="1" indent="-171450">
-                    <a:lnSpc>
-                      <a:spcPct val="110000"/>
-                    </a:lnSpc>
-                    <a:buFont typeface="Arial" charset="0"/>
-                    <a:buChar char="•"/>
-                  </a:pPr>
-                  <a:endParaRPr lang="en-US" sz="900" dirty="0">
-                    <a:solidFill>
-                      <a:schemeClr val="tx1">
-                        <a:lumMod val="50000"/>
-                        <a:lumOff val="50000"/>
-                      </a:schemeClr>
-                    </a:solidFill>
                     <a:latin typeface="Oxygen Light"/>
                     <a:cs typeface="Oxygen Light"/>
                   </a:endParaRPr>
@@ -9022,36 +8598,386 @@
           </p:txBody>
         </p:sp>
       </p:grpSp>
-      <p:pic>
-        <p:nvPicPr>
-          <p:cNvPr id="3" name="Picture 2"/>
-          <p:cNvPicPr>
-            <a:picLocks noChangeAspect="1"/>
-          </p:cNvPicPr>
+      <p:sp>
+        <p:nvSpPr>
+          <p:cNvPr id="108" name="TextBox 107"/>
+          <p:cNvSpPr txBox="1"/>
           <p:nvPr/>
-        </p:nvPicPr>
-        <p:blipFill>
-          <a:blip r:embed="rId11">
-            <a:extLst>
-              <a:ext uri="{28A0092B-C50C-407E-A947-70E740481C1C}">
-                <a14:useLocalDpi xmlns:a14="http://schemas.microsoft.com/office/drawing/2010/main" val="0"/>
-              </a:ext>
-            </a:extLst>
-          </a:blip>
-          <a:stretch>
-            <a:fillRect/>
-          </a:stretch>
-        </p:blipFill>
+        </p:nvSpPr>
         <p:spPr>
           <a:xfrm>
-            <a:off x="3258722" y="77725"/>
-            <a:ext cx="974792" cy="974792"/>
+            <a:off x="-310208" y="6173209"/>
+            <a:ext cx="7110942" cy="854080"/>
           </a:xfrm>
           <a:prstGeom prst="rect">
             <a:avLst/>
           </a:prstGeom>
+          <a:noFill/>
         </p:spPr>
-      </p:pic>
+        <p:txBody>
+          <a:bodyPr wrap="square" rtlCol="0">
+            <a:spAutoFit/>
+          </a:bodyPr>
+          <a:lstStyle/>
+          <a:p>
+            <a:pPr marL="628650" lvl="1" indent="-171450">
+              <a:lnSpc>
+                <a:spcPct val="110000"/>
+              </a:lnSpc>
+              <a:buFont typeface="Lucida Grande"/>
+              <a:buChar char="-"/>
+            </a:pPr>
+            <a:r>
+              <a:rPr lang="en-US" sz="900" b="1" dirty="0">
+                <a:solidFill>
+                  <a:schemeClr val="tx2">
+                    <a:lumMod val="60000"/>
+                    <a:lumOff val="40000"/>
+                  </a:schemeClr>
+                </a:solidFill>
+                <a:latin typeface="Oxygen Light"/>
+                <a:cs typeface="Oxygen Light"/>
+              </a:rPr>
+              <a:t>Implemented</a:t>
+            </a:r>
+            <a:r>
+              <a:rPr lang="en-US" sz="900" b="1" dirty="0">
+                <a:solidFill>
+                  <a:schemeClr val="bg1">
+                    <a:lumMod val="50000"/>
+                  </a:schemeClr>
+                </a:solidFill>
+                <a:latin typeface="Oxygen Light"/>
+                <a:cs typeface="Oxygen Light"/>
+              </a:rPr>
+              <a:t> </a:t>
+            </a:r>
+            <a:r>
+              <a:rPr lang="en-US" sz="900" b="1" dirty="0">
+                <a:solidFill>
+                  <a:schemeClr val="tx2">
+                    <a:lumMod val="60000"/>
+                    <a:lumOff val="40000"/>
+                  </a:schemeClr>
+                </a:solidFill>
+                <a:latin typeface="Oxygen Light"/>
+                <a:cs typeface="Oxygen Light"/>
+              </a:rPr>
+              <a:t>synchronization primitives</a:t>
+            </a:r>
+            <a:r>
+              <a:rPr lang="en-US" sz="900" b="1" dirty="0">
+                <a:solidFill>
+                  <a:schemeClr val="bg1">
+                    <a:lumMod val="50000"/>
+                  </a:schemeClr>
+                </a:solidFill>
+                <a:latin typeface="Oxygen Light"/>
+                <a:cs typeface="Oxygen Light"/>
+              </a:rPr>
+              <a:t> </a:t>
+            </a:r>
+            <a:r>
+              <a:rPr lang="en-US" sz="900" dirty="0">
+                <a:solidFill>
+                  <a:schemeClr val="bg1">
+                    <a:lumMod val="50000"/>
+                  </a:schemeClr>
+                </a:solidFill>
+                <a:latin typeface="Oxygen Light"/>
+                <a:cs typeface="Oxygen Light"/>
+              </a:rPr>
+              <a:t>such as </a:t>
+            </a:r>
+            <a:r>
+              <a:rPr lang="en-US" sz="900" dirty="0" err="1">
+                <a:solidFill>
+                  <a:schemeClr val="bg1">
+                    <a:lumMod val="50000"/>
+                  </a:schemeClr>
+                </a:solidFill>
+                <a:latin typeface="Oxygen Light"/>
+                <a:cs typeface="Oxygen Light"/>
+              </a:rPr>
+              <a:t>mutex</a:t>
+            </a:r>
+            <a:r>
+              <a:rPr lang="en-US" sz="900" dirty="0">
+                <a:solidFill>
+                  <a:schemeClr val="bg1">
+                    <a:lumMod val="50000"/>
+                  </a:schemeClr>
+                </a:solidFill>
+                <a:latin typeface="Oxygen Light"/>
+                <a:cs typeface="Oxygen Light"/>
+              </a:rPr>
+              <a:t> locks, conditional variables, and reader/writer locks.</a:t>
+            </a:r>
+          </a:p>
+          <a:p>
+            <a:pPr marL="628650" lvl="1" indent="-171450">
+              <a:lnSpc>
+                <a:spcPct val="110000"/>
+              </a:lnSpc>
+              <a:buFont typeface="Lucida Grande"/>
+              <a:buChar char="-"/>
+            </a:pPr>
+            <a:r>
+              <a:rPr lang="en-US" sz="900" dirty="0">
+                <a:solidFill>
+                  <a:schemeClr val="tx1">
+                    <a:lumMod val="50000"/>
+                    <a:lumOff val="50000"/>
+                  </a:schemeClr>
+                </a:solidFill>
+                <a:latin typeface="Oxygen Light"/>
+                <a:cs typeface="Oxygen Light"/>
+              </a:rPr>
+              <a:t>Designed and </a:t>
+            </a:r>
+            <a:r>
+              <a:rPr lang="en-US" sz="900" b="1" dirty="0">
+                <a:solidFill>
+                  <a:schemeClr val="tx2">
+                    <a:lumMod val="60000"/>
+                    <a:lumOff val="40000"/>
+                  </a:schemeClr>
+                </a:solidFill>
+                <a:latin typeface="Oxygen Light"/>
+                <a:cs typeface="Oxygen Light"/>
+              </a:rPr>
+              <a:t>implemented</a:t>
+            </a:r>
+            <a:r>
+              <a:rPr lang="en-US" sz="900" dirty="0">
+                <a:solidFill>
+                  <a:schemeClr val="tx1">
+                    <a:lumMod val="50000"/>
+                    <a:lumOff val="50000"/>
+                  </a:schemeClr>
+                </a:solidFill>
+                <a:latin typeface="Oxygen Light"/>
+                <a:cs typeface="Oxygen Light"/>
+              </a:rPr>
+              <a:t> the entire </a:t>
+            </a:r>
+            <a:r>
+              <a:rPr lang="en-US" sz="900" b="1" dirty="0">
+                <a:solidFill>
+                  <a:schemeClr val="tx2">
+                    <a:lumMod val="60000"/>
+                    <a:lumOff val="40000"/>
+                  </a:schemeClr>
+                </a:solidFill>
+                <a:latin typeface="Oxygen Light"/>
+                <a:cs typeface="Oxygen Light"/>
+              </a:rPr>
+              <a:t>file system </a:t>
+            </a:r>
+            <a:r>
+              <a:rPr lang="en-US" sz="900" dirty="0" err="1">
+                <a:solidFill>
+                  <a:schemeClr val="tx1">
+                    <a:lumMod val="50000"/>
+                    <a:lumOff val="50000"/>
+                  </a:schemeClr>
+                </a:solidFill>
+                <a:latin typeface="Oxygen Light"/>
+                <a:cs typeface="Oxygen Light"/>
+              </a:rPr>
+              <a:t>syscall</a:t>
+            </a:r>
+            <a:r>
+              <a:rPr lang="en-US" sz="900" dirty="0">
+                <a:solidFill>
+                  <a:schemeClr val="tx1">
+                    <a:lumMod val="50000"/>
+                    <a:lumOff val="50000"/>
+                  </a:schemeClr>
+                </a:solidFill>
+                <a:latin typeface="Oxygen Light"/>
+                <a:cs typeface="Oxygen Light"/>
+              </a:rPr>
+              <a:t> interface (read, write, close, </a:t>
+            </a:r>
+            <a:r>
+              <a:rPr lang="en-US" sz="900" dirty="0" err="1">
+                <a:solidFill>
+                  <a:schemeClr val="tx1">
+                    <a:lumMod val="50000"/>
+                    <a:lumOff val="50000"/>
+                  </a:schemeClr>
+                </a:solidFill>
+                <a:latin typeface="Oxygen Light"/>
+                <a:cs typeface="Oxygen Light"/>
+              </a:rPr>
+              <a:t>lseek</a:t>
+            </a:r>
+            <a:r>
+              <a:rPr lang="en-US" sz="900" dirty="0">
+                <a:solidFill>
+                  <a:schemeClr val="tx1">
+                    <a:lumMod val="50000"/>
+                    <a:lumOff val="50000"/>
+                  </a:schemeClr>
+                </a:solidFill>
+                <a:latin typeface="Oxygen Light"/>
+                <a:cs typeface="Oxygen Light"/>
+              </a:rPr>
+              <a:t>, dup2, </a:t>
+            </a:r>
+            <a:r>
+              <a:rPr lang="en-US" sz="900" dirty="0" err="1">
+                <a:solidFill>
+                  <a:schemeClr val="tx1">
+                    <a:lumMod val="50000"/>
+                    <a:lumOff val="50000"/>
+                  </a:schemeClr>
+                </a:solidFill>
+                <a:latin typeface="Oxygen Light"/>
+                <a:cs typeface="Oxygen Light"/>
+              </a:rPr>
+              <a:t>chdir</a:t>
+            </a:r>
+            <a:r>
+              <a:rPr lang="en-US" sz="900" dirty="0">
+                <a:solidFill>
+                  <a:schemeClr val="tx1">
+                    <a:lumMod val="50000"/>
+                    <a:lumOff val="50000"/>
+                  </a:schemeClr>
+                </a:solidFill>
+                <a:latin typeface="Oxygen Light"/>
+                <a:cs typeface="Oxygen Light"/>
+              </a:rPr>
+              <a:t>) , and </a:t>
+            </a:r>
+            <a:r>
+              <a:rPr lang="en-US" sz="900" b="1" dirty="0">
+                <a:solidFill>
+                  <a:schemeClr val="tx2">
+                    <a:lumMod val="60000"/>
+                    <a:lumOff val="40000"/>
+                  </a:schemeClr>
+                </a:solidFill>
+                <a:latin typeface="Oxygen Light"/>
+                <a:cs typeface="Oxygen Light"/>
+              </a:rPr>
+              <a:t>process support </a:t>
+            </a:r>
+            <a:r>
+              <a:rPr lang="en-US" sz="900" dirty="0">
+                <a:solidFill>
+                  <a:schemeClr val="tx1">
+                    <a:lumMod val="50000"/>
+                    <a:lumOff val="50000"/>
+                  </a:schemeClr>
+                </a:solidFill>
+                <a:latin typeface="Oxygen Light"/>
+                <a:cs typeface="Oxygen Light"/>
+              </a:rPr>
+              <a:t>(exec, fork, </a:t>
+            </a:r>
+            <a:r>
+              <a:rPr lang="en-US" sz="900" dirty="0" err="1">
+                <a:solidFill>
+                  <a:schemeClr val="tx1">
+                    <a:lumMod val="50000"/>
+                    <a:lumOff val="50000"/>
+                  </a:schemeClr>
+                </a:solidFill>
+                <a:latin typeface="Oxygen Light"/>
+                <a:cs typeface="Oxygen Light"/>
+              </a:rPr>
+              <a:t>waitpid</a:t>
+            </a:r>
+            <a:r>
+              <a:rPr lang="en-US" sz="900" dirty="0">
+                <a:solidFill>
+                  <a:schemeClr val="tx1">
+                    <a:lumMod val="50000"/>
+                    <a:lumOff val="50000"/>
+                  </a:schemeClr>
+                </a:solidFill>
+                <a:latin typeface="Oxygen Light"/>
+                <a:cs typeface="Oxygen Light"/>
+              </a:rPr>
+              <a:t>) so that user-programs can be executed by launching a simple shell.</a:t>
+            </a:r>
+          </a:p>
+          <a:p>
+            <a:pPr marL="628650" lvl="1" indent="-171450">
+              <a:lnSpc>
+                <a:spcPct val="110000"/>
+              </a:lnSpc>
+              <a:buFont typeface="Lucida Grande"/>
+              <a:buChar char="-"/>
+            </a:pPr>
+            <a:r>
+              <a:rPr lang="en-US" sz="900" dirty="0">
+                <a:solidFill>
+                  <a:schemeClr val="tx1">
+                    <a:lumMod val="50000"/>
+                    <a:lumOff val="50000"/>
+                  </a:schemeClr>
+                </a:solidFill>
+                <a:latin typeface="Oxygen Light"/>
+                <a:cs typeface="Oxygen Light"/>
+              </a:rPr>
+              <a:t> Carefully designed and successfully </a:t>
+            </a:r>
+            <a:r>
+              <a:rPr lang="en-US" sz="900" b="1" dirty="0">
+                <a:solidFill>
+                  <a:schemeClr val="tx2">
+                    <a:lumMod val="60000"/>
+                    <a:lumOff val="40000"/>
+                  </a:schemeClr>
+                </a:solidFill>
+                <a:latin typeface="Oxygen Light"/>
+                <a:cs typeface="Oxygen Light"/>
+              </a:rPr>
+              <a:t>implemented virtual memory</a:t>
+            </a:r>
+            <a:r>
+              <a:rPr lang="en-US" sz="900" dirty="0">
+                <a:solidFill>
+                  <a:schemeClr val="tx1">
+                    <a:lumMod val="50000"/>
+                    <a:lumOff val="50000"/>
+                  </a:schemeClr>
+                </a:solidFill>
+                <a:latin typeface="Oxygen Light"/>
+                <a:cs typeface="Oxygen Light"/>
+              </a:rPr>
+              <a:t>, including address translation, TLB management, page replacement, and swapping – without any memory leaks</a:t>
+            </a:r>
+            <a:r>
+              <a:rPr lang="en-US" sz="900" dirty="0" smtClean="0">
+                <a:solidFill>
+                  <a:schemeClr val="tx1">
+                    <a:lumMod val="50000"/>
+                    <a:lumOff val="50000"/>
+                  </a:schemeClr>
+                </a:solidFill>
+                <a:latin typeface="Oxygen Light"/>
+                <a:cs typeface="Oxygen Light"/>
+              </a:rPr>
+              <a:t>.</a:t>
+            </a:r>
+            <a:endParaRPr lang="en-US" sz="900" dirty="0">
+              <a:solidFill>
+                <a:schemeClr val="tx1">
+                  <a:lumMod val="50000"/>
+                  <a:lumOff val="50000"/>
+                </a:schemeClr>
+              </a:solidFill>
+              <a:latin typeface="Oxygen Light"/>
+              <a:cs typeface="Oxygen Light"/>
+            </a:endParaRPr>
+          </a:p>
+        </p:txBody>
+      </p:sp>
     </p:spTree>
     <p:extLst>
       <p:ext uri="{BB962C8B-B14F-4D97-AF65-F5344CB8AC3E}">

--- a/resource/brijesh-resume.pptx
+++ b/resource/brijesh-resume.pptx
@@ -7318,10 +7318,10 @@
           </p:nvGrpSpPr>
           <p:grpSpPr>
             <a:xfrm>
-              <a:off x="274410" y="4546180"/>
-              <a:ext cx="4123749" cy="618145"/>
-              <a:chOff x="250508" y="5297634"/>
-              <a:chExt cx="4123749" cy="618145"/>
+              <a:off x="257747" y="4546180"/>
+              <a:ext cx="2311517" cy="340420"/>
+              <a:chOff x="233845" y="5297634"/>
+              <a:chExt cx="2311517" cy="340420"/>
             </a:xfrm>
           </p:grpSpPr>
           <p:sp>
@@ -7356,44 +7356,14 @@
           </p:sp>
           <p:sp>
             <p:nvSpPr>
-              <p:cNvPr id="167" name="TextBox 166"/>
-              <p:cNvSpPr txBox="1"/>
-              <p:nvPr/>
-            </p:nvSpPr>
-            <p:spPr>
-              <a:xfrm>
-                <a:off x="2388210" y="5302766"/>
-                <a:ext cx="417160" cy="323165"/>
-              </a:xfrm>
-              <a:prstGeom prst="rect">
-                <a:avLst/>
-              </a:prstGeom>
-              <a:noFill/>
-            </p:spPr>
-            <p:txBody>
-              <a:bodyPr wrap="square" rtlCol="0">
-                <a:spAutoFit/>
-              </a:bodyPr>
-              <a:lstStyle/>
-              <a:p>
-                <a:r>
-                  <a:rPr lang="en-US" sz="1500" dirty="0" smtClean="0"/>
-                  <a:t>.</a:t>
-                </a:r>
-                <a:endParaRPr lang="en-US" sz="1500" dirty="0"/>
-              </a:p>
-            </p:txBody>
-          </p:sp>
-          <p:sp>
-            <p:nvSpPr>
               <p:cNvPr id="168" name="TextBox 167"/>
               <p:cNvSpPr txBox="1"/>
               <p:nvPr/>
             </p:nvSpPr>
             <p:spPr>
               <a:xfrm>
-                <a:off x="250508" y="5361781"/>
-                <a:ext cx="4123749" cy="553998"/>
+                <a:off x="233845" y="5361055"/>
+                <a:ext cx="2311517" cy="276999"/>
               </a:xfrm>
               <a:prstGeom prst="rect">
                 <a:avLst/>
@@ -7433,22 +7403,15 @@
                     <a:latin typeface="Oxygen Light"/>
                     <a:cs typeface="Oxygen Light"/>
                   </a:rPr>
-                  <a:t>Co-founder, Backend Engineer</a:t>
-                </a:r>
-                <a:r>
-                  <a:rPr lang="en-US" sz="1100" b="1" dirty="0" smtClean="0"/>
-                  <a:t>      </a:t>
+                  <a:t>Co-founder, Backend </a:t>
                 </a:r>
                 <a:r>
                   <a:rPr lang="en-US" sz="1000" dirty="0" smtClean="0">
                     <a:latin typeface="Oxygen Light"/>
                     <a:cs typeface="Oxygen Light"/>
                   </a:rPr>
-                  <a:t>Buffalo, NY</a:t>
+                  <a:t>Engineer</a:t>
                 </a:r>
-                <a:endParaRPr lang="en-US" dirty="0"/>
-              </a:p>
-              <a:p>
                 <a:endParaRPr lang="en-US" dirty="0"/>
               </a:p>
             </p:txBody>

--- a/resource/brijesh-resume.pptx
+++ b/resource/brijesh-resume.pptx
@@ -7410,7 +7410,7 @@
                     <a:latin typeface="Oxygen Light"/>
                     <a:cs typeface="Oxygen Light"/>
                   </a:rPr>
-                  <a:t>Engineer</a:t>
+                  <a:t>Engineer </a:t>
                 </a:r>
                 <a:endParaRPr lang="en-US" dirty="0"/>
               </a:p>
@@ -8941,6 +8941,63 @@
           </a:p>
         </p:txBody>
       </p:sp>
+      <p:sp>
+        <p:nvSpPr>
+          <p:cNvPr id="7" name="Rectangle 6"/>
+          <p:cNvSpPr/>
+          <p:nvPr/>
+        </p:nvSpPr>
+        <p:spPr>
+          <a:xfrm>
+            <a:off x="2310753" y="5326228"/>
+            <a:ext cx="869149" cy="246221"/>
+          </a:xfrm>
+          <a:prstGeom prst="rect">
+            <a:avLst/>
+          </a:prstGeom>
+        </p:spPr>
+        <p:txBody>
+          <a:bodyPr wrap="none">
+            <a:spAutoFit/>
+          </a:bodyPr>
+          <a:lstStyle/>
+          <a:p>
+            <a:r>
+              <a:rPr lang="en-US" sz="1000" b="1" dirty="0">
+                <a:solidFill>
+                  <a:schemeClr val="bg1">
+                    <a:lumMod val="50000"/>
+                  </a:schemeClr>
+                </a:solidFill>
+                <a:latin typeface="Oxygen Light"/>
+                <a:cs typeface="Oxygen Light"/>
+              </a:rPr>
+              <a:t>|</a:t>
+            </a:r>
+            <a:r>
+              <a:rPr lang="en-US" sz="1000" b="1" dirty="0">
+                <a:latin typeface="Oxygen Light"/>
+                <a:cs typeface="Oxygen Light"/>
+              </a:rPr>
+              <a:t>   </a:t>
+            </a:r>
+            <a:r>
+              <a:rPr lang="en-US" sz="1000" b="1" dirty="0">
+                <a:solidFill>
+                  <a:schemeClr val="tx2">
+                    <a:lumMod val="60000"/>
+                    <a:lumOff val="40000"/>
+                  </a:schemeClr>
+                </a:solidFill>
+                <a:latin typeface="Oxygen Light"/>
+                <a:cs typeface="Oxygen Light"/>
+              </a:rPr>
+              <a:t>JavaScript</a:t>
+            </a:r>
+            <a:endParaRPr lang="en-US" sz="1000" dirty="0"/>
+          </a:p>
+        </p:txBody>
+      </p:sp>
     </p:spTree>
     <p:extLst>
       <p:ext uri="{BB962C8B-B14F-4D97-AF65-F5344CB8AC3E}">

--- a/resource/brijesh-resume.pptx
+++ b/resource/brijesh-resume.pptx
@@ -3535,9 +3535,9 @@
         <p:grpSpPr>
           <a:xfrm>
             <a:off x="4196580" y="123151"/>
-            <a:ext cx="1728517" cy="897595"/>
+            <a:ext cx="1728517" cy="925027"/>
             <a:chOff x="5362040" y="97906"/>
-            <a:chExt cx="1728517" cy="897595"/>
+            <a:chExt cx="1728517" cy="925027"/>
           </a:xfrm>
         </p:grpSpPr>
         <p:grpSp>
@@ -3548,9 +3548,9 @@
           </p:nvGrpSpPr>
           <p:grpSpPr>
             <a:xfrm>
-              <a:off x="5542944" y="764669"/>
+              <a:off x="5542944" y="792101"/>
               <a:ext cx="1411692" cy="230832"/>
-              <a:chOff x="4723963" y="1192579"/>
+              <a:chOff x="4723963" y="1220011"/>
               <a:chExt cx="1305381" cy="230832"/>
             </a:xfrm>
           </p:grpSpPr>
@@ -3562,7 +3562,7 @@
             </p:nvSpPr>
             <p:spPr>
               <a:xfrm>
-                <a:off x="4789824" y="1192579"/>
+                <a:off x="4789824" y="1220011"/>
                 <a:ext cx="1239520" cy="230832"/>
               </a:xfrm>
               <a:prstGeom prst="rect">
@@ -3650,7 +3650,7 @@
           </p:nvSpPr>
           <p:spPr>
             <a:xfrm>
-              <a:off x="5362040" y="252587"/>
+              <a:off x="5362040" y="280019"/>
               <a:ext cx="1657968" cy="230832"/>
             </a:xfrm>
             <a:prstGeom prst="rect">
@@ -3867,7 +3867,7 @@
           </p:nvSpPr>
           <p:spPr>
             <a:xfrm>
-              <a:off x="5635437" y="413471"/>
+              <a:off x="5631124" y="440903"/>
               <a:ext cx="936418" cy="230832"/>
             </a:xfrm>
             <a:prstGeom prst="rect">
@@ -3946,7 +3946,7 @@
           </p:nvSpPr>
           <p:spPr>
             <a:xfrm>
-              <a:off x="5638417" y="588284"/>
+              <a:off x="5634104" y="606572"/>
               <a:ext cx="936418" cy="230832"/>
             </a:xfrm>
             <a:prstGeom prst="rect">
@@ -4114,8 +4114,8 @@
         </p:blipFill>
         <p:spPr>
           <a:xfrm>
-            <a:off x="5378647" y="-100003"/>
-            <a:ext cx="1319281" cy="1319281"/>
+            <a:off x="5378647" y="-91377"/>
+            <a:ext cx="1351616" cy="1351616"/>
           </a:xfrm>
           <a:prstGeom prst="rect">
             <a:avLst/>

--- a/resource/brijesh-resume.pptx
+++ b/resource/brijesh-resume.pptx
@@ -3534,10 +3534,10 @@
         </p:nvGrpSpPr>
         <p:grpSpPr>
           <a:xfrm>
-            <a:off x="4196580" y="123151"/>
-            <a:ext cx="1728517" cy="925027"/>
-            <a:chOff x="5362040" y="97906"/>
-            <a:chExt cx="1728517" cy="925027"/>
+            <a:off x="4196580" y="127464"/>
+            <a:ext cx="1728517" cy="920714"/>
+            <a:chOff x="5362040" y="102219"/>
+            <a:chExt cx="1728517" cy="920714"/>
           </a:xfrm>
         </p:grpSpPr>
         <p:grpSp>
@@ -3633,7 +3633,7 @@
             </p:blipFill>
             <p:spPr>
               <a:xfrm>
-                <a:off x="4723963" y="1238430"/>
+                <a:off x="4723963" y="1255682"/>
                 <a:ext cx="121943" cy="121943"/>
               </a:xfrm>
               <a:prstGeom prst="rect">
@@ -3758,7 +3758,7 @@
           </p:nvSpPr>
           <p:spPr>
             <a:xfrm>
-              <a:off x="5477023" y="97906"/>
+              <a:off x="5477023" y="102219"/>
               <a:ext cx="1613534" cy="230832"/>
             </a:xfrm>
             <a:prstGeom prst="rect">

--- a/resource/brijesh-resume.pptx
+++ b/resource/brijesh-resume.pptx
@@ -8057,8 +8057,33 @@
                   <a:latin typeface="Roboto Regular"/>
                   <a:cs typeface="Roboto Regular"/>
                 </a:rPr>
-                <a:t>CSE421/521 : Operating Systems (OS/161 by Harvard)</a:t>
+                <a:t>CSE421/521 : Operating Systems </a:t>
               </a:r>
+              <a:r>
+                <a:rPr lang="en-US" sz="900" b="1" dirty="0" smtClean="0">
+                  <a:latin typeface="Roboto Regular"/>
+                  <a:cs typeface="Roboto Regular"/>
+                </a:rPr>
+                <a:t>(ops-</a:t>
+              </a:r>
+              <a:r>
+                <a:rPr lang="en-US" sz="900" b="1" dirty="0" err="1" smtClean="0">
+                  <a:latin typeface="Roboto Regular"/>
+                  <a:cs typeface="Roboto Regular"/>
+                </a:rPr>
+                <a:t>class.org</a:t>
+              </a:r>
+              <a:r>
+                <a:rPr lang="en-US" sz="900" b="1" dirty="0" smtClean="0">
+                  <a:latin typeface="Roboto Regular"/>
+                  <a:cs typeface="Roboto Regular"/>
+                </a:rPr>
+                <a:t>)</a:t>
+              </a:r>
+              <a:endParaRPr lang="en-US" sz="900" b="1" dirty="0" smtClean="0">
+                <a:latin typeface="Roboto Regular"/>
+                <a:cs typeface="Roboto Regular"/>
+              </a:endParaRPr>
             </a:p>
           </p:txBody>
         </p:sp>
@@ -8093,8 +8118,33 @@
                   <a:latin typeface="Roboto Regular"/>
                   <a:cs typeface="Roboto Regular"/>
                 </a:rPr>
-                <a:t>CSE199 : How the Internet Works</a:t>
+                <a:t>CSE199 : How the Internet </a:t>
               </a:r>
+              <a:r>
+                <a:rPr lang="en-US" sz="900" b="1" dirty="0" smtClean="0">
+                  <a:latin typeface="Roboto Regular"/>
+                  <a:cs typeface="Roboto Regular"/>
+                </a:rPr>
+                <a:t>Works (internet-</a:t>
+              </a:r>
+              <a:r>
+                <a:rPr lang="en-US" sz="900" b="1" dirty="0" err="1" smtClean="0">
+                  <a:latin typeface="Roboto Regular"/>
+                  <a:cs typeface="Roboto Regular"/>
+                </a:rPr>
+                <a:t>class.org</a:t>
+              </a:r>
+              <a:r>
+                <a:rPr lang="en-US" sz="900" b="1" dirty="0" smtClean="0">
+                  <a:latin typeface="Roboto Regular"/>
+                  <a:cs typeface="Roboto Regular"/>
+                </a:rPr>
+                <a:t>)</a:t>
+              </a:r>
+              <a:endParaRPr lang="en-US" sz="900" b="1" dirty="0" smtClean="0">
+                <a:latin typeface="Roboto Regular"/>
+                <a:cs typeface="Roboto Regular"/>
+              </a:endParaRPr>
             </a:p>
           </p:txBody>
         </p:sp>

--- a/resource/brijesh-resume.pptx
+++ b/resource/brijesh-resume.pptx
@@ -208,7 +208,7 @@
           <a:p>
             <a:fld id="{387DAA05-1AEF-D34B-8C96-9B3D35EF2715}" type="datetimeFigureOut">
               <a:rPr lang="en-US" smtClean="0"/>
-              <a:t>6/6/17</a:t>
+              <a:t>6/11/17</a:t>
             </a:fld>
             <a:endParaRPr lang="en-US"/>
           </a:p>
@@ -657,7 +657,7 @@
           <a:p>
             <a:fld id="{FB878724-A30B-1743-925E-CD11EAAA2A52}" type="datetimeFigureOut">
               <a:rPr lang="en-US" smtClean="0"/>
-              <a:t>6/6/17</a:t>
+              <a:t>6/11/17</a:t>
             </a:fld>
             <a:endParaRPr lang="en-US"/>
           </a:p>
@@ -827,7 +827,7 @@
           <a:p>
             <a:fld id="{FB878724-A30B-1743-925E-CD11EAAA2A52}" type="datetimeFigureOut">
               <a:rPr lang="en-US" smtClean="0"/>
-              <a:t>6/6/17</a:t>
+              <a:t>6/11/17</a:t>
             </a:fld>
             <a:endParaRPr lang="en-US"/>
           </a:p>
@@ -1007,7 +1007,7 @@
           <a:p>
             <a:fld id="{FB878724-A30B-1743-925E-CD11EAAA2A52}" type="datetimeFigureOut">
               <a:rPr lang="en-US" smtClean="0"/>
-              <a:t>6/6/17</a:t>
+              <a:t>6/11/17</a:t>
             </a:fld>
             <a:endParaRPr lang="en-US"/>
           </a:p>
@@ -1177,7 +1177,7 @@
           <a:p>
             <a:fld id="{FB878724-A30B-1743-925E-CD11EAAA2A52}" type="datetimeFigureOut">
               <a:rPr lang="en-US" smtClean="0"/>
-              <a:t>6/6/17</a:t>
+              <a:t>6/11/17</a:t>
             </a:fld>
             <a:endParaRPr lang="en-US"/>
           </a:p>
@@ -1423,7 +1423,7 @@
           <a:p>
             <a:fld id="{FB878724-A30B-1743-925E-CD11EAAA2A52}" type="datetimeFigureOut">
               <a:rPr lang="en-US" smtClean="0"/>
-              <a:t>6/6/17</a:t>
+              <a:t>6/11/17</a:t>
             </a:fld>
             <a:endParaRPr lang="en-US"/>
           </a:p>
@@ -1711,7 +1711,7 @@
           <a:p>
             <a:fld id="{FB878724-A30B-1743-925E-CD11EAAA2A52}" type="datetimeFigureOut">
               <a:rPr lang="en-US" smtClean="0"/>
-              <a:t>6/6/17</a:t>
+              <a:t>6/11/17</a:t>
             </a:fld>
             <a:endParaRPr lang="en-US"/>
           </a:p>
@@ -2133,7 +2133,7 @@
           <a:p>
             <a:fld id="{FB878724-A30B-1743-925E-CD11EAAA2A52}" type="datetimeFigureOut">
               <a:rPr lang="en-US" smtClean="0"/>
-              <a:t>6/6/17</a:t>
+              <a:t>6/11/17</a:t>
             </a:fld>
             <a:endParaRPr lang="en-US"/>
           </a:p>
@@ -2251,7 +2251,7 @@
           <a:p>
             <a:fld id="{FB878724-A30B-1743-925E-CD11EAAA2A52}" type="datetimeFigureOut">
               <a:rPr lang="en-US" smtClean="0"/>
-              <a:t>6/6/17</a:t>
+              <a:t>6/11/17</a:t>
             </a:fld>
             <a:endParaRPr lang="en-US"/>
           </a:p>
@@ -2346,7 +2346,7 @@
           <a:p>
             <a:fld id="{FB878724-A30B-1743-925E-CD11EAAA2A52}" type="datetimeFigureOut">
               <a:rPr lang="en-US" smtClean="0"/>
-              <a:t>6/6/17</a:t>
+              <a:t>6/11/17</a:t>
             </a:fld>
             <a:endParaRPr lang="en-US"/>
           </a:p>
@@ -2623,7 +2623,7 @@
           <a:p>
             <a:fld id="{FB878724-A30B-1743-925E-CD11EAAA2A52}" type="datetimeFigureOut">
               <a:rPr lang="en-US" smtClean="0"/>
-              <a:t>6/6/17</a:t>
+              <a:t>6/11/17</a:t>
             </a:fld>
             <a:endParaRPr lang="en-US"/>
           </a:p>
@@ -2876,7 +2876,7 @@
           <a:p>
             <a:fld id="{FB878724-A30B-1743-925E-CD11EAAA2A52}" type="datetimeFigureOut">
               <a:rPr lang="en-US" smtClean="0"/>
-              <a:t>6/6/17</a:t>
+              <a:t>6/11/17</a:t>
             </a:fld>
             <a:endParaRPr lang="en-US"/>
           </a:p>
@@ -3089,7 +3089,7 @@
           <a:p>
             <a:fld id="{FB878724-A30B-1743-925E-CD11EAAA2A52}" type="datetimeFigureOut">
               <a:rPr lang="en-US" smtClean="0"/>
-              <a:t>6/6/17</a:t>
+              <a:t>6/11/17</a:t>
             </a:fld>
             <a:endParaRPr lang="en-US"/>
           </a:p>
@@ -4131,9 +4131,9 @@
         <p:grpSpPr>
           <a:xfrm>
             <a:off x="142605" y="9004934"/>
-            <a:ext cx="7794387" cy="1831764"/>
+            <a:ext cx="7809459" cy="1831764"/>
             <a:chOff x="142605" y="8914570"/>
-            <a:chExt cx="7794387" cy="1831764"/>
+            <a:chExt cx="7809459" cy="1831764"/>
           </a:xfrm>
         </p:grpSpPr>
         <p:grpSp>
@@ -4245,21 +4245,7 @@
                         <a:ea typeface="Roboto" charset="0"/>
                         <a:cs typeface="Roboto" charset="0"/>
                       </a:rPr>
-                      <a:t>B.S Computer </a:t>
-                    </a:r>
-                    <a:r>
-                      <a:rPr lang="en-US" sz="900" dirty="0" smtClean="0">
-                        <a:solidFill>
-                          <a:schemeClr val="tx1">
-                            <a:lumMod val="65000"/>
-                            <a:lumOff val="35000"/>
-                          </a:schemeClr>
-                        </a:solidFill>
-                        <a:latin typeface="Roboto" charset="0"/>
-                        <a:ea typeface="Roboto" charset="0"/>
-                        <a:cs typeface="Roboto" charset="0"/>
-                      </a:rPr>
-                      <a:t>Science, Expected December 2017</a:t>
+                      <a:t>B.S Computer Science, Expected December 2017</a:t>
                     </a:r>
                     <a:r>
                       <a:rPr lang="en-US" sz="900" b="1" dirty="0" smtClean="0">
@@ -4275,17 +4261,6 @@
                       </a:rPr>
                       <a:t> </a:t>
                     </a:r>
-                    <a:endParaRPr lang="en-US" sz="900" b="1" dirty="0" smtClean="0">
-                      <a:solidFill>
-                        <a:schemeClr val="tx1">
-                          <a:lumMod val="65000"/>
-                          <a:lumOff val="35000"/>
-                        </a:schemeClr>
-                      </a:solidFill>
-                      <a:latin typeface="Roboto" charset="0"/>
-                      <a:ea typeface="Roboto" charset="0"/>
-                      <a:cs typeface="Roboto" charset="0"/>
-                    </a:endParaRPr>
                   </a:p>
                 </p:txBody>
               </p:sp>
@@ -4412,7 +4387,7 @@
           </p:nvSpPr>
           <p:spPr>
             <a:xfrm>
-              <a:off x="157363" y="9461765"/>
+              <a:off x="152339" y="9461765"/>
               <a:ext cx="1440435" cy="230832"/>
             </a:xfrm>
             <a:prstGeom prst="rect">
@@ -4448,7 +4423,7 @@
           </p:nvSpPr>
           <p:spPr>
             <a:xfrm>
-              <a:off x="903303" y="9465036"/>
+              <a:off x="918375" y="9465036"/>
               <a:ext cx="7033689" cy="235064"/>
             </a:xfrm>
             <a:prstGeom prst="rect">
@@ -4479,21 +4454,7 @@
                   <a:ea typeface="Roboto" charset="0"/>
                   <a:cs typeface="Roboto" charset="0"/>
                 </a:rPr>
-                <a:t>OS, </a:t>
-              </a:r>
-              <a:r>
-                <a:rPr lang="en-US" sz="900" dirty="0" smtClean="0">
-                  <a:solidFill>
-                    <a:schemeClr val="tx1">
-                      <a:lumMod val="65000"/>
-                      <a:lumOff val="35000"/>
-                    </a:schemeClr>
-                  </a:solidFill>
-                  <a:latin typeface="Roboto" charset="0"/>
-                  <a:ea typeface="Roboto" charset="0"/>
-                  <a:cs typeface="Roboto" charset="0"/>
-                </a:rPr>
-                <a:t>Networking, Distributed Systems, Database Concepts, Robotic Algorithms, Software Engineering.  </a:t>
+                <a:t>OS, Networking, Distributed Systems, Database Concepts, Robotic Algorithms, Software Engineering.  </a:t>
               </a:r>
               <a:endParaRPr lang="en-US" sz="900" dirty="0">
                 <a:solidFill>
@@ -4996,13 +4957,15 @@
                   </a:bodyPr>
                   <a:lstStyle/>
                   <a:p>
-                    <a:pPr lvl="1">
+                    <a:pPr marL="628650" lvl="1" indent="-171450">
                       <a:lnSpc>
                         <a:spcPct val="110000"/>
                       </a:lnSpc>
+                      <a:buFont typeface="Lucida Grande"/>
+                      <a:buChar char="-"/>
                     </a:pPr>
                     <a:r>
-                      <a:rPr lang="en-US" sz="900" dirty="0" smtClean="0">
+                      <a:rPr lang="en-US" sz="900" dirty="0">
                         <a:solidFill>
                           <a:schemeClr val="tx1">
                             <a:lumMod val="50000"/>
@@ -5015,7 +4978,7 @@
                       <a:t>Wrote a slack bot and a </a:t>
                     </a:r>
                     <a:r>
-                      <a:rPr lang="en-US" sz="900" b="1" dirty="0" smtClean="0">
+                      <a:rPr lang="en-US" sz="900" b="1" dirty="0">
                         <a:solidFill>
                           <a:schemeClr val="tx2">
                             <a:lumMod val="60000"/>
@@ -5028,7 +4991,7 @@
                       <a:t>web crawler </a:t>
                     </a:r>
                     <a:r>
-                      <a:rPr lang="en-US" sz="900" dirty="0" smtClean="0">
+                      <a:rPr lang="en-US" sz="900" dirty="0">
                         <a:solidFill>
                           <a:schemeClr val="tx1">
                             <a:lumMod val="50000"/>
@@ -5213,13 +5176,15 @@
                   </a:bodyPr>
                   <a:lstStyle/>
                   <a:p>
-                    <a:pPr lvl="1">
+                    <a:pPr marL="628650" lvl="1" indent="-171450">
                       <a:lnSpc>
                         <a:spcPct val="110000"/>
                       </a:lnSpc>
+                      <a:buFont typeface="Lucida Grande"/>
+                      <a:buChar char="-"/>
                     </a:pPr>
                     <a:r>
-                      <a:rPr lang="en-US" sz="900" dirty="0" smtClean="0">
+                      <a:rPr lang="en-US" sz="900" dirty="0">
                         <a:solidFill>
                           <a:schemeClr val="tx1">
                             <a:lumMod val="50000"/>
@@ -5229,10 +5194,10 @@
                         <a:latin typeface="Oxygen Light"/>
                         <a:cs typeface="Oxygen Light"/>
                       </a:rPr>
-                      <a:t>Built a robotic arm to follow the movements of my hands in 3D space using </a:t>
+                      <a:t>Built a robotic arm to follow the movements of a human hand in 3D space using </a:t>
                     </a:r>
                     <a:r>
-                      <a:rPr lang="en-US" sz="900" b="1" dirty="0" smtClean="0">
+                      <a:rPr lang="en-US" sz="900" b="1" dirty="0">
                         <a:solidFill>
                           <a:schemeClr val="tx2">
                             <a:lumMod val="60000"/>
@@ -5245,7 +5210,7 @@
                       <a:t>leap motion</a:t>
                     </a:r>
                     <a:r>
-                      <a:rPr lang="en-US" sz="900" b="1" dirty="0" smtClean="0">
+                      <a:rPr lang="en-US" sz="900" b="1" dirty="0">
                         <a:solidFill>
                           <a:schemeClr val="tx1">
                             <a:lumMod val="50000"/>
@@ -5258,7 +5223,7 @@
                       <a:t> </a:t>
                     </a:r>
                     <a:r>
-                      <a:rPr lang="en-US" sz="900" dirty="0" smtClean="0">
+                      <a:rPr lang="en-US" sz="900" dirty="0">
                         <a:solidFill>
                           <a:schemeClr val="tx1">
                             <a:lumMod val="50000"/>
@@ -5281,23 +5246,10 @@
                         <a:latin typeface="Oxygen Light"/>
                         <a:cs typeface="Oxygen Light"/>
                       </a:rPr>
-                      <a:t>A</a:t>
+                      <a:t>Arduino</a:t>
                     </a:r>
                     <a:r>
-                      <a:rPr lang="en-US" sz="900" b="1" dirty="0" smtClean="0">
-                        <a:solidFill>
-                          <a:schemeClr val="tx2">
-                            <a:lumMod val="60000"/>
-                            <a:lumOff val="40000"/>
-                          </a:schemeClr>
-                        </a:solidFill>
-                        <a:latin typeface="Oxygen Light"/>
-                        <a:cs typeface="Oxygen Light"/>
-                      </a:rPr>
-                      <a:t>rduino</a:t>
-                    </a:r>
-                    <a:r>
-                      <a:rPr lang="en-US" sz="900" dirty="0" smtClean="0">
+                      <a:rPr lang="en-US" sz="900" dirty="0">
                         <a:solidFill>
                           <a:schemeClr val="tx1">
                             <a:lumMod val="50000"/>
@@ -5307,7 +5259,7 @@
                         <a:latin typeface="Oxygen Light"/>
                         <a:cs typeface="Oxygen Light"/>
                       </a:rPr>
-                      <a:t>. 	</a:t>
+                      <a:t>.</a:t>
                     </a:r>
                     <a:endParaRPr lang="en-US" sz="900" dirty="0">
                       <a:solidFill>
@@ -5475,13 +5427,15 @@
               </a:bodyPr>
               <a:lstStyle/>
               <a:p>
-                <a:pPr lvl="1">
+                <a:pPr marL="628650" lvl="1" indent="-171450">
                   <a:lnSpc>
                     <a:spcPct val="110000"/>
                   </a:lnSpc>
+                  <a:buFont typeface="Lucida Grande"/>
+                  <a:buChar char="-"/>
                 </a:pPr>
                 <a:r>
-                  <a:rPr lang="en-US" sz="900" dirty="0" err="1" smtClean="0">
+                  <a:rPr lang="en-US" sz="900" dirty="0" err="1">
                     <a:solidFill>
                       <a:schemeClr val="tx1">
                         <a:lumMod val="50000"/>
@@ -5494,7 +5448,7 @@
                   <a:t>Muvis</a:t>
                 </a:r>
                 <a:r>
-                  <a:rPr lang="en-US" sz="900" dirty="0" smtClean="0">
+                  <a:rPr lang="en-US" sz="900" dirty="0">
                     <a:solidFill>
                       <a:schemeClr val="tx1">
                         <a:lumMod val="50000"/>
@@ -5507,7 +5461,7 @@
                   <a:t> is a music visualizer </a:t>
                 </a:r>
                 <a:r>
-                  <a:rPr lang="en-US" sz="900" dirty="0" err="1" smtClean="0">
+                  <a:rPr lang="en-US" sz="900" dirty="0" err="1">
                     <a:solidFill>
                       <a:schemeClr val="tx1">
                         <a:lumMod val="50000"/>
@@ -5520,7 +5474,7 @@
                   <a:t>usign</a:t>
                 </a:r>
                 <a:r>
-                  <a:rPr lang="en-US" sz="900" dirty="0" smtClean="0">
+                  <a:rPr lang="en-US" sz="900" dirty="0">
                     <a:solidFill>
                       <a:schemeClr val="tx1">
                         <a:lumMod val="50000"/>
@@ -5533,7 +5487,7 @@
                   <a:t> d3.js  and </a:t>
                 </a:r>
                 <a:r>
-                  <a:rPr lang="en-US" sz="900" b="1" dirty="0" err="1" smtClean="0">
+                  <a:rPr lang="en-US" sz="900" b="1" dirty="0" err="1">
                     <a:solidFill>
                       <a:schemeClr val="tx2">
                         <a:lumMod val="60000"/>
@@ -5546,7 +5500,7 @@
                   <a:t>paper.js</a:t>
                 </a:r>
                 <a:r>
-                  <a:rPr lang="en-US" sz="900" b="1" dirty="0" smtClean="0">
+                  <a:rPr lang="en-US" sz="900" b="1" dirty="0">
                     <a:solidFill>
                       <a:schemeClr val="tx2">
                         <a:lumMod val="60000"/>
@@ -5559,7 +5513,7 @@
                   <a:t> </a:t>
                 </a:r>
                 <a:r>
-                  <a:rPr lang="en-US" sz="900" dirty="0" smtClean="0">
+                  <a:rPr lang="en-US" sz="900" dirty="0">
                     <a:solidFill>
                       <a:schemeClr val="tx1">
                         <a:lumMod val="50000"/>
@@ -5711,13 +5665,15 @@
               </a:bodyPr>
               <a:lstStyle/>
               <a:p>
-                <a:pPr lvl="1">
+                <a:pPr marL="628650" lvl="1" indent="-171450">
                   <a:lnSpc>
                     <a:spcPct val="110000"/>
                   </a:lnSpc>
+                  <a:buFont typeface="Lucida Grande"/>
+                  <a:buChar char="-"/>
                 </a:pPr>
                 <a:r>
-                  <a:rPr lang="en-US" sz="900" dirty="0" smtClean="0">
+                  <a:rPr lang="en-US" sz="900" dirty="0">
                     <a:solidFill>
                       <a:schemeClr val="tx1">
                         <a:lumMod val="50000"/>
@@ -5860,13 +5816,15 @@
               </a:bodyPr>
               <a:lstStyle/>
               <a:p>
-                <a:pPr lvl="1">
+                <a:pPr marL="628650" lvl="1" indent="-171450">
                   <a:lnSpc>
                     <a:spcPct val="110000"/>
                   </a:lnSpc>
+                  <a:buFont typeface="Lucida Grande"/>
+                  <a:buChar char="-"/>
                 </a:pPr>
                 <a:r>
-                  <a:rPr lang="en-US" sz="900" dirty="0" smtClean="0">
+                  <a:rPr lang="en-US" sz="900" dirty="0">
                     <a:solidFill>
                       <a:schemeClr val="tx1">
                         <a:lumMod val="50000"/>
@@ -5879,7 +5837,7 @@
                   <a:t>Developed a visualization using </a:t>
                 </a:r>
                 <a:r>
-                  <a:rPr lang="en-US" sz="900" dirty="0" err="1" smtClean="0">
+                  <a:rPr lang="en-US" sz="900" dirty="0" err="1">
                     <a:solidFill>
                       <a:schemeClr val="tx1">
                         <a:lumMod val="50000"/>
@@ -5892,7 +5850,7 @@
                   <a:t>js</a:t>
                 </a:r>
                 <a:r>
-                  <a:rPr lang="en-US" sz="900" dirty="0" smtClean="0">
+                  <a:rPr lang="en-US" sz="900" dirty="0">
                     <a:solidFill>
                       <a:schemeClr val="tx1">
                         <a:lumMod val="50000"/>
@@ -5905,7 +5863,7 @@
                   <a:t> </a:t>
                 </a:r>
                 <a:r>
-                  <a:rPr lang="en-US" sz="900" b="1" dirty="0" smtClean="0">
+                  <a:rPr lang="en-US" sz="900" b="1" dirty="0">
                     <a:solidFill>
                       <a:schemeClr val="tx2">
                         <a:lumMod val="60000"/>
@@ -5918,7 +5876,7 @@
                   <a:t>canvas</a:t>
                 </a:r>
                 <a:r>
-                  <a:rPr lang="en-US" sz="900" dirty="0" smtClean="0">
+                  <a:rPr lang="en-US" sz="900" dirty="0">
                     <a:solidFill>
                       <a:schemeClr val="tx1">
                         <a:lumMod val="50000"/>
@@ -5931,7 +5889,7 @@
                   <a:t> portraying a network. It is basically a simpler version of </a:t>
                 </a:r>
                 <a:r>
-                  <a:rPr lang="en-US" sz="900" b="1" dirty="0" err="1" smtClean="0">
+                  <a:rPr lang="en-US" sz="900" b="1" dirty="0" err="1">
                     <a:solidFill>
                       <a:schemeClr val="tx2">
                         <a:lumMod val="60000"/>
@@ -5944,7 +5902,7 @@
                   <a:t>particle.js</a:t>
                 </a:r>
                 <a:r>
-                  <a:rPr lang="en-US" sz="900" b="1" dirty="0" smtClean="0">
+                  <a:rPr lang="en-US" sz="900" b="1" dirty="0">
                     <a:solidFill>
                       <a:schemeClr val="tx1">
                         <a:lumMod val="50000"/>
@@ -5957,7 +5915,7 @@
                   <a:t>.</a:t>
                 </a:r>
                 <a:r>
-                  <a:rPr lang="en-US" sz="900" dirty="0" smtClean="0">
+                  <a:rPr lang="en-US" sz="900" dirty="0">
                     <a:solidFill>
                       <a:schemeClr val="tx1">
                         <a:lumMod val="50000"/>
@@ -5967,7 +5925,7 @@
                     <a:latin typeface="Oxygen Light"/>
                     <a:cs typeface="Oxygen Light"/>
                   </a:rPr>
-                  <a:t> 	</a:t>
+                  <a:t> </a:t>
                 </a:r>
                 <a:endParaRPr lang="en-US" sz="900" dirty="0">
                   <a:solidFill>
@@ -6093,13 +6051,15 @@
               </a:bodyPr>
               <a:lstStyle/>
               <a:p>
-                <a:pPr lvl="1">
+                <a:pPr marL="628650" lvl="1" indent="-171450">
                   <a:lnSpc>
                     <a:spcPct val="110000"/>
                   </a:lnSpc>
+                  <a:buFont typeface="Lucida Grande"/>
+                  <a:buChar char="-"/>
                 </a:pPr>
                 <a:r>
-                  <a:rPr lang="en-US" sz="900" dirty="0" smtClean="0">
+                  <a:rPr lang="en-US" sz="900" dirty="0">
                     <a:solidFill>
                       <a:schemeClr val="tx1">
                         <a:lumMod val="50000"/>
@@ -6419,20 +6379,7 @@
                 <a:latin typeface="Oxygen Light"/>
                 <a:cs typeface="Oxygen Light"/>
               </a:rPr>
-              <a:t>. Launched the feature </a:t>
-            </a:r>
-            <a:r>
-              <a:rPr lang="en-US" sz="900" dirty="0" smtClean="0">
-                <a:solidFill>
-                  <a:schemeClr val="tx1">
-                    <a:lumMod val="50000"/>
-                    <a:lumOff val="50000"/>
-                  </a:schemeClr>
-                </a:solidFill>
-                <a:latin typeface="Oxygen Light"/>
-                <a:cs typeface="Oxygen Light"/>
-              </a:rPr>
-              <a:t>for</a:t>
+              <a:t>. Launched the feature for</a:t>
             </a:r>
             <a:r>
               <a:rPr lang="en-US" sz="900" dirty="0">
@@ -6458,20 +6405,7 @@
                 <a:latin typeface="Oxygen Light"/>
                 <a:cs typeface="Oxygen Light"/>
               </a:rPr>
-              <a:t>Video </a:t>
-            </a:r>
-            <a:r>
-              <a:rPr lang="en-US" sz="900" dirty="0" smtClean="0">
-                <a:solidFill>
-                  <a:schemeClr val="tx1">
-                    <a:lumMod val="50000"/>
-                    <a:lumOff val="50000"/>
-                  </a:schemeClr>
-                </a:solidFill>
-                <a:latin typeface="Oxygen Light"/>
-                <a:cs typeface="Oxygen Light"/>
-              </a:rPr>
-              <a:t>Music Awards 2016.</a:t>
+              <a:t>Video Music Awards 2016.</a:t>
             </a:r>
           </a:p>
           <a:p>
@@ -7403,14 +7337,7 @@
                     <a:latin typeface="Oxygen Light"/>
                     <a:cs typeface="Oxygen Light"/>
                   </a:rPr>
-                  <a:t>Co-founder, Backend </a:t>
-                </a:r>
-                <a:r>
-                  <a:rPr lang="en-US" sz="1000" dirty="0" smtClean="0">
-                    <a:latin typeface="Oxygen Light"/>
-                    <a:cs typeface="Oxygen Light"/>
-                  </a:rPr>
-                  <a:t>Engineer </a:t>
+                  <a:t>Co-founder, Backend Engineer </a:t>
                 </a:r>
                 <a:endParaRPr lang="en-US" dirty="0"/>
               </a:p>
@@ -8057,14 +7984,7 @@
                   <a:latin typeface="Roboto Regular"/>
                   <a:cs typeface="Roboto Regular"/>
                 </a:rPr>
-                <a:t>CSE421/521 : Operating Systems </a:t>
-              </a:r>
-              <a:r>
-                <a:rPr lang="en-US" sz="900" b="1" dirty="0" smtClean="0">
-                  <a:latin typeface="Roboto Regular"/>
-                  <a:cs typeface="Roboto Regular"/>
-                </a:rPr>
-                <a:t>(ops-</a:t>
+                <a:t>CSE421/521 : Operating Systems (ops-</a:t>
               </a:r>
               <a:r>
                 <a:rPr lang="en-US" sz="900" b="1" dirty="0" err="1" smtClean="0">
@@ -8080,10 +8000,6 @@
                 </a:rPr>
                 <a:t>)</a:t>
               </a:r>
-              <a:endParaRPr lang="en-US" sz="900" b="1" dirty="0" smtClean="0">
-                <a:latin typeface="Roboto Regular"/>
-                <a:cs typeface="Roboto Regular"/>
-              </a:endParaRPr>
             </a:p>
           </p:txBody>
         </p:sp>
@@ -8118,14 +8034,7 @@
                   <a:latin typeface="Roboto Regular"/>
                   <a:cs typeface="Roboto Regular"/>
                 </a:rPr>
-                <a:t>CSE199 : How the Internet </a:t>
-              </a:r>
-              <a:r>
-                <a:rPr lang="en-US" sz="900" b="1" dirty="0" smtClean="0">
-                  <a:latin typeface="Roboto Regular"/>
-                  <a:cs typeface="Roboto Regular"/>
-                </a:rPr>
-                <a:t>Works (internet-</a:t>
+                <a:t>CSE199 : How the Internet Works (internet-</a:t>
               </a:r>
               <a:r>
                 <a:rPr lang="en-US" sz="900" b="1" dirty="0" err="1" smtClean="0">
@@ -8141,10 +8050,6 @@
                 </a:rPr>
                 <a:t>)</a:t>
               </a:r>
-              <a:endParaRPr lang="en-US" sz="900" b="1" dirty="0" smtClean="0">
-                <a:latin typeface="Roboto Regular"/>
-                <a:cs typeface="Roboto Regular"/>
-              </a:endParaRPr>
             </a:p>
           </p:txBody>
         </p:sp>
@@ -8927,6 +8832,19 @@
               <a:buChar char="-"/>
             </a:pPr>
             <a:r>
+              <a:rPr lang="en-US" sz="900" dirty="0" smtClean="0">
+                <a:solidFill>
+                  <a:schemeClr val="tx1">
+                    <a:lumMod val="50000"/>
+                    <a:lumOff val="50000"/>
+                  </a:schemeClr>
+                </a:solidFill>
+                <a:latin typeface="Oxygen Light"/>
+                <a:cs typeface="Oxygen Light"/>
+              </a:rPr>
+              <a:t>Carefully </a:t>
+            </a:r>
+            <a:r>
               <a:rPr lang="en-US" sz="900" dirty="0">
                 <a:solidFill>
                   <a:schemeClr val="tx1">
@@ -8937,7 +8855,7 @@
                 <a:latin typeface="Oxygen Light"/>
                 <a:cs typeface="Oxygen Light"/>
               </a:rPr>
-              <a:t> Carefully designed and successfully </a:t>
+              <a:t>designed and successfully </a:t>
             </a:r>
             <a:r>
               <a:rPr lang="en-US" sz="900" b="1" dirty="0">
